--- a/Meeting Presentations/03.11.2022_General_meeting.pptx
+++ b/Meeting Presentations/03.11.2022_General_meeting.pptx
@@ -2,12 +2,18 @@
 <file path=ppt/presentation.xml><?xml version="1.0" encoding="utf-8"?>
 <p:presentation xmlns:a="http://schemas.openxmlformats.org/drawingml/2006/main" xmlns:r="http://schemas.openxmlformats.org/officeDocument/2006/relationships" xmlns:p="http://schemas.openxmlformats.org/presentationml/2006/main" saveSubsetFonts="1">
   <p:sldMasterIdLst>
-    <p:sldMasterId id="2147483648" r:id="rId1"/>
+    <p:sldMasterId id="2147483744" r:id="rId1"/>
   </p:sldMasterIdLst>
   <p:sldIdLst>
     <p:sldId id="256" r:id="rId2"/>
     <p:sldId id="257" r:id="rId3"/>
     <p:sldId id="258" r:id="rId4"/>
+    <p:sldId id="262" r:id="rId5"/>
+    <p:sldId id="264" r:id="rId6"/>
+    <p:sldId id="259" r:id="rId7"/>
+    <p:sldId id="260" r:id="rId8"/>
+    <p:sldId id="261" r:id="rId9"/>
+    <p:sldId id="263" r:id="rId10"/>
   </p:sldIdLst>
   <p:sldSz cx="12192000" cy="6858000"/>
   <p:notesSz cx="6858000" cy="9144000"/>
@@ -15,7 +21,7 @@
     <a:defPPr>
       <a:defRPr lang="en-US"/>
     </a:defPPr>
-    <a:lvl1pPr marL="0" algn="l" defTabSz="914400" rtl="0" eaLnBrk="1" latinLnBrk="0" hangingPunct="1">
+    <a:lvl1pPr marL="0" algn="l" defTabSz="457200" rtl="0" eaLnBrk="1" latinLnBrk="0" hangingPunct="1">
       <a:defRPr sz="1800" kern="1200">
         <a:solidFill>
           <a:schemeClr val="tx1"/>
@@ -25,7 +31,7 @@
         <a:cs typeface="+mn-cs"/>
       </a:defRPr>
     </a:lvl1pPr>
-    <a:lvl2pPr marL="457200" algn="l" defTabSz="914400" rtl="0" eaLnBrk="1" latinLnBrk="0" hangingPunct="1">
+    <a:lvl2pPr marL="457200" algn="l" defTabSz="457200" rtl="0" eaLnBrk="1" latinLnBrk="0" hangingPunct="1">
       <a:defRPr sz="1800" kern="1200">
         <a:solidFill>
           <a:schemeClr val="tx1"/>
@@ -35,7 +41,7 @@
         <a:cs typeface="+mn-cs"/>
       </a:defRPr>
     </a:lvl2pPr>
-    <a:lvl3pPr marL="914400" algn="l" defTabSz="914400" rtl="0" eaLnBrk="1" latinLnBrk="0" hangingPunct="1">
+    <a:lvl3pPr marL="914400" algn="l" defTabSz="457200" rtl="0" eaLnBrk="1" latinLnBrk="0" hangingPunct="1">
       <a:defRPr sz="1800" kern="1200">
         <a:solidFill>
           <a:schemeClr val="tx1"/>
@@ -45,7 +51,7 @@
         <a:cs typeface="+mn-cs"/>
       </a:defRPr>
     </a:lvl3pPr>
-    <a:lvl4pPr marL="1371600" algn="l" defTabSz="914400" rtl="0" eaLnBrk="1" latinLnBrk="0" hangingPunct="1">
+    <a:lvl4pPr marL="1371600" algn="l" defTabSz="457200" rtl="0" eaLnBrk="1" latinLnBrk="0" hangingPunct="1">
       <a:defRPr sz="1800" kern="1200">
         <a:solidFill>
           <a:schemeClr val="tx1"/>
@@ -55,7 +61,7 @@
         <a:cs typeface="+mn-cs"/>
       </a:defRPr>
     </a:lvl4pPr>
-    <a:lvl5pPr marL="1828800" algn="l" defTabSz="914400" rtl="0" eaLnBrk="1" latinLnBrk="0" hangingPunct="1">
+    <a:lvl5pPr marL="1828800" algn="l" defTabSz="457200" rtl="0" eaLnBrk="1" latinLnBrk="0" hangingPunct="1">
       <a:defRPr sz="1800" kern="1200">
         <a:solidFill>
           <a:schemeClr val="tx1"/>
@@ -65,7 +71,7 @@
         <a:cs typeface="+mn-cs"/>
       </a:defRPr>
     </a:lvl5pPr>
-    <a:lvl6pPr marL="2286000" algn="l" defTabSz="914400" rtl="0" eaLnBrk="1" latinLnBrk="0" hangingPunct="1">
+    <a:lvl6pPr marL="2286000" algn="l" defTabSz="457200" rtl="0" eaLnBrk="1" latinLnBrk="0" hangingPunct="1">
       <a:defRPr sz="1800" kern="1200">
         <a:solidFill>
           <a:schemeClr val="tx1"/>
@@ -75,7 +81,7 @@
         <a:cs typeface="+mn-cs"/>
       </a:defRPr>
     </a:lvl6pPr>
-    <a:lvl7pPr marL="2743200" algn="l" defTabSz="914400" rtl="0" eaLnBrk="1" latinLnBrk="0" hangingPunct="1">
+    <a:lvl7pPr marL="2743200" algn="l" defTabSz="457200" rtl="0" eaLnBrk="1" latinLnBrk="0" hangingPunct="1">
       <a:defRPr sz="1800" kern="1200">
         <a:solidFill>
           <a:schemeClr val="tx1"/>
@@ -85,7 +91,7 @@
         <a:cs typeface="+mn-cs"/>
       </a:defRPr>
     </a:lvl7pPr>
-    <a:lvl8pPr marL="3200400" algn="l" defTabSz="914400" rtl="0" eaLnBrk="1" latinLnBrk="0" hangingPunct="1">
+    <a:lvl8pPr marL="3200400" algn="l" defTabSz="457200" rtl="0" eaLnBrk="1" latinLnBrk="0" hangingPunct="1">
       <a:defRPr sz="1800" kern="1200">
         <a:solidFill>
           <a:schemeClr val="tx1"/>
@@ -95,7 +101,7 @@
         <a:cs typeface="+mn-cs"/>
       </a:defRPr>
     </a:lvl8pPr>
-    <a:lvl9pPr marL="3657600" algn="l" defTabSz="914400" rtl="0" eaLnBrk="1" latinLnBrk="0" hangingPunct="1">
+    <a:lvl9pPr marL="3657600" algn="l" defTabSz="457200" rtl="0" eaLnBrk="1" latinLnBrk="0" hangingPunct="1">
       <a:defRPr sz="1800" kern="1200">
         <a:solidFill>
           <a:schemeClr val="tx1"/>
@@ -112,6 +118,14 @@
 <file path=ppt/slideLayouts/slideLayout1.xml><?xml version="1.0" encoding="utf-8"?>
 <p:sldLayout xmlns:a="http://schemas.openxmlformats.org/drawingml/2006/main" xmlns:r="http://schemas.openxmlformats.org/officeDocument/2006/relationships" xmlns:p="http://schemas.openxmlformats.org/presentationml/2006/main" type="title" preserve="1">
   <p:cSld name="Title Slide">
+    <p:bg>
+      <p:bgPr>
+        <a:solidFill>
+          <a:schemeClr val="accent1"/>
+        </a:solidFill>
+        <a:effectLst/>
+      </p:bgPr>
+    </p:bg>
     <p:spTree>
       <p:nvGrpSpPr>
         <p:cNvPr id="1" name=""/>
@@ -128,31 +142,69 @@
       </p:grpSpPr>
       <p:sp>
         <p:nvSpPr>
-          <p:cNvPr id="2" name="Title 1">
-            <a:extLst>
-              <a:ext uri="{FF2B5EF4-FFF2-40B4-BE49-F238E27FC236}">
-                <a16:creationId xmlns:a16="http://schemas.microsoft.com/office/drawing/2014/main" id="{DD01B18C-70F6-4D14-A603-16A279E0D1E8}"/>
-              </a:ext>
-            </a:extLst>
-          </p:cNvPr>
-          <p:cNvSpPr>
-            <a:spLocks noGrp="1"/>
-          </p:cNvSpPr>
-          <p:nvPr>
-            <p:ph type="ctrTitle"/>
-          </p:nvPr>
+          <p:cNvPr id="4" name="Rectangle 3"/>
+          <p:cNvSpPr/>
+          <p:nvPr/>
         </p:nvSpPr>
         <p:spPr>
           <a:xfrm>
-            <a:off x="1524000" y="1122363"/>
-            <a:ext cx="9144000" cy="2387600"/>
+            <a:off x="0" y="0"/>
+            <a:ext cx="12192000" cy="6858000"/>
+          </a:xfrm>
+          <a:prstGeom prst="rect">
+            <a:avLst/>
+          </a:prstGeom>
+          <a:ln>
+            <a:noFill/>
+          </a:ln>
+        </p:spPr>
+        <p:style>
+          <a:lnRef idx="2">
+            <a:schemeClr val="accent1">
+              <a:shade val="50000"/>
+            </a:schemeClr>
+          </a:lnRef>
+          <a:fillRef idx="1">
+            <a:schemeClr val="accent1"/>
+          </a:fillRef>
+          <a:effectRef idx="0">
+            <a:schemeClr val="accent1"/>
+          </a:effectRef>
+          <a:fontRef idx="minor">
+            <a:schemeClr val="lt1"/>
+          </a:fontRef>
+        </p:style>
+      </p:sp>
+      <p:sp>
+        <p:nvSpPr>
+          <p:cNvPr id="2" name="Title 1"/>
+          <p:cNvSpPr>
+            <a:spLocks noGrp="1"/>
+          </p:cNvSpPr>
+          <p:nvPr>
+            <p:ph type="ctrTitle"/>
+          </p:nvPr>
+        </p:nvSpPr>
+        <p:spPr>
+          <a:xfrm>
+            <a:off x="603504" y="770467"/>
+            <a:ext cx="10782300" cy="3352800"/>
           </a:xfrm>
         </p:spPr>
         <p:txBody>
-          <a:bodyPr anchor="b"/>
+          <a:bodyPr anchor="b">
+            <a:noAutofit/>
+          </a:bodyPr>
           <a:lstStyle>
-            <a:lvl1pPr algn="ctr">
-              <a:defRPr sz="6000"/>
+            <a:lvl1pPr algn="l">
+              <a:lnSpc>
+                <a:spcPct val="80000"/>
+              </a:lnSpc>
+              <a:defRPr sz="8800" spc="-120" baseline="0">
+                <a:solidFill>
+                  <a:srgbClr val="FFFFFF"/>
+                </a:solidFill>
+              </a:defRPr>
             </a:lvl1pPr>
           </a:lstStyle>
           <a:p>
@@ -160,19 +212,13 @@
               <a:rPr lang="en-US"/>
               <a:t>Click to edit Master title style</a:t>
             </a:r>
-            <a:endParaRPr lang="en-GB"/>
-          </a:p>
-        </p:txBody>
-      </p:sp>
-      <p:sp>
-        <p:nvSpPr>
-          <p:cNvPr id="3" name="Subtitle 2">
-            <a:extLst>
-              <a:ext uri="{FF2B5EF4-FFF2-40B4-BE49-F238E27FC236}">
-                <a16:creationId xmlns:a16="http://schemas.microsoft.com/office/drawing/2014/main" id="{1B3EDA47-AE3A-478C-8CE0-C54D8C26E607}"/>
-              </a:ext>
-            </a:extLst>
-          </p:cNvPr>
+            <a:endParaRPr lang="en-US" dirty="0"/>
+          </a:p>
+        </p:txBody>
+      </p:sp>
+      <p:sp>
+        <p:nvSpPr>
+          <p:cNvPr id="3" name="Subtitle 2"/>
           <p:cNvSpPr>
             <a:spLocks noGrp="1"/>
           </p:cNvSpPr>
@@ -182,79 +228,90 @@
         </p:nvSpPr>
         <p:spPr>
           <a:xfrm>
-            <a:off x="1524000" y="3602038"/>
-            <a:ext cx="9144000" cy="1655762"/>
+            <a:off x="667512" y="4206876"/>
+            <a:ext cx="9228201" cy="1645920"/>
           </a:xfrm>
         </p:spPr>
         <p:txBody>
+          <a:bodyPr>
+            <a:normAutofit/>
+          </a:bodyPr>
+          <a:lstStyle>
+            <a:lvl1pPr marL="0" indent="0" algn="l">
+              <a:buNone/>
+              <a:defRPr sz="3200">
+                <a:solidFill>
+                  <a:srgbClr val="262626"/>
+                </a:solidFill>
+                <a:latin typeface="+mj-lt"/>
+              </a:defRPr>
+            </a:lvl1pPr>
+            <a:lvl2pPr marL="457200" indent="0" algn="ctr">
+              <a:buNone/>
+              <a:defRPr sz="2800"/>
+            </a:lvl2pPr>
+            <a:lvl3pPr marL="914400" indent="0" algn="ctr">
+              <a:buNone/>
+              <a:defRPr sz="2400"/>
+            </a:lvl3pPr>
+            <a:lvl4pPr marL="1371600" indent="0" algn="ctr">
+              <a:buNone/>
+              <a:defRPr sz="2000"/>
+            </a:lvl4pPr>
+            <a:lvl5pPr marL="1828800" indent="0" algn="ctr">
+              <a:buNone/>
+              <a:defRPr sz="2000"/>
+            </a:lvl5pPr>
+            <a:lvl6pPr marL="2286000" indent="0" algn="ctr">
+              <a:buNone/>
+              <a:defRPr sz="2000"/>
+            </a:lvl6pPr>
+            <a:lvl7pPr marL="2743200" indent="0" algn="ctr">
+              <a:buNone/>
+              <a:defRPr sz="2000"/>
+            </a:lvl7pPr>
+            <a:lvl8pPr marL="3200400" indent="0" algn="ctr">
+              <a:buNone/>
+              <a:defRPr sz="2000"/>
+            </a:lvl8pPr>
+            <a:lvl9pPr marL="3657600" indent="0" algn="ctr">
+              <a:buNone/>
+              <a:defRPr sz="2000"/>
+            </a:lvl9pPr>
+          </a:lstStyle>
+          <a:p>
+            <a:r>
+              <a:rPr lang="en-US"/>
+              <a:t>Click to edit Master subtitle style</a:t>
+            </a:r>
+            <a:endParaRPr lang="en-US" dirty="0"/>
+          </a:p>
+        </p:txBody>
+      </p:sp>
+      <p:sp>
+        <p:nvSpPr>
+          <p:cNvPr id="7" name="Date Placeholder 6"/>
+          <p:cNvSpPr>
+            <a:spLocks noGrp="1"/>
+          </p:cNvSpPr>
+          <p:nvPr>
+            <p:ph type="dt" sz="half" idx="10"/>
+          </p:nvPr>
+        </p:nvSpPr>
+        <p:spPr/>
+        <p:txBody>
           <a:bodyPr/>
           <a:lstStyle>
-            <a:lvl1pPr marL="0" indent="0" algn="ctr">
-              <a:buNone/>
-              <a:defRPr sz="2400"/>
+            <a:lvl1pPr>
+              <a:defRPr>
+                <a:solidFill>
+                  <a:srgbClr val="FFFFFF">
+                    <a:alpha val="80000"/>
+                  </a:srgbClr>
+                </a:solidFill>
+              </a:defRPr>
             </a:lvl1pPr>
-            <a:lvl2pPr marL="457200" indent="0" algn="ctr">
-              <a:buNone/>
-              <a:defRPr sz="2000"/>
-            </a:lvl2pPr>
-            <a:lvl3pPr marL="914400" indent="0" algn="ctr">
-              <a:buNone/>
-              <a:defRPr sz="1800"/>
-            </a:lvl3pPr>
-            <a:lvl4pPr marL="1371600" indent="0" algn="ctr">
-              <a:buNone/>
-              <a:defRPr sz="1600"/>
-            </a:lvl4pPr>
-            <a:lvl5pPr marL="1828800" indent="0" algn="ctr">
-              <a:buNone/>
-              <a:defRPr sz="1600"/>
-            </a:lvl5pPr>
-            <a:lvl6pPr marL="2286000" indent="0" algn="ctr">
-              <a:buNone/>
-              <a:defRPr sz="1600"/>
-            </a:lvl6pPr>
-            <a:lvl7pPr marL="2743200" indent="0" algn="ctr">
-              <a:buNone/>
-              <a:defRPr sz="1600"/>
-            </a:lvl7pPr>
-            <a:lvl8pPr marL="3200400" indent="0" algn="ctr">
-              <a:buNone/>
-              <a:defRPr sz="1600"/>
-            </a:lvl8pPr>
-            <a:lvl9pPr marL="3657600" indent="0" algn="ctr">
-              <a:buNone/>
-              <a:defRPr sz="1600"/>
-            </a:lvl9pPr>
           </a:lstStyle>
-          <a:p>
-            <a:r>
-              <a:rPr lang="en-US"/>
-              <a:t>Click to edit Master subtitle style</a:t>
-            </a:r>
-            <a:endParaRPr lang="en-GB"/>
-          </a:p>
-        </p:txBody>
-      </p:sp>
-      <p:sp>
-        <p:nvSpPr>
-          <p:cNvPr id="4" name="Date Placeholder 3">
-            <a:extLst>
-              <a:ext uri="{FF2B5EF4-FFF2-40B4-BE49-F238E27FC236}">
-                <a16:creationId xmlns:a16="http://schemas.microsoft.com/office/drawing/2014/main" id="{96157806-3242-435F-85B5-96C4A0C5DB05}"/>
-              </a:ext>
-            </a:extLst>
-          </p:cNvPr>
-          <p:cNvSpPr>
-            <a:spLocks noGrp="1"/>
-          </p:cNvSpPr>
-          <p:nvPr>
-            <p:ph type="dt" sz="half" idx="10"/>
-          </p:nvPr>
-        </p:nvSpPr>
-        <p:spPr/>
-        <p:txBody>
-          <a:bodyPr/>
-          <a:lstStyle/>
           <a:p>
             <a:fld id="{AE2E62AD-754A-40FC-A660-072484288696}" type="datetimeFigureOut">
               <a:rPr lang="en-GB" smtClean="0"/>
@@ -266,13 +323,7 @@
       </p:sp>
       <p:sp>
         <p:nvSpPr>
-          <p:cNvPr id="5" name="Footer Placeholder 4">
-            <a:extLst>
-              <a:ext uri="{FF2B5EF4-FFF2-40B4-BE49-F238E27FC236}">
-                <a16:creationId xmlns:a16="http://schemas.microsoft.com/office/drawing/2014/main" id="{1BD9E4C6-15B5-4C1F-8775-E291859C0351}"/>
-              </a:ext>
-            </a:extLst>
-          </p:cNvPr>
+          <p:cNvPr id="8" name="Footer Placeholder 7"/>
           <p:cNvSpPr>
             <a:spLocks noGrp="1"/>
           </p:cNvSpPr>
@@ -283,7 +334,17 @@
         <p:spPr/>
         <p:txBody>
           <a:bodyPr/>
-          <a:lstStyle/>
+          <a:lstStyle>
+            <a:lvl1pPr>
+              <a:defRPr>
+                <a:solidFill>
+                  <a:srgbClr val="FFFFFF">
+                    <a:alpha val="80000"/>
+                  </a:srgbClr>
+                </a:solidFill>
+              </a:defRPr>
+            </a:lvl1pPr>
+          </a:lstStyle>
           <a:p>
             <a:endParaRPr lang="en-GB"/>
           </a:p>
@@ -291,13 +352,7 @@
       </p:sp>
       <p:sp>
         <p:nvSpPr>
-          <p:cNvPr id="6" name="Slide Number Placeholder 5">
-            <a:extLst>
-              <a:ext uri="{FF2B5EF4-FFF2-40B4-BE49-F238E27FC236}">
-                <a16:creationId xmlns:a16="http://schemas.microsoft.com/office/drawing/2014/main" id="{F592CE61-43E4-47C0-99D3-12CFC68907C9}"/>
-              </a:ext>
-            </a:extLst>
-          </p:cNvPr>
+          <p:cNvPr id="9" name="Slide Number Placeholder 8"/>
           <p:cNvSpPr>
             <a:spLocks noGrp="1"/>
           </p:cNvSpPr>
@@ -308,7 +363,17 @@
         <p:spPr/>
         <p:txBody>
           <a:bodyPr/>
-          <a:lstStyle/>
+          <a:lstStyle>
+            <a:lvl1pPr>
+              <a:defRPr>
+                <a:solidFill>
+                  <a:srgbClr val="FFFFFF">
+                    <a:alpha val="25000"/>
+                  </a:srgbClr>
+                </a:solidFill>
+              </a:defRPr>
+            </a:lvl1pPr>
+          </a:lstStyle>
           <a:p>
             <a:fld id="{60CA93F6-D6F8-49E6-8DA3-93D1DA748784}" type="slidenum">
               <a:rPr lang="en-GB" smtClean="0"/>
@@ -321,7 +386,7 @@
     </p:spTree>
     <p:extLst>
       <p:ext uri="{BB962C8B-B14F-4D97-AF65-F5344CB8AC3E}">
-        <p14:creationId xmlns:p14="http://schemas.microsoft.com/office/powerpoint/2010/main" val="3781033853"/>
+        <p14:creationId xmlns:p14="http://schemas.microsoft.com/office/powerpoint/2010/main" val="68276550"/>
       </p:ext>
     </p:extLst>
   </p:cSld>
@@ -350,13 +415,7 @@
       </p:grpSpPr>
       <p:sp>
         <p:nvSpPr>
-          <p:cNvPr id="2" name="Title 1">
-            <a:extLst>
-              <a:ext uri="{FF2B5EF4-FFF2-40B4-BE49-F238E27FC236}">
-                <a16:creationId xmlns:a16="http://schemas.microsoft.com/office/drawing/2014/main" id="{2E5509D7-07A0-4897-B2D4-A73924AAE491}"/>
-              </a:ext>
-            </a:extLst>
-          </p:cNvPr>
+          <p:cNvPr id="2" name="Title 1"/>
           <p:cNvSpPr>
             <a:spLocks noGrp="1"/>
           </p:cNvSpPr>
@@ -373,19 +432,13 @@
               <a:rPr lang="en-US"/>
               <a:t>Click to edit Master title style</a:t>
             </a:r>
-            <a:endParaRPr lang="en-GB"/>
-          </a:p>
-        </p:txBody>
-      </p:sp>
-      <p:sp>
-        <p:nvSpPr>
-          <p:cNvPr id="3" name="Vertical Text Placeholder 2">
-            <a:extLst>
-              <a:ext uri="{FF2B5EF4-FFF2-40B4-BE49-F238E27FC236}">
-                <a16:creationId xmlns:a16="http://schemas.microsoft.com/office/drawing/2014/main" id="{EEE96CA4-680B-4790-A33E-EBBB24C3C4AA}"/>
-              </a:ext>
-            </a:extLst>
-          </p:cNvPr>
+            <a:endParaRPr lang="en-US" dirty="0"/>
+          </a:p>
+        </p:txBody>
+      </p:sp>
+      <p:sp>
+        <p:nvSpPr>
+          <p:cNvPr id="3" name="Vertical Text Placeholder 2"/>
           <p:cNvSpPr>
             <a:spLocks noGrp="1"/>
           </p:cNvSpPr>
@@ -431,19 +484,13 @@
               <a:rPr lang="en-US"/>
               <a:t>Fifth level</a:t>
             </a:r>
-            <a:endParaRPr lang="en-GB"/>
-          </a:p>
-        </p:txBody>
-      </p:sp>
-      <p:sp>
-        <p:nvSpPr>
-          <p:cNvPr id="4" name="Date Placeholder 3">
-            <a:extLst>
-              <a:ext uri="{FF2B5EF4-FFF2-40B4-BE49-F238E27FC236}">
-                <a16:creationId xmlns:a16="http://schemas.microsoft.com/office/drawing/2014/main" id="{E9D43CF1-028B-4F5D-AC14-BC594BBBB8EC}"/>
-              </a:ext>
-            </a:extLst>
-          </p:cNvPr>
+            <a:endParaRPr lang="en-US" dirty="0"/>
+          </a:p>
+        </p:txBody>
+      </p:sp>
+      <p:sp>
+        <p:nvSpPr>
+          <p:cNvPr id="4" name="Date Placeholder 3"/>
           <p:cNvSpPr>
             <a:spLocks noGrp="1"/>
           </p:cNvSpPr>
@@ -466,13 +513,7 @@
       </p:sp>
       <p:sp>
         <p:nvSpPr>
-          <p:cNvPr id="5" name="Footer Placeholder 4">
-            <a:extLst>
-              <a:ext uri="{FF2B5EF4-FFF2-40B4-BE49-F238E27FC236}">
-                <a16:creationId xmlns:a16="http://schemas.microsoft.com/office/drawing/2014/main" id="{EE7BCE16-F852-4760-84D5-BFDA3788A704}"/>
-              </a:ext>
-            </a:extLst>
-          </p:cNvPr>
+          <p:cNvPr id="5" name="Footer Placeholder 4"/>
           <p:cNvSpPr>
             <a:spLocks noGrp="1"/>
           </p:cNvSpPr>
@@ -491,13 +532,7 @@
       </p:sp>
       <p:sp>
         <p:nvSpPr>
-          <p:cNvPr id="6" name="Slide Number Placeholder 5">
-            <a:extLst>
-              <a:ext uri="{FF2B5EF4-FFF2-40B4-BE49-F238E27FC236}">
-                <a16:creationId xmlns:a16="http://schemas.microsoft.com/office/drawing/2014/main" id="{9FAEFC8C-3FBA-4A8A-9E93-25A87D7914A6}"/>
-              </a:ext>
-            </a:extLst>
-          </p:cNvPr>
+          <p:cNvPr id="6" name="Slide Number Placeholder 5"/>
           <p:cNvSpPr>
             <a:spLocks noGrp="1"/>
           </p:cNvSpPr>
@@ -521,7 +556,7 @@
     </p:spTree>
     <p:extLst>
       <p:ext uri="{BB962C8B-B14F-4D97-AF65-F5344CB8AC3E}">
-        <p14:creationId xmlns:p14="http://schemas.microsoft.com/office/powerpoint/2010/main" val="1246766766"/>
+        <p14:creationId xmlns:p14="http://schemas.microsoft.com/office/powerpoint/2010/main" val="2096928575"/>
       </p:ext>
     </p:extLst>
   </p:cSld>
@@ -550,13 +585,7 @@
       </p:grpSpPr>
       <p:sp>
         <p:nvSpPr>
-          <p:cNvPr id="2" name="Vertical Title 1">
-            <a:extLst>
-              <a:ext uri="{FF2B5EF4-FFF2-40B4-BE49-F238E27FC236}">
-                <a16:creationId xmlns:a16="http://schemas.microsoft.com/office/drawing/2014/main" id="{3EC0D526-A421-4CDA-8F2A-A34064D7F8FC}"/>
-              </a:ext>
-            </a:extLst>
-          </p:cNvPr>
+          <p:cNvPr id="2" name="Vertical Title 1"/>
           <p:cNvSpPr>
             <a:spLocks noGrp="1"/>
           </p:cNvSpPr>
@@ -566,8 +595,8 @@
         </p:nvSpPr>
         <p:spPr>
           <a:xfrm>
-            <a:off x="8724900" y="365125"/>
-            <a:ext cx="2628900" cy="5811838"/>
+            <a:off x="8743950" y="695325"/>
+            <a:ext cx="2628900" cy="4800600"/>
           </a:xfrm>
         </p:spPr>
         <p:txBody>
@@ -578,19 +607,13 @@
               <a:rPr lang="en-US"/>
               <a:t>Click to edit Master title style</a:t>
             </a:r>
-            <a:endParaRPr lang="en-GB"/>
-          </a:p>
-        </p:txBody>
-      </p:sp>
-      <p:sp>
-        <p:nvSpPr>
-          <p:cNvPr id="3" name="Vertical Text Placeholder 2">
-            <a:extLst>
-              <a:ext uri="{FF2B5EF4-FFF2-40B4-BE49-F238E27FC236}">
-                <a16:creationId xmlns:a16="http://schemas.microsoft.com/office/drawing/2014/main" id="{1FF97CAB-66F8-439D-80F5-113E67155933}"/>
-              </a:ext>
-            </a:extLst>
-          </p:cNvPr>
+            <a:endParaRPr lang="en-US" dirty="0"/>
+          </a:p>
+        </p:txBody>
+      </p:sp>
+      <p:sp>
+        <p:nvSpPr>
+          <p:cNvPr id="3" name="Vertical Text Placeholder 2"/>
           <p:cNvSpPr>
             <a:spLocks noGrp="1"/>
           </p:cNvSpPr>
@@ -600,8 +623,8 @@
         </p:nvSpPr>
         <p:spPr>
           <a:xfrm>
-            <a:off x="838200" y="365125"/>
-            <a:ext cx="7734300" cy="5811838"/>
+            <a:off x="771525" y="714375"/>
+            <a:ext cx="7734300" cy="5400675"/>
           </a:xfrm>
         </p:spPr>
         <p:txBody>
@@ -641,19 +664,13 @@
               <a:rPr lang="en-US"/>
               <a:t>Fifth level</a:t>
             </a:r>
-            <a:endParaRPr lang="en-GB"/>
-          </a:p>
-        </p:txBody>
-      </p:sp>
-      <p:sp>
-        <p:nvSpPr>
-          <p:cNvPr id="4" name="Date Placeholder 3">
-            <a:extLst>
-              <a:ext uri="{FF2B5EF4-FFF2-40B4-BE49-F238E27FC236}">
-                <a16:creationId xmlns:a16="http://schemas.microsoft.com/office/drawing/2014/main" id="{C98256DE-E349-4845-82D0-258A8AF89E31}"/>
-              </a:ext>
-            </a:extLst>
-          </p:cNvPr>
+            <a:endParaRPr lang="en-US" dirty="0"/>
+          </a:p>
+        </p:txBody>
+      </p:sp>
+      <p:sp>
+        <p:nvSpPr>
+          <p:cNvPr id="4" name="Date Placeholder 3"/>
           <p:cNvSpPr>
             <a:spLocks noGrp="1"/>
           </p:cNvSpPr>
@@ -676,13 +693,7 @@
       </p:sp>
       <p:sp>
         <p:nvSpPr>
-          <p:cNvPr id="5" name="Footer Placeholder 4">
-            <a:extLst>
-              <a:ext uri="{FF2B5EF4-FFF2-40B4-BE49-F238E27FC236}">
-                <a16:creationId xmlns:a16="http://schemas.microsoft.com/office/drawing/2014/main" id="{03485628-88A8-4493-8C6A-AD797A986498}"/>
-              </a:ext>
-            </a:extLst>
-          </p:cNvPr>
+          <p:cNvPr id="5" name="Footer Placeholder 4"/>
           <p:cNvSpPr>
             <a:spLocks noGrp="1"/>
           </p:cNvSpPr>
@@ -701,13 +712,7 @@
       </p:sp>
       <p:sp>
         <p:nvSpPr>
-          <p:cNvPr id="6" name="Slide Number Placeholder 5">
-            <a:extLst>
-              <a:ext uri="{FF2B5EF4-FFF2-40B4-BE49-F238E27FC236}">
-                <a16:creationId xmlns:a16="http://schemas.microsoft.com/office/drawing/2014/main" id="{2ECB06B6-8F67-4926-9B5A-3801C11DB780}"/>
-              </a:ext>
-            </a:extLst>
-          </p:cNvPr>
+          <p:cNvPr id="6" name="Slide Number Placeholder 5"/>
           <p:cNvSpPr>
             <a:spLocks noGrp="1"/>
           </p:cNvSpPr>
@@ -731,7 +736,7 @@
     </p:spTree>
     <p:extLst>
       <p:ext uri="{BB962C8B-B14F-4D97-AF65-F5344CB8AC3E}">
-        <p14:creationId xmlns:p14="http://schemas.microsoft.com/office/powerpoint/2010/main" val="404761926"/>
+        <p14:creationId xmlns:p14="http://schemas.microsoft.com/office/powerpoint/2010/main" val="1900177"/>
       </p:ext>
     </p:extLst>
   </p:cSld>
@@ -760,13 +765,7 @@
       </p:grpSpPr>
       <p:sp>
         <p:nvSpPr>
-          <p:cNvPr id="2" name="Title 1">
-            <a:extLst>
-              <a:ext uri="{FF2B5EF4-FFF2-40B4-BE49-F238E27FC236}">
-                <a16:creationId xmlns:a16="http://schemas.microsoft.com/office/drawing/2014/main" id="{5CAFAAEE-ACCC-4EB6-A5B1-942C22EB3C8F}"/>
-              </a:ext>
-            </a:extLst>
-          </p:cNvPr>
+          <p:cNvPr id="2" name="Title 1"/>
           <p:cNvSpPr>
             <a:spLocks noGrp="1"/>
           </p:cNvSpPr>
@@ -783,19 +782,13 @@
               <a:rPr lang="en-US"/>
               <a:t>Click to edit Master title style</a:t>
             </a:r>
-            <a:endParaRPr lang="en-GB"/>
-          </a:p>
-        </p:txBody>
-      </p:sp>
-      <p:sp>
-        <p:nvSpPr>
-          <p:cNvPr id="3" name="Content Placeholder 2">
-            <a:extLst>
-              <a:ext uri="{FF2B5EF4-FFF2-40B4-BE49-F238E27FC236}">
-                <a16:creationId xmlns:a16="http://schemas.microsoft.com/office/drawing/2014/main" id="{0C3C5A38-5895-40A9-80F9-26F99A91D7C4}"/>
-              </a:ext>
-            </a:extLst>
-          </p:cNvPr>
+            <a:endParaRPr lang="en-US" dirty="0"/>
+          </a:p>
+        </p:txBody>
+      </p:sp>
+      <p:sp>
+        <p:nvSpPr>
+          <p:cNvPr id="3" name="Content Placeholder 2"/>
           <p:cNvSpPr>
             <a:spLocks noGrp="1"/>
           </p:cNvSpPr>
@@ -841,19 +834,13 @@
               <a:rPr lang="en-US"/>
               <a:t>Fifth level</a:t>
             </a:r>
-            <a:endParaRPr lang="en-GB"/>
-          </a:p>
-        </p:txBody>
-      </p:sp>
-      <p:sp>
-        <p:nvSpPr>
-          <p:cNvPr id="4" name="Date Placeholder 3">
-            <a:extLst>
-              <a:ext uri="{FF2B5EF4-FFF2-40B4-BE49-F238E27FC236}">
-                <a16:creationId xmlns:a16="http://schemas.microsoft.com/office/drawing/2014/main" id="{2D0FF296-478B-4843-BBAA-2675122B1002}"/>
-              </a:ext>
-            </a:extLst>
-          </p:cNvPr>
+            <a:endParaRPr lang="en-US" dirty="0"/>
+          </a:p>
+        </p:txBody>
+      </p:sp>
+      <p:sp>
+        <p:nvSpPr>
+          <p:cNvPr id="4" name="Date Placeholder 3"/>
           <p:cNvSpPr>
             <a:spLocks noGrp="1"/>
           </p:cNvSpPr>
@@ -876,13 +863,7 @@
       </p:sp>
       <p:sp>
         <p:nvSpPr>
-          <p:cNvPr id="5" name="Footer Placeholder 4">
-            <a:extLst>
-              <a:ext uri="{FF2B5EF4-FFF2-40B4-BE49-F238E27FC236}">
-                <a16:creationId xmlns:a16="http://schemas.microsoft.com/office/drawing/2014/main" id="{A64059FF-223A-4EE3-9AAA-15A35D922560}"/>
-              </a:ext>
-            </a:extLst>
-          </p:cNvPr>
+          <p:cNvPr id="5" name="Footer Placeholder 4"/>
           <p:cNvSpPr>
             <a:spLocks noGrp="1"/>
           </p:cNvSpPr>
@@ -901,13 +882,7 @@
       </p:sp>
       <p:sp>
         <p:nvSpPr>
-          <p:cNvPr id="6" name="Slide Number Placeholder 5">
-            <a:extLst>
-              <a:ext uri="{FF2B5EF4-FFF2-40B4-BE49-F238E27FC236}">
-                <a16:creationId xmlns:a16="http://schemas.microsoft.com/office/drawing/2014/main" id="{175FECB1-B9BC-42E3-B019-C5417FA9CA4C}"/>
-              </a:ext>
-            </a:extLst>
-          </p:cNvPr>
+          <p:cNvPr id="6" name="Slide Number Placeholder 5"/>
           <p:cNvSpPr>
             <a:spLocks noGrp="1"/>
           </p:cNvSpPr>
@@ -931,7 +906,7 @@
     </p:spTree>
     <p:extLst>
       <p:ext uri="{BB962C8B-B14F-4D97-AF65-F5344CB8AC3E}">
-        <p14:creationId xmlns:p14="http://schemas.microsoft.com/office/powerpoint/2010/main" val="480292648"/>
+        <p14:creationId xmlns:p14="http://schemas.microsoft.com/office/powerpoint/2010/main" val="3534525681"/>
       </p:ext>
     </p:extLst>
   </p:cSld>
@@ -960,13 +935,7 @@
       </p:grpSpPr>
       <p:sp>
         <p:nvSpPr>
-          <p:cNvPr id="2" name="Title 1">
-            <a:extLst>
-              <a:ext uri="{FF2B5EF4-FFF2-40B4-BE49-F238E27FC236}">
-                <a16:creationId xmlns:a16="http://schemas.microsoft.com/office/drawing/2014/main" id="{F2414733-BB06-4CEA-8BB7-2EE25FD923B4}"/>
-              </a:ext>
-            </a:extLst>
-          </p:cNvPr>
+          <p:cNvPr id="2" name="Title 1"/>
           <p:cNvSpPr>
             <a:spLocks noGrp="1"/>
           </p:cNvSpPr>
@@ -976,15 +945,24 @@
         </p:nvSpPr>
         <p:spPr>
           <a:xfrm>
-            <a:off x="831850" y="1709738"/>
-            <a:ext cx="10515600" cy="2852737"/>
+            <a:off x="603504" y="767419"/>
+            <a:ext cx="10780776" cy="3355848"/>
           </a:xfrm>
         </p:spPr>
         <p:txBody>
-          <a:bodyPr anchor="b"/>
+          <a:bodyPr anchor="b">
+            <a:normAutofit/>
+          </a:bodyPr>
           <a:lstStyle>
             <a:lvl1pPr>
-              <a:defRPr sz="6000"/>
+              <a:lnSpc>
+                <a:spcPct val="80000"/>
+              </a:lnSpc>
+              <a:defRPr sz="8800" b="0" baseline="0">
+                <a:solidFill>
+                  <a:schemeClr val="accent1"/>
+                </a:solidFill>
+              </a:defRPr>
             </a:lvl1pPr>
           </a:lstStyle>
           <a:p>
@@ -992,19 +970,13 @@
               <a:rPr lang="en-US"/>
               <a:t>Click to edit Master title style</a:t>
             </a:r>
-            <a:endParaRPr lang="en-GB"/>
-          </a:p>
-        </p:txBody>
-      </p:sp>
-      <p:sp>
-        <p:nvSpPr>
-          <p:cNvPr id="3" name="Text Placeholder 2">
-            <a:extLst>
-              <a:ext uri="{FF2B5EF4-FFF2-40B4-BE49-F238E27FC236}">
-                <a16:creationId xmlns:a16="http://schemas.microsoft.com/office/drawing/2014/main" id="{438F12F9-34E9-484F-ADBD-40D318BAF90F}"/>
-              </a:ext>
-            </a:extLst>
-          </p:cNvPr>
+            <a:endParaRPr lang="en-US" dirty="0"/>
+          </a:p>
+        </p:txBody>
+      </p:sp>
+      <p:sp>
+        <p:nvSpPr>
+          <p:cNvPr id="3" name="Text Placeholder 2"/>
           <p:cNvSpPr>
             <a:spLocks noGrp="1"/>
           </p:cNvSpPr>
@@ -1014,102 +986,103 @@
         </p:nvSpPr>
         <p:spPr>
           <a:xfrm>
-            <a:off x="831850" y="4589463"/>
-            <a:ext cx="10515600" cy="1500187"/>
+            <a:off x="667512" y="4204209"/>
+            <a:ext cx="9226296" cy="1645920"/>
           </a:xfrm>
         </p:spPr>
         <p:txBody>
-          <a:bodyPr/>
+          <a:bodyPr anchor="t">
+            <a:normAutofit/>
+          </a:bodyPr>
           <a:lstStyle>
             <a:lvl1pPr marL="0" indent="0">
               <a:buNone/>
-              <a:defRPr sz="2400">
+              <a:defRPr sz="3200">
+                <a:solidFill>
+                  <a:schemeClr val="tx1"/>
+                </a:solidFill>
+                <a:latin typeface="+mj-lt"/>
+              </a:defRPr>
+            </a:lvl1pPr>
+            <a:lvl2pPr marL="457200" indent="0">
+              <a:buNone/>
+              <a:defRPr sz="1800">
                 <a:solidFill>
                   <a:schemeClr val="tx1">
                     <a:tint val="75000"/>
                   </a:schemeClr>
                 </a:solidFill>
               </a:defRPr>
-            </a:lvl1pPr>
-            <a:lvl2pPr marL="457200" indent="0">
-              <a:buNone/>
-              <a:defRPr sz="2000">
+            </a:lvl2pPr>
+            <a:lvl3pPr marL="914400" indent="0">
+              <a:buNone/>
+              <a:defRPr sz="1600">
                 <a:solidFill>
                   <a:schemeClr val="tx1">
                     <a:tint val="75000"/>
                   </a:schemeClr>
                 </a:solidFill>
               </a:defRPr>
-            </a:lvl2pPr>
-            <a:lvl3pPr marL="914400" indent="0">
-              <a:buNone/>
-              <a:defRPr sz="1800">
+            </a:lvl3pPr>
+            <a:lvl4pPr marL="1371600" indent="0">
+              <a:buNone/>
+              <a:defRPr sz="1400">
                 <a:solidFill>
                   <a:schemeClr val="tx1">
                     <a:tint val="75000"/>
                   </a:schemeClr>
                 </a:solidFill>
               </a:defRPr>
-            </a:lvl3pPr>
-            <a:lvl4pPr marL="1371600" indent="0">
-              <a:buNone/>
-              <a:defRPr sz="1600">
+            </a:lvl4pPr>
+            <a:lvl5pPr marL="1828800" indent="0">
+              <a:buNone/>
+              <a:defRPr sz="1400">
                 <a:solidFill>
                   <a:schemeClr val="tx1">
                     <a:tint val="75000"/>
                   </a:schemeClr>
                 </a:solidFill>
               </a:defRPr>
-            </a:lvl4pPr>
-            <a:lvl5pPr marL="1828800" indent="0">
-              <a:buNone/>
-              <a:defRPr sz="1600">
+            </a:lvl5pPr>
+            <a:lvl6pPr marL="2286000" indent="0">
+              <a:buNone/>
+              <a:defRPr sz="1400">
                 <a:solidFill>
                   <a:schemeClr val="tx1">
                     <a:tint val="75000"/>
                   </a:schemeClr>
                 </a:solidFill>
               </a:defRPr>
-            </a:lvl5pPr>
-            <a:lvl6pPr marL="2286000" indent="0">
-              <a:buNone/>
-              <a:defRPr sz="1600">
+            </a:lvl6pPr>
+            <a:lvl7pPr marL="2743200" indent="0">
+              <a:buNone/>
+              <a:defRPr sz="1400">
                 <a:solidFill>
                   <a:schemeClr val="tx1">
                     <a:tint val="75000"/>
                   </a:schemeClr>
                 </a:solidFill>
               </a:defRPr>
-            </a:lvl6pPr>
-            <a:lvl7pPr marL="2743200" indent="0">
-              <a:buNone/>
-              <a:defRPr sz="1600">
+            </a:lvl7pPr>
+            <a:lvl8pPr marL="3200400" indent="0">
+              <a:buNone/>
+              <a:defRPr sz="1400">
                 <a:solidFill>
                   <a:schemeClr val="tx1">
                     <a:tint val="75000"/>
                   </a:schemeClr>
                 </a:solidFill>
               </a:defRPr>
-            </a:lvl7pPr>
-            <a:lvl8pPr marL="3200400" indent="0">
-              <a:buNone/>
-              <a:defRPr sz="1600">
+            </a:lvl8pPr>
+            <a:lvl9pPr marL="3657600" indent="0">
+              <a:buNone/>
+              <a:defRPr sz="1400">
                 <a:solidFill>
                   <a:schemeClr val="tx1">
                     <a:tint val="75000"/>
                   </a:schemeClr>
                 </a:solidFill>
               </a:defRPr>
-            </a:lvl8pPr>
-            <a:lvl9pPr marL="3657600" indent="0">
-              <a:buNone/>
-              <a:defRPr sz="1600">
-                <a:solidFill>
-                  <a:schemeClr val="tx1">
-                    <a:tint val="75000"/>
-                  </a:schemeClr>
-                </a:solidFill>
-              </a:defRPr>
             </a:lvl9pPr>
           </a:lstStyle>
           <a:p>
@@ -1123,13 +1096,7 @@
       </p:sp>
       <p:sp>
         <p:nvSpPr>
-          <p:cNvPr id="4" name="Date Placeholder 3">
-            <a:extLst>
-              <a:ext uri="{FF2B5EF4-FFF2-40B4-BE49-F238E27FC236}">
-                <a16:creationId xmlns:a16="http://schemas.microsoft.com/office/drawing/2014/main" id="{C92CF40B-3B35-48A9-ABA2-8F74B91DDD89}"/>
-              </a:ext>
-            </a:extLst>
-          </p:cNvPr>
+          <p:cNvPr id="4" name="Date Placeholder 3"/>
           <p:cNvSpPr>
             <a:spLocks noGrp="1"/>
           </p:cNvSpPr>
@@ -1152,13 +1119,7 @@
       </p:sp>
       <p:sp>
         <p:nvSpPr>
-          <p:cNvPr id="5" name="Footer Placeholder 4">
-            <a:extLst>
-              <a:ext uri="{FF2B5EF4-FFF2-40B4-BE49-F238E27FC236}">
-                <a16:creationId xmlns:a16="http://schemas.microsoft.com/office/drawing/2014/main" id="{B1C8AE96-6631-4181-8464-5D34A5290AFD}"/>
-              </a:ext>
-            </a:extLst>
-          </p:cNvPr>
+          <p:cNvPr id="5" name="Footer Placeholder 4"/>
           <p:cNvSpPr>
             <a:spLocks noGrp="1"/>
           </p:cNvSpPr>
@@ -1177,13 +1138,7 @@
       </p:sp>
       <p:sp>
         <p:nvSpPr>
-          <p:cNvPr id="6" name="Slide Number Placeholder 5">
-            <a:extLst>
-              <a:ext uri="{FF2B5EF4-FFF2-40B4-BE49-F238E27FC236}">
-                <a16:creationId xmlns:a16="http://schemas.microsoft.com/office/drawing/2014/main" id="{2BF6AF5F-D2F2-4CB0-A9B4-5248AF29F423}"/>
-              </a:ext>
-            </a:extLst>
-          </p:cNvPr>
+          <p:cNvPr id="6" name="Slide Number Placeholder 5"/>
           <p:cNvSpPr>
             <a:spLocks noGrp="1"/>
           </p:cNvSpPr>
@@ -1207,7 +1162,7 @@
     </p:spTree>
     <p:extLst>
       <p:ext uri="{BB962C8B-B14F-4D97-AF65-F5344CB8AC3E}">
-        <p14:creationId xmlns:p14="http://schemas.microsoft.com/office/powerpoint/2010/main" val="3367225647"/>
+        <p14:creationId xmlns:p14="http://schemas.microsoft.com/office/powerpoint/2010/main" val="2559688396"/>
       </p:ext>
     </p:extLst>
   </p:cSld>
@@ -1236,13 +1191,7 @@
       </p:grpSpPr>
       <p:sp>
         <p:nvSpPr>
-          <p:cNvPr id="2" name="Title 1">
-            <a:extLst>
-              <a:ext uri="{FF2B5EF4-FFF2-40B4-BE49-F238E27FC236}">
-                <a16:creationId xmlns:a16="http://schemas.microsoft.com/office/drawing/2014/main" id="{D557031F-0DA7-4E54-A3E5-FFB4BDC0CB50}"/>
-              </a:ext>
-            </a:extLst>
-          </p:cNvPr>
+          <p:cNvPr id="2" name="Title 1"/>
           <p:cNvSpPr>
             <a:spLocks noGrp="1"/>
           </p:cNvSpPr>
@@ -1259,19 +1208,13 @@
               <a:rPr lang="en-US"/>
               <a:t>Click to edit Master title style</a:t>
             </a:r>
-            <a:endParaRPr lang="en-GB"/>
-          </a:p>
-        </p:txBody>
-      </p:sp>
-      <p:sp>
-        <p:nvSpPr>
-          <p:cNvPr id="3" name="Content Placeholder 2">
-            <a:extLst>
-              <a:ext uri="{FF2B5EF4-FFF2-40B4-BE49-F238E27FC236}">
-                <a16:creationId xmlns:a16="http://schemas.microsoft.com/office/drawing/2014/main" id="{83571605-F7C7-463F-86D8-84F1054BEFDA}"/>
-              </a:ext>
-            </a:extLst>
-          </p:cNvPr>
+            <a:endParaRPr lang="en-US" dirty="0"/>
+          </a:p>
+        </p:txBody>
+      </p:sp>
+      <p:sp>
+        <p:nvSpPr>
+          <p:cNvPr id="3" name="Content Placeholder 2"/>
           <p:cNvSpPr>
             <a:spLocks noGrp="1"/>
           </p:cNvSpPr>
@@ -1281,13 +1224,41 @@
         </p:nvSpPr>
         <p:spPr>
           <a:xfrm>
-            <a:off x="838200" y="1825625"/>
-            <a:ext cx="5181600" cy="4351338"/>
+            <a:off x="676656" y="1998134"/>
+            <a:ext cx="4663440" cy="3767328"/>
           </a:xfrm>
         </p:spPr>
         <p:txBody>
           <a:bodyPr/>
-          <a:lstStyle/>
+          <a:lstStyle>
+            <a:lvl1pPr>
+              <a:defRPr sz="2400"/>
+            </a:lvl1pPr>
+            <a:lvl2pPr>
+              <a:defRPr sz="2000"/>
+            </a:lvl2pPr>
+            <a:lvl3pPr>
+              <a:defRPr sz="1800"/>
+            </a:lvl3pPr>
+            <a:lvl4pPr>
+              <a:defRPr sz="1600"/>
+            </a:lvl4pPr>
+            <a:lvl5pPr>
+              <a:defRPr sz="1600"/>
+            </a:lvl5pPr>
+            <a:lvl6pPr>
+              <a:defRPr sz="1600"/>
+            </a:lvl6pPr>
+            <a:lvl7pPr>
+              <a:defRPr sz="1600"/>
+            </a:lvl7pPr>
+            <a:lvl8pPr>
+              <a:defRPr sz="1600"/>
+            </a:lvl8pPr>
+            <a:lvl9pPr>
+              <a:defRPr sz="1600"/>
+            </a:lvl9pPr>
+          </a:lstStyle>
           <a:p>
             <a:pPr lvl="0"/>
             <a:r>
@@ -1322,19 +1293,13 @@
               <a:rPr lang="en-US"/>
               <a:t>Fifth level</a:t>
             </a:r>
-            <a:endParaRPr lang="en-GB"/>
-          </a:p>
-        </p:txBody>
-      </p:sp>
-      <p:sp>
-        <p:nvSpPr>
-          <p:cNvPr id="4" name="Content Placeholder 3">
-            <a:extLst>
-              <a:ext uri="{FF2B5EF4-FFF2-40B4-BE49-F238E27FC236}">
-                <a16:creationId xmlns:a16="http://schemas.microsoft.com/office/drawing/2014/main" id="{9ECFA225-8CCB-4E73-9E01-9B7C53ABD4F6}"/>
-              </a:ext>
-            </a:extLst>
-          </p:cNvPr>
+            <a:endParaRPr lang="en-US" dirty="0"/>
+          </a:p>
+        </p:txBody>
+      </p:sp>
+      <p:sp>
+        <p:nvSpPr>
+          <p:cNvPr id="4" name="Content Placeholder 3"/>
           <p:cNvSpPr>
             <a:spLocks noGrp="1"/>
           </p:cNvSpPr>
@@ -1344,13 +1309,41 @@
         </p:nvSpPr>
         <p:spPr>
           <a:xfrm>
-            <a:off x="6172200" y="1825625"/>
-            <a:ext cx="5181600" cy="4351338"/>
+            <a:off x="6011330" y="1998134"/>
+            <a:ext cx="4663440" cy="3767328"/>
           </a:xfrm>
         </p:spPr>
         <p:txBody>
           <a:bodyPr/>
-          <a:lstStyle/>
+          <a:lstStyle>
+            <a:lvl1pPr>
+              <a:defRPr sz="2400"/>
+            </a:lvl1pPr>
+            <a:lvl2pPr>
+              <a:defRPr sz="2000"/>
+            </a:lvl2pPr>
+            <a:lvl3pPr>
+              <a:defRPr sz="1800"/>
+            </a:lvl3pPr>
+            <a:lvl4pPr>
+              <a:defRPr sz="1600"/>
+            </a:lvl4pPr>
+            <a:lvl5pPr>
+              <a:defRPr sz="1600"/>
+            </a:lvl5pPr>
+            <a:lvl6pPr>
+              <a:defRPr sz="1600"/>
+            </a:lvl6pPr>
+            <a:lvl7pPr>
+              <a:defRPr sz="1600"/>
+            </a:lvl7pPr>
+            <a:lvl8pPr>
+              <a:defRPr sz="1600"/>
+            </a:lvl8pPr>
+            <a:lvl9pPr>
+              <a:defRPr sz="1600"/>
+            </a:lvl9pPr>
+          </a:lstStyle>
           <a:p>
             <a:pPr lvl="0"/>
             <a:r>
@@ -1385,19 +1378,13 @@
               <a:rPr lang="en-US"/>
               <a:t>Fifth level</a:t>
             </a:r>
-            <a:endParaRPr lang="en-GB"/>
-          </a:p>
-        </p:txBody>
-      </p:sp>
-      <p:sp>
-        <p:nvSpPr>
-          <p:cNvPr id="5" name="Date Placeholder 4">
-            <a:extLst>
-              <a:ext uri="{FF2B5EF4-FFF2-40B4-BE49-F238E27FC236}">
-                <a16:creationId xmlns:a16="http://schemas.microsoft.com/office/drawing/2014/main" id="{6A0A6C21-8686-4DD3-AA9D-B2CC9BA684CE}"/>
-              </a:ext>
-            </a:extLst>
-          </p:cNvPr>
+            <a:endParaRPr lang="en-US" dirty="0"/>
+          </a:p>
+        </p:txBody>
+      </p:sp>
+      <p:sp>
+        <p:nvSpPr>
+          <p:cNvPr id="5" name="Date Placeholder 4"/>
           <p:cNvSpPr>
             <a:spLocks noGrp="1"/>
           </p:cNvSpPr>
@@ -1420,13 +1407,7 @@
       </p:sp>
       <p:sp>
         <p:nvSpPr>
-          <p:cNvPr id="6" name="Footer Placeholder 5">
-            <a:extLst>
-              <a:ext uri="{FF2B5EF4-FFF2-40B4-BE49-F238E27FC236}">
-                <a16:creationId xmlns:a16="http://schemas.microsoft.com/office/drawing/2014/main" id="{924B7281-1319-44AB-9918-EFA703CE0372}"/>
-              </a:ext>
-            </a:extLst>
-          </p:cNvPr>
+          <p:cNvPr id="6" name="Footer Placeholder 5"/>
           <p:cNvSpPr>
             <a:spLocks noGrp="1"/>
           </p:cNvSpPr>
@@ -1445,13 +1426,7 @@
       </p:sp>
       <p:sp>
         <p:nvSpPr>
-          <p:cNvPr id="7" name="Slide Number Placeholder 6">
-            <a:extLst>
-              <a:ext uri="{FF2B5EF4-FFF2-40B4-BE49-F238E27FC236}">
-                <a16:creationId xmlns:a16="http://schemas.microsoft.com/office/drawing/2014/main" id="{7313E157-7B43-45AF-99BD-F1C18EBAAA1E}"/>
-              </a:ext>
-            </a:extLst>
-          </p:cNvPr>
+          <p:cNvPr id="7" name="Slide Number Placeholder 6"/>
           <p:cNvSpPr>
             <a:spLocks noGrp="1"/>
           </p:cNvSpPr>
@@ -1475,7 +1450,7 @@
     </p:spTree>
     <p:extLst>
       <p:ext uri="{BB962C8B-B14F-4D97-AF65-F5344CB8AC3E}">
-        <p14:creationId xmlns:p14="http://schemas.microsoft.com/office/powerpoint/2010/main" val="3665962318"/>
+        <p14:creationId xmlns:p14="http://schemas.microsoft.com/office/powerpoint/2010/main" val="307602764"/>
       </p:ext>
     </p:extLst>
   </p:cSld>
@@ -1504,66 +1479,59 @@
       </p:grpSpPr>
       <p:sp>
         <p:nvSpPr>
-          <p:cNvPr id="2" name="Title 1">
-            <a:extLst>
-              <a:ext uri="{FF2B5EF4-FFF2-40B4-BE49-F238E27FC236}">
-                <a16:creationId xmlns:a16="http://schemas.microsoft.com/office/drawing/2014/main" id="{E065291B-AFFE-4648-B5BD-1C0539D17205}"/>
-              </a:ext>
-            </a:extLst>
-          </p:cNvPr>
+          <p:cNvPr id="10" name="Title 9"/>
           <p:cNvSpPr>
             <a:spLocks noGrp="1"/>
           </p:cNvSpPr>
           <p:nvPr>
             <p:ph type="title"/>
+          </p:nvPr>
+        </p:nvSpPr>
+        <p:spPr/>
+        <p:txBody>
+          <a:bodyPr/>
+          <a:lstStyle/>
+          <a:p>
+            <a:r>
+              <a:rPr lang="en-US"/>
+              <a:t>Click to edit Master title style</a:t>
+            </a:r>
+            <a:endParaRPr lang="en-US" dirty="0"/>
+          </a:p>
+        </p:txBody>
+      </p:sp>
+      <p:sp>
+        <p:nvSpPr>
+          <p:cNvPr id="3" name="Text Placeholder 2"/>
+          <p:cNvSpPr>
+            <a:spLocks noGrp="1"/>
+          </p:cNvSpPr>
+          <p:nvPr>
+            <p:ph type="body" idx="1"/>
           </p:nvPr>
         </p:nvSpPr>
         <p:spPr>
           <a:xfrm>
-            <a:off x="839788" y="365125"/>
-            <a:ext cx="10515600" cy="1325563"/>
+            <a:off x="676656" y="2040467"/>
+            <a:ext cx="4663440" cy="723400"/>
           </a:xfrm>
         </p:spPr>
         <p:txBody>
-          <a:bodyPr/>
-          <a:lstStyle/>
-          <a:p>
-            <a:r>
-              <a:rPr lang="en-US"/>
-              <a:t>Click to edit Master title style</a:t>
-            </a:r>
-            <a:endParaRPr lang="en-GB"/>
-          </a:p>
-        </p:txBody>
-      </p:sp>
-      <p:sp>
-        <p:nvSpPr>
-          <p:cNvPr id="3" name="Text Placeholder 2">
-            <a:extLst>
-              <a:ext uri="{FF2B5EF4-FFF2-40B4-BE49-F238E27FC236}">
-                <a16:creationId xmlns:a16="http://schemas.microsoft.com/office/drawing/2014/main" id="{81B642C5-C17D-47B5-9096-1F73F7FBABA8}"/>
-              </a:ext>
-            </a:extLst>
-          </p:cNvPr>
-          <p:cNvSpPr>
-            <a:spLocks noGrp="1"/>
-          </p:cNvSpPr>
-          <p:nvPr>
-            <p:ph type="body" idx="1"/>
-          </p:nvPr>
-        </p:nvSpPr>
-        <p:spPr>
-          <a:xfrm>
-            <a:off x="839788" y="1681163"/>
-            <a:ext cx="5157787" cy="823912"/>
-          </a:xfrm>
-        </p:spPr>
-        <p:txBody>
-          <a:bodyPr anchor="b"/>
+          <a:bodyPr anchor="ctr">
+            <a:normAutofit/>
+          </a:bodyPr>
           <a:lstStyle>
             <a:lvl1pPr marL="0" indent="0">
               <a:buNone/>
-              <a:defRPr sz="2400" b="1"/>
+              <a:defRPr sz="2200" b="0" cap="all" baseline="0">
+                <a:solidFill>
+                  <a:schemeClr val="tx1">
+                    <a:lumMod val="85000"/>
+                    <a:lumOff val="15000"/>
+                  </a:schemeClr>
+                </a:solidFill>
+                <a:latin typeface="+mj-lt"/>
+              </a:defRPr>
             </a:lvl1pPr>
             <a:lvl2pPr marL="457200" indent="0">
               <a:buNone/>
@@ -1609,13 +1577,7 @@
       </p:sp>
       <p:sp>
         <p:nvSpPr>
-          <p:cNvPr id="4" name="Content Placeholder 3">
-            <a:extLst>
-              <a:ext uri="{FF2B5EF4-FFF2-40B4-BE49-F238E27FC236}">
-                <a16:creationId xmlns:a16="http://schemas.microsoft.com/office/drawing/2014/main" id="{E576AB5E-79B5-41C4-A20E-3506DDF766F5}"/>
-              </a:ext>
-            </a:extLst>
-          </p:cNvPr>
+          <p:cNvPr id="4" name="Content Placeholder 3"/>
           <p:cNvSpPr>
             <a:spLocks noGrp="1"/>
           </p:cNvSpPr>
@@ -1625,13 +1587,41 @@
         </p:nvSpPr>
         <p:spPr>
           <a:xfrm>
-            <a:off x="839788" y="2505075"/>
-            <a:ext cx="5157787" cy="3684588"/>
+            <a:off x="676656" y="2753084"/>
+            <a:ext cx="4663440" cy="3200400"/>
           </a:xfrm>
         </p:spPr>
         <p:txBody>
           <a:bodyPr/>
-          <a:lstStyle/>
+          <a:lstStyle>
+            <a:lvl1pPr>
+              <a:defRPr sz="2400"/>
+            </a:lvl1pPr>
+            <a:lvl2pPr>
+              <a:defRPr sz="2000"/>
+            </a:lvl2pPr>
+            <a:lvl3pPr>
+              <a:defRPr sz="1800"/>
+            </a:lvl3pPr>
+            <a:lvl4pPr>
+              <a:defRPr sz="1600"/>
+            </a:lvl4pPr>
+            <a:lvl5pPr>
+              <a:defRPr sz="1600"/>
+            </a:lvl5pPr>
+            <a:lvl6pPr>
+              <a:defRPr sz="1600"/>
+            </a:lvl6pPr>
+            <a:lvl7pPr>
+              <a:defRPr sz="1600"/>
+            </a:lvl7pPr>
+            <a:lvl8pPr>
+              <a:defRPr sz="1600"/>
+            </a:lvl8pPr>
+            <a:lvl9pPr>
+              <a:defRPr sz="1600"/>
+            </a:lvl9pPr>
+          </a:lstStyle>
           <a:p>
             <a:pPr lvl="0"/>
             <a:r>
@@ -1666,19 +1656,13 @@
               <a:rPr lang="en-US"/>
               <a:t>Fifth level</a:t>
             </a:r>
-            <a:endParaRPr lang="en-GB"/>
-          </a:p>
-        </p:txBody>
-      </p:sp>
-      <p:sp>
-        <p:nvSpPr>
-          <p:cNvPr id="5" name="Text Placeholder 4">
-            <a:extLst>
-              <a:ext uri="{FF2B5EF4-FFF2-40B4-BE49-F238E27FC236}">
-                <a16:creationId xmlns:a16="http://schemas.microsoft.com/office/drawing/2014/main" id="{9593CB01-78F2-4400-91BC-078D14A12274}"/>
-              </a:ext>
-            </a:extLst>
-          </p:cNvPr>
+            <a:endParaRPr lang="en-US" dirty="0"/>
+          </a:p>
+        </p:txBody>
+      </p:sp>
+      <p:sp>
+        <p:nvSpPr>
+          <p:cNvPr id="5" name="Text Placeholder 4"/>
           <p:cNvSpPr>
             <a:spLocks noGrp="1"/>
           </p:cNvSpPr>
@@ -1688,16 +1672,26 @@
         </p:nvSpPr>
         <p:spPr>
           <a:xfrm>
-            <a:off x="6172200" y="1681163"/>
-            <a:ext cx="5183188" cy="823912"/>
+            <a:off x="6007608" y="2038435"/>
+            <a:ext cx="4663440" cy="722376"/>
           </a:xfrm>
         </p:spPr>
         <p:txBody>
-          <a:bodyPr anchor="b"/>
+          <a:bodyPr anchor="ctr">
+            <a:normAutofit/>
+          </a:bodyPr>
           <a:lstStyle>
             <a:lvl1pPr marL="0" indent="0">
               <a:buNone/>
-              <a:defRPr sz="2400" b="1"/>
+              <a:defRPr sz="2200" b="0" cap="all" baseline="0">
+                <a:solidFill>
+                  <a:schemeClr val="tx1">
+                    <a:lumMod val="85000"/>
+                    <a:lumOff val="15000"/>
+                  </a:schemeClr>
+                </a:solidFill>
+                <a:latin typeface="+mj-lt"/>
+              </a:defRPr>
             </a:lvl1pPr>
             <a:lvl2pPr marL="457200" indent="0">
               <a:buNone/>
@@ -1743,13 +1737,7 @@
       </p:sp>
       <p:sp>
         <p:nvSpPr>
-          <p:cNvPr id="6" name="Content Placeholder 5">
-            <a:extLst>
-              <a:ext uri="{FF2B5EF4-FFF2-40B4-BE49-F238E27FC236}">
-                <a16:creationId xmlns:a16="http://schemas.microsoft.com/office/drawing/2014/main" id="{2AD39D5E-82A5-4062-B810-55840BF14760}"/>
-              </a:ext>
-            </a:extLst>
-          </p:cNvPr>
+          <p:cNvPr id="6" name="Content Placeholder 5"/>
           <p:cNvSpPr>
             <a:spLocks noGrp="1"/>
           </p:cNvSpPr>
@@ -1759,13 +1747,41 @@
         </p:nvSpPr>
         <p:spPr>
           <a:xfrm>
-            <a:off x="6172200" y="2505075"/>
-            <a:ext cx="5183188" cy="3684588"/>
+            <a:off x="6007608" y="2750990"/>
+            <a:ext cx="4663440" cy="3200400"/>
           </a:xfrm>
         </p:spPr>
         <p:txBody>
           <a:bodyPr/>
-          <a:lstStyle/>
+          <a:lstStyle>
+            <a:lvl1pPr>
+              <a:defRPr sz="2400"/>
+            </a:lvl1pPr>
+            <a:lvl2pPr>
+              <a:defRPr sz="2000"/>
+            </a:lvl2pPr>
+            <a:lvl3pPr>
+              <a:defRPr sz="1800"/>
+            </a:lvl3pPr>
+            <a:lvl4pPr>
+              <a:defRPr sz="1600"/>
+            </a:lvl4pPr>
+            <a:lvl5pPr>
+              <a:defRPr sz="1600"/>
+            </a:lvl5pPr>
+            <a:lvl6pPr>
+              <a:defRPr sz="1600"/>
+            </a:lvl6pPr>
+            <a:lvl7pPr>
+              <a:defRPr sz="1600"/>
+            </a:lvl7pPr>
+            <a:lvl8pPr>
+              <a:defRPr sz="1600"/>
+            </a:lvl8pPr>
+            <a:lvl9pPr>
+              <a:defRPr sz="1600"/>
+            </a:lvl9pPr>
+          </a:lstStyle>
           <a:p>
             <a:pPr lvl="0"/>
             <a:r>
@@ -1800,19 +1816,13 @@
               <a:rPr lang="en-US"/>
               <a:t>Fifth level</a:t>
             </a:r>
-            <a:endParaRPr lang="en-GB"/>
-          </a:p>
-        </p:txBody>
-      </p:sp>
-      <p:sp>
-        <p:nvSpPr>
-          <p:cNvPr id="7" name="Date Placeholder 6">
-            <a:extLst>
-              <a:ext uri="{FF2B5EF4-FFF2-40B4-BE49-F238E27FC236}">
-                <a16:creationId xmlns:a16="http://schemas.microsoft.com/office/drawing/2014/main" id="{D520040D-9122-45B2-8234-18B30E3D6F11}"/>
-              </a:ext>
-            </a:extLst>
-          </p:cNvPr>
+            <a:endParaRPr lang="en-US" dirty="0"/>
+          </a:p>
+        </p:txBody>
+      </p:sp>
+      <p:sp>
+        <p:nvSpPr>
+          <p:cNvPr id="7" name="Date Placeholder 6"/>
           <p:cNvSpPr>
             <a:spLocks noGrp="1"/>
           </p:cNvSpPr>
@@ -1835,13 +1845,7 @@
       </p:sp>
       <p:sp>
         <p:nvSpPr>
-          <p:cNvPr id="8" name="Footer Placeholder 7">
-            <a:extLst>
-              <a:ext uri="{FF2B5EF4-FFF2-40B4-BE49-F238E27FC236}">
-                <a16:creationId xmlns:a16="http://schemas.microsoft.com/office/drawing/2014/main" id="{D6DA846B-F3C2-4B71-94AB-32E8E7F7AD40}"/>
-              </a:ext>
-            </a:extLst>
-          </p:cNvPr>
+          <p:cNvPr id="8" name="Footer Placeholder 7"/>
           <p:cNvSpPr>
             <a:spLocks noGrp="1"/>
           </p:cNvSpPr>
@@ -1860,13 +1864,7 @@
       </p:sp>
       <p:sp>
         <p:nvSpPr>
-          <p:cNvPr id="9" name="Slide Number Placeholder 8">
-            <a:extLst>
-              <a:ext uri="{FF2B5EF4-FFF2-40B4-BE49-F238E27FC236}">
-                <a16:creationId xmlns:a16="http://schemas.microsoft.com/office/drawing/2014/main" id="{9393E3DA-06CF-4E28-AF9F-7CA0B3E48B84}"/>
-              </a:ext>
-            </a:extLst>
-          </p:cNvPr>
+          <p:cNvPr id="9" name="Slide Number Placeholder 8"/>
           <p:cNvSpPr>
             <a:spLocks noGrp="1"/>
           </p:cNvSpPr>
@@ -1890,7 +1888,7 @@
     </p:spTree>
     <p:extLst>
       <p:ext uri="{BB962C8B-B14F-4D97-AF65-F5344CB8AC3E}">
-        <p14:creationId xmlns:p14="http://schemas.microsoft.com/office/powerpoint/2010/main" val="632906211"/>
+        <p14:creationId xmlns:p14="http://schemas.microsoft.com/office/powerpoint/2010/main" val="1716134445"/>
       </p:ext>
     </p:extLst>
   </p:cSld>
@@ -1919,13 +1917,7 @@
       </p:grpSpPr>
       <p:sp>
         <p:nvSpPr>
-          <p:cNvPr id="2" name="Title 1">
-            <a:extLst>
-              <a:ext uri="{FF2B5EF4-FFF2-40B4-BE49-F238E27FC236}">
-                <a16:creationId xmlns:a16="http://schemas.microsoft.com/office/drawing/2014/main" id="{CAC2FD86-591E-4969-B008-003C369D965C}"/>
-              </a:ext>
-            </a:extLst>
-          </p:cNvPr>
+          <p:cNvPr id="6" name="Title 5"/>
           <p:cNvSpPr>
             <a:spLocks noGrp="1"/>
           </p:cNvSpPr>
@@ -1942,19 +1934,13 @@
               <a:rPr lang="en-US"/>
               <a:t>Click to edit Master title style</a:t>
             </a:r>
-            <a:endParaRPr lang="en-GB"/>
-          </a:p>
-        </p:txBody>
-      </p:sp>
-      <p:sp>
-        <p:nvSpPr>
-          <p:cNvPr id="3" name="Date Placeholder 2">
-            <a:extLst>
-              <a:ext uri="{FF2B5EF4-FFF2-40B4-BE49-F238E27FC236}">
-                <a16:creationId xmlns:a16="http://schemas.microsoft.com/office/drawing/2014/main" id="{C6AC582E-8901-4E9B-AE55-D5837CABD8AF}"/>
-              </a:ext>
-            </a:extLst>
-          </p:cNvPr>
+            <a:endParaRPr lang="en-US" dirty="0"/>
+          </a:p>
+        </p:txBody>
+      </p:sp>
+      <p:sp>
+        <p:nvSpPr>
+          <p:cNvPr id="3" name="Date Placeholder 2"/>
           <p:cNvSpPr>
             <a:spLocks noGrp="1"/>
           </p:cNvSpPr>
@@ -1977,13 +1963,7 @@
       </p:sp>
       <p:sp>
         <p:nvSpPr>
-          <p:cNvPr id="4" name="Footer Placeholder 3">
-            <a:extLst>
-              <a:ext uri="{FF2B5EF4-FFF2-40B4-BE49-F238E27FC236}">
-                <a16:creationId xmlns:a16="http://schemas.microsoft.com/office/drawing/2014/main" id="{CB92C92D-D7FB-40BD-BDBF-05DA51183C39}"/>
-              </a:ext>
-            </a:extLst>
-          </p:cNvPr>
+          <p:cNvPr id="4" name="Footer Placeholder 3"/>
           <p:cNvSpPr>
             <a:spLocks noGrp="1"/>
           </p:cNvSpPr>
@@ -2002,13 +1982,7 @@
       </p:sp>
       <p:sp>
         <p:nvSpPr>
-          <p:cNvPr id="5" name="Slide Number Placeholder 4">
-            <a:extLst>
-              <a:ext uri="{FF2B5EF4-FFF2-40B4-BE49-F238E27FC236}">
-                <a16:creationId xmlns:a16="http://schemas.microsoft.com/office/drawing/2014/main" id="{EC8524F6-14B6-4C57-AD0A-93ED2185E77A}"/>
-              </a:ext>
-            </a:extLst>
-          </p:cNvPr>
+          <p:cNvPr id="5" name="Slide Number Placeholder 4"/>
           <p:cNvSpPr>
             <a:spLocks noGrp="1"/>
           </p:cNvSpPr>
@@ -2032,7 +2006,7 @@
     </p:spTree>
     <p:extLst>
       <p:ext uri="{BB962C8B-B14F-4D97-AF65-F5344CB8AC3E}">
-        <p14:creationId xmlns:p14="http://schemas.microsoft.com/office/powerpoint/2010/main" val="3761513267"/>
+        <p14:creationId xmlns:p14="http://schemas.microsoft.com/office/powerpoint/2010/main" val="3382360195"/>
       </p:ext>
     </p:extLst>
   </p:cSld>
@@ -2061,13 +2035,7 @@
       </p:grpSpPr>
       <p:sp>
         <p:nvSpPr>
-          <p:cNvPr id="2" name="Date Placeholder 1">
-            <a:extLst>
-              <a:ext uri="{FF2B5EF4-FFF2-40B4-BE49-F238E27FC236}">
-                <a16:creationId xmlns:a16="http://schemas.microsoft.com/office/drawing/2014/main" id="{316CDFE4-CD97-403D-8AD0-86C58E6D70D7}"/>
-              </a:ext>
-            </a:extLst>
-          </p:cNvPr>
+          <p:cNvPr id="2" name="Date Placeholder 1"/>
           <p:cNvSpPr>
             <a:spLocks noGrp="1"/>
           </p:cNvSpPr>
@@ -2090,13 +2058,7 @@
       </p:sp>
       <p:sp>
         <p:nvSpPr>
-          <p:cNvPr id="3" name="Footer Placeholder 2">
-            <a:extLst>
-              <a:ext uri="{FF2B5EF4-FFF2-40B4-BE49-F238E27FC236}">
-                <a16:creationId xmlns:a16="http://schemas.microsoft.com/office/drawing/2014/main" id="{B42C2E35-61C3-43D3-8864-B4267FBDB3EE}"/>
-              </a:ext>
-            </a:extLst>
-          </p:cNvPr>
+          <p:cNvPr id="3" name="Footer Placeholder 2"/>
           <p:cNvSpPr>
             <a:spLocks noGrp="1"/>
           </p:cNvSpPr>
@@ -2115,13 +2077,7 @@
       </p:sp>
       <p:sp>
         <p:nvSpPr>
-          <p:cNvPr id="4" name="Slide Number Placeholder 3">
-            <a:extLst>
-              <a:ext uri="{FF2B5EF4-FFF2-40B4-BE49-F238E27FC236}">
-                <a16:creationId xmlns:a16="http://schemas.microsoft.com/office/drawing/2014/main" id="{C87EC166-D3C4-4900-905C-C846D27AA4A9}"/>
-              </a:ext>
-            </a:extLst>
-          </p:cNvPr>
+          <p:cNvPr id="4" name="Slide Number Placeholder 3"/>
           <p:cNvSpPr>
             <a:spLocks noGrp="1"/>
           </p:cNvSpPr>
@@ -2145,7 +2101,7 @@
     </p:spTree>
     <p:extLst>
       <p:ext uri="{BB962C8B-B14F-4D97-AF65-F5344CB8AC3E}">
-        <p14:creationId xmlns:p14="http://schemas.microsoft.com/office/powerpoint/2010/main" val="3943235710"/>
+        <p14:creationId xmlns:p14="http://schemas.microsoft.com/office/powerpoint/2010/main" val="3753567425"/>
       </p:ext>
     </p:extLst>
   </p:cSld>
@@ -2174,31 +2130,69 @@
       </p:grpSpPr>
       <p:sp>
         <p:nvSpPr>
-          <p:cNvPr id="2" name="Title 1">
-            <a:extLst>
-              <a:ext uri="{FF2B5EF4-FFF2-40B4-BE49-F238E27FC236}">
-                <a16:creationId xmlns:a16="http://schemas.microsoft.com/office/drawing/2014/main" id="{C9975DFC-81BC-4064-AF6E-842BCAD8B081}"/>
-              </a:ext>
-            </a:extLst>
-          </p:cNvPr>
-          <p:cNvSpPr>
-            <a:spLocks noGrp="1"/>
-          </p:cNvSpPr>
-          <p:nvPr>
-            <p:ph type="title"/>
-          </p:nvPr>
+          <p:cNvPr id="2" name="Rectangle 1"/>
+          <p:cNvSpPr/>
+          <p:nvPr/>
         </p:nvSpPr>
         <p:spPr>
           <a:xfrm>
-            <a:off x="839788" y="457200"/>
-            <a:ext cx="3932237" cy="1600200"/>
+            <a:off x="7620000" y="0"/>
+            <a:ext cx="4572000" cy="6858000"/>
+          </a:xfrm>
+          <a:prstGeom prst="rect">
+            <a:avLst/>
+          </a:prstGeom>
+          <a:ln>
+            <a:noFill/>
+          </a:ln>
+        </p:spPr>
+        <p:style>
+          <a:lnRef idx="2">
+            <a:schemeClr val="accent1">
+              <a:shade val="50000"/>
+            </a:schemeClr>
+          </a:lnRef>
+          <a:fillRef idx="1">
+            <a:schemeClr val="accent1"/>
+          </a:fillRef>
+          <a:effectRef idx="0">
+            <a:schemeClr val="accent1"/>
+          </a:effectRef>
+          <a:fontRef idx="minor">
+            <a:schemeClr val="lt1"/>
+          </a:fontRef>
+        </p:style>
+      </p:sp>
+      <p:sp>
+        <p:nvSpPr>
+          <p:cNvPr id="9" name="Title 8"/>
+          <p:cNvSpPr>
+            <a:spLocks noGrp="1"/>
+          </p:cNvSpPr>
+          <p:nvPr>
+            <p:ph type="title"/>
+          </p:nvPr>
+        </p:nvSpPr>
+        <p:spPr>
+          <a:xfrm>
+            <a:off x="8261404" y="542282"/>
+            <a:ext cx="3383280" cy="1920240"/>
           </a:xfrm>
         </p:spPr>
         <p:txBody>
-          <a:bodyPr anchor="b"/>
+          <a:bodyPr anchor="b">
+            <a:noAutofit/>
+          </a:bodyPr>
           <a:lstStyle>
             <a:lvl1pPr>
-              <a:defRPr sz="3200"/>
+              <a:lnSpc>
+                <a:spcPct val="85000"/>
+              </a:lnSpc>
+              <a:defRPr sz="4000">
+                <a:solidFill>
+                  <a:srgbClr val="FFFFFF"/>
+                </a:solidFill>
+              </a:defRPr>
             </a:lvl1pPr>
           </a:lstStyle>
           <a:p>
@@ -2206,19 +2200,13 @@
               <a:rPr lang="en-US"/>
               <a:t>Click to edit Master title style</a:t>
             </a:r>
-            <a:endParaRPr lang="en-GB"/>
-          </a:p>
-        </p:txBody>
-      </p:sp>
-      <p:sp>
-        <p:nvSpPr>
-          <p:cNvPr id="3" name="Content Placeholder 2">
-            <a:extLst>
-              <a:ext uri="{FF2B5EF4-FFF2-40B4-BE49-F238E27FC236}">
-                <a16:creationId xmlns:a16="http://schemas.microsoft.com/office/drawing/2014/main" id="{E5208306-64EA-4242-8525-B36C9835FC2A}"/>
-              </a:ext>
-            </a:extLst>
-          </p:cNvPr>
+            <a:endParaRPr lang="en-US" dirty="0"/>
+          </a:p>
+        </p:txBody>
+      </p:sp>
+      <p:sp>
+        <p:nvSpPr>
+          <p:cNvPr id="3" name="Content Placeholder 2"/>
           <p:cNvSpPr>
             <a:spLocks noGrp="1"/>
           </p:cNvSpPr>
@@ -2228,8 +2216,8 @@
         </p:nvSpPr>
         <p:spPr>
           <a:xfrm>
-            <a:off x="5183188" y="987425"/>
-            <a:ext cx="6172200" cy="4873625"/>
+            <a:off x="762000" y="762000"/>
+            <a:ext cx="6096000" cy="4572000"/>
           </a:xfrm>
         </p:spPr>
         <p:txBody>
@@ -2297,19 +2285,13 @@
               <a:rPr lang="en-US"/>
               <a:t>Fifth level</a:t>
             </a:r>
-            <a:endParaRPr lang="en-GB"/>
-          </a:p>
-        </p:txBody>
-      </p:sp>
-      <p:sp>
-        <p:nvSpPr>
-          <p:cNvPr id="4" name="Text Placeholder 3">
-            <a:extLst>
-              <a:ext uri="{FF2B5EF4-FFF2-40B4-BE49-F238E27FC236}">
-                <a16:creationId xmlns:a16="http://schemas.microsoft.com/office/drawing/2014/main" id="{65B0E856-F93E-4F58-8482-2562BF272E83}"/>
-              </a:ext>
-            </a:extLst>
-          </p:cNvPr>
+            <a:endParaRPr lang="en-US" dirty="0"/>
+          </a:p>
+        </p:txBody>
+      </p:sp>
+      <p:sp>
+        <p:nvSpPr>
+          <p:cNvPr id="4" name="Text Placeholder 3"/>
           <p:cNvSpPr>
             <a:spLocks noGrp="1"/>
           </p:cNvSpPr>
@@ -2319,52 +2301,87 @@
         </p:nvSpPr>
         <p:spPr>
           <a:xfrm>
-            <a:off x="839788" y="2057400"/>
-            <a:ext cx="3932237" cy="3811588"/>
+            <a:off x="8275982" y="2511813"/>
+            <a:ext cx="3398520" cy="3126987"/>
           </a:xfrm>
         </p:spPr>
         <p:txBody>
-          <a:bodyPr/>
+          <a:bodyPr>
+            <a:normAutofit/>
+          </a:bodyPr>
           <a:lstStyle>
-            <a:lvl1pPr marL="0" indent="0">
-              <a:buNone/>
-              <a:defRPr sz="1600"/>
+            <a:lvl1pPr marL="0" marR="0" indent="0" algn="l" defTabSz="914400" rtl="0" eaLnBrk="1" fontAlgn="auto" latinLnBrk="0" hangingPunct="1">
+              <a:lnSpc>
+                <a:spcPct val="100000"/>
+              </a:lnSpc>
+              <a:spcBef>
+                <a:spcPts val="1200"/>
+              </a:spcBef>
+              <a:spcAft>
+                <a:spcPts val="0"/>
+              </a:spcAft>
+              <a:buClrTx/>
+              <a:buSzTx/>
+              <a:buFontTx/>
+              <a:buNone/>
+              <a:tabLst/>
+              <a:defRPr sz="1800">
+                <a:solidFill>
+                  <a:srgbClr val="262626"/>
+                </a:solidFill>
+              </a:defRPr>
             </a:lvl1pPr>
             <a:lvl2pPr marL="457200" indent="0">
               <a:buNone/>
-              <a:defRPr sz="1400"/>
+              <a:defRPr sz="1200"/>
             </a:lvl2pPr>
             <a:lvl3pPr marL="914400" indent="0">
               <a:buNone/>
-              <a:defRPr sz="1200"/>
+              <a:defRPr sz="1000"/>
             </a:lvl3pPr>
             <a:lvl4pPr marL="1371600" indent="0">
               <a:buNone/>
-              <a:defRPr sz="1000"/>
+              <a:defRPr sz="900"/>
             </a:lvl4pPr>
             <a:lvl5pPr marL="1828800" indent="0">
               <a:buNone/>
-              <a:defRPr sz="1000"/>
+              <a:defRPr sz="900"/>
             </a:lvl5pPr>
             <a:lvl6pPr marL="2286000" indent="0">
               <a:buNone/>
-              <a:defRPr sz="1000"/>
+              <a:defRPr sz="900"/>
             </a:lvl6pPr>
             <a:lvl7pPr marL="2743200" indent="0">
               <a:buNone/>
-              <a:defRPr sz="1000"/>
+              <a:defRPr sz="900"/>
             </a:lvl7pPr>
             <a:lvl8pPr marL="3200400" indent="0">
               <a:buNone/>
-              <a:defRPr sz="1000"/>
+              <a:defRPr sz="900"/>
             </a:lvl8pPr>
             <a:lvl9pPr marL="3657600" indent="0">
               <a:buNone/>
-              <a:defRPr sz="1000"/>
+              <a:defRPr sz="900"/>
             </a:lvl9pPr>
           </a:lstStyle>
           <a:p>
-            <a:pPr lvl="0"/>
+            <a:pPr marL="0" marR="0" lvl="0" indent="0" algn="l" defTabSz="914400" rtl="0" eaLnBrk="1" fontAlgn="auto" latinLnBrk="0" hangingPunct="1">
+              <a:lnSpc>
+                <a:spcPct val="100000"/>
+              </a:lnSpc>
+              <a:spcBef>
+                <a:spcPts val="1400"/>
+              </a:spcBef>
+              <a:spcAft>
+                <a:spcPts val="0"/>
+              </a:spcAft>
+              <a:buClrTx/>
+              <a:buSzTx/>
+              <a:buFontTx/>
+              <a:buNone/>
+              <a:tabLst/>
+              <a:defRPr/>
+            </a:pPr>
             <a:r>
               <a:rPr lang="en-US"/>
               <a:t>Click to edit Master text styles</a:t>
@@ -2374,13 +2391,7 @@
       </p:sp>
       <p:sp>
         <p:nvSpPr>
-          <p:cNvPr id="5" name="Date Placeholder 4">
-            <a:extLst>
-              <a:ext uri="{FF2B5EF4-FFF2-40B4-BE49-F238E27FC236}">
-                <a16:creationId xmlns:a16="http://schemas.microsoft.com/office/drawing/2014/main" id="{FBA284E5-7480-44AA-8281-8AAD1B7EA89D}"/>
-              </a:ext>
-            </a:extLst>
-          </p:cNvPr>
+          <p:cNvPr id="5" name="Date Placeholder 4"/>
           <p:cNvSpPr>
             <a:spLocks noGrp="1"/>
           </p:cNvSpPr>
@@ -2403,13 +2414,7 @@
       </p:sp>
       <p:sp>
         <p:nvSpPr>
-          <p:cNvPr id="6" name="Footer Placeholder 5">
-            <a:extLst>
-              <a:ext uri="{FF2B5EF4-FFF2-40B4-BE49-F238E27FC236}">
-                <a16:creationId xmlns:a16="http://schemas.microsoft.com/office/drawing/2014/main" id="{3B7133AF-A37B-45C3-BED8-19EBD0DF16BB}"/>
-              </a:ext>
-            </a:extLst>
-          </p:cNvPr>
+          <p:cNvPr id="6" name="Footer Placeholder 5"/>
           <p:cNvSpPr>
             <a:spLocks noGrp="1"/>
           </p:cNvSpPr>
@@ -2428,13 +2433,7 @@
       </p:sp>
       <p:sp>
         <p:nvSpPr>
-          <p:cNvPr id="7" name="Slide Number Placeholder 6">
-            <a:extLst>
-              <a:ext uri="{FF2B5EF4-FFF2-40B4-BE49-F238E27FC236}">
-                <a16:creationId xmlns:a16="http://schemas.microsoft.com/office/drawing/2014/main" id="{93CED22F-8C5D-4516-8740-6E567F57870A}"/>
-              </a:ext>
-            </a:extLst>
-          </p:cNvPr>
+          <p:cNvPr id="7" name="Slide Number Placeholder 6"/>
           <p:cNvSpPr>
             <a:spLocks noGrp="1"/>
           </p:cNvSpPr>
@@ -2445,7 +2444,17 @@
         <p:spPr/>
         <p:txBody>
           <a:bodyPr/>
-          <a:lstStyle/>
+          <a:lstStyle>
+            <a:lvl1pPr>
+              <a:defRPr>
+                <a:solidFill>
+                  <a:srgbClr val="FFFFFF">
+                    <a:alpha val="20000"/>
+                  </a:srgbClr>
+                </a:solidFill>
+              </a:defRPr>
+            </a:lvl1pPr>
+          </a:lstStyle>
           <a:p>
             <a:fld id="{60CA93F6-D6F8-49E6-8DA3-93D1DA748784}" type="slidenum">
               <a:rPr lang="en-GB" smtClean="0"/>
@@ -2458,7 +2467,7 @@
     </p:spTree>
     <p:extLst>
       <p:ext uri="{BB962C8B-B14F-4D97-AF65-F5344CB8AC3E}">
-        <p14:creationId xmlns:p14="http://schemas.microsoft.com/office/powerpoint/2010/main" val="2332316363"/>
+        <p14:creationId xmlns:p14="http://schemas.microsoft.com/office/powerpoint/2010/main" val="1981913121"/>
       </p:ext>
     </p:extLst>
   </p:cSld>
@@ -2471,6 +2480,14 @@
 <file path=ppt/slideLayouts/slideLayout9.xml><?xml version="1.0" encoding="utf-8"?>
 <p:sldLayout xmlns:a="http://schemas.openxmlformats.org/drawingml/2006/main" xmlns:r="http://schemas.openxmlformats.org/officeDocument/2006/relationships" xmlns:p="http://schemas.openxmlformats.org/presentationml/2006/main" type="picTx" preserve="1">
   <p:cSld name="Picture with Caption">
+    <p:bg>
+      <p:bgPr>
+        <a:solidFill>
+          <a:schemeClr val="accent1"/>
+        </a:solidFill>
+        <a:effectLst/>
+      </p:bgPr>
+    </p:bg>
     <p:spTree>
       <p:nvGrpSpPr>
         <p:cNvPr id="1" name=""/>
@@ -2487,13 +2504,7 @@
       </p:grpSpPr>
       <p:sp>
         <p:nvSpPr>
-          <p:cNvPr id="2" name="Title 1">
-            <a:extLst>
-              <a:ext uri="{FF2B5EF4-FFF2-40B4-BE49-F238E27FC236}">
-                <a16:creationId xmlns:a16="http://schemas.microsoft.com/office/drawing/2014/main" id="{3833336B-7A12-46D6-A672-9F33986762C1}"/>
-              </a:ext>
-            </a:extLst>
-          </p:cNvPr>
+          <p:cNvPr id="2" name="Title 1"/>
           <p:cNvSpPr>
             <a:spLocks noGrp="1"/>
           </p:cNvSpPr>
@@ -2503,15 +2514,21 @@
         </p:nvSpPr>
         <p:spPr>
           <a:xfrm>
-            <a:off x="839788" y="457200"/>
-            <a:ext cx="3932237" cy="1600200"/>
+            <a:off x="649224" y="5418667"/>
+            <a:ext cx="10780776" cy="613283"/>
           </a:xfrm>
         </p:spPr>
         <p:txBody>
-          <a:bodyPr anchor="b"/>
+          <a:bodyPr anchor="b">
+            <a:normAutofit/>
+          </a:bodyPr>
           <a:lstStyle>
             <a:lvl1pPr>
-              <a:defRPr sz="3200"/>
+              <a:defRPr sz="3200" b="0">
+                <a:solidFill>
+                  <a:srgbClr val="FFFFFF"/>
+                </a:solidFill>
+              </a:defRPr>
             </a:lvl1pPr>
           </a:lstStyle>
           <a:p>
@@ -2519,21 +2536,15 @@
               <a:rPr lang="en-US"/>
               <a:t>Click to edit Master title style</a:t>
             </a:r>
-            <a:endParaRPr lang="en-GB"/>
-          </a:p>
-        </p:txBody>
-      </p:sp>
-      <p:sp>
-        <p:nvSpPr>
-          <p:cNvPr id="3" name="Picture Placeholder 2">
-            <a:extLst>
-              <a:ext uri="{FF2B5EF4-FFF2-40B4-BE49-F238E27FC236}">
-                <a16:creationId xmlns:a16="http://schemas.microsoft.com/office/drawing/2014/main" id="{672A959C-07D0-4031-BC67-853634FF3CEA}"/>
-              </a:ext>
-            </a:extLst>
-          </p:cNvPr>
-          <p:cNvSpPr>
-            <a:spLocks noGrp="1"/>
+            <a:endParaRPr lang="en-US" dirty="0"/>
+          </a:p>
+        </p:txBody>
+      </p:sp>
+      <p:sp>
+        <p:nvSpPr>
+          <p:cNvPr id="3" name="Picture Placeholder 2"/>
+          <p:cNvSpPr>
+            <a:spLocks noGrp="1" noChangeAspect="1"/>
           </p:cNvSpPr>
           <p:nvPr>
             <p:ph type="pic" idx="1"/>
@@ -2541,16 +2552,32 @@
         </p:nvSpPr>
         <p:spPr>
           <a:xfrm>
-            <a:off x="5183188" y="987425"/>
-            <a:ext cx="6172200" cy="4873625"/>
+            <a:off x="0" y="0"/>
+            <a:ext cx="12192000" cy="5330952"/>
           </a:xfrm>
+          <a:solidFill>
+            <a:schemeClr val="accent1">
+              <a:lumMod val="20000"/>
+              <a:lumOff val="80000"/>
+            </a:schemeClr>
+          </a:solidFill>
         </p:spPr>
         <p:txBody>
-          <a:bodyPr/>
+          <a:bodyPr anchor="t"/>
           <a:lstStyle>
-            <a:lvl1pPr marL="0" indent="0">
-              <a:buNone/>
-              <a:defRPr sz="3200"/>
+            <a:lvl1pPr marL="0" indent="0" algn="ctr">
+              <a:spcBef>
+                <a:spcPts val="800"/>
+              </a:spcBef>
+              <a:buNone/>
+              <a:defRPr sz="3200">
+                <a:solidFill>
+                  <a:schemeClr val="tx1">
+                    <a:lumMod val="75000"/>
+                    <a:lumOff val="25000"/>
+                  </a:schemeClr>
+                </a:solidFill>
+              </a:defRPr>
             </a:lvl1pPr>
             <a:lvl2pPr marL="457200" indent="0">
               <a:buNone/>
@@ -2586,19 +2613,17 @@
             </a:lvl9pPr>
           </a:lstStyle>
           <a:p>
-            <a:endParaRPr lang="en-GB"/>
-          </a:p>
-        </p:txBody>
-      </p:sp>
-      <p:sp>
-        <p:nvSpPr>
-          <p:cNvPr id="4" name="Text Placeholder 3">
-            <a:extLst>
-              <a:ext uri="{FF2B5EF4-FFF2-40B4-BE49-F238E27FC236}">
-                <a16:creationId xmlns:a16="http://schemas.microsoft.com/office/drawing/2014/main" id="{6784A8C2-67C1-4A78-90D2-1D37BEE19AC1}"/>
-              </a:ext>
-            </a:extLst>
-          </p:cNvPr>
+            <a:r>
+              <a:rPr lang="en-US"/>
+              <a:t>Click icon to add picture</a:t>
+            </a:r>
+            <a:endParaRPr lang="en-US" dirty="0"/>
+          </a:p>
+        </p:txBody>
+      </p:sp>
+      <p:sp>
+        <p:nvSpPr>
+          <p:cNvPr id="4" name="Text Placeholder 3"/>
           <p:cNvSpPr>
             <a:spLocks noGrp="1"/>
           </p:cNvSpPr>
@@ -2608,79 +2633,92 @@
         </p:nvSpPr>
         <p:spPr>
           <a:xfrm>
-            <a:off x="839788" y="2057400"/>
-            <a:ext cx="3932237" cy="3811588"/>
+            <a:off x="676656" y="5909735"/>
+            <a:ext cx="9229344" cy="533400"/>
           </a:xfrm>
         </p:spPr>
         <p:txBody>
+          <a:bodyPr>
+            <a:normAutofit/>
+          </a:bodyPr>
+          <a:lstStyle>
+            <a:lvl1pPr marL="0" indent="0">
+              <a:lnSpc>
+                <a:spcPct val="90000"/>
+              </a:lnSpc>
+              <a:buNone/>
+              <a:defRPr sz="1400">
+                <a:solidFill>
+                  <a:srgbClr val="262626"/>
+                </a:solidFill>
+              </a:defRPr>
+            </a:lvl1pPr>
+            <a:lvl2pPr marL="457200" indent="0">
+              <a:buNone/>
+              <a:defRPr sz="1200"/>
+            </a:lvl2pPr>
+            <a:lvl3pPr marL="914400" indent="0">
+              <a:buNone/>
+              <a:defRPr sz="1000"/>
+            </a:lvl3pPr>
+            <a:lvl4pPr marL="1371600" indent="0">
+              <a:buNone/>
+              <a:defRPr sz="900"/>
+            </a:lvl4pPr>
+            <a:lvl5pPr marL="1828800" indent="0">
+              <a:buNone/>
+              <a:defRPr sz="900"/>
+            </a:lvl5pPr>
+            <a:lvl6pPr marL="2286000" indent="0">
+              <a:buNone/>
+              <a:defRPr sz="900"/>
+            </a:lvl6pPr>
+            <a:lvl7pPr marL="2743200" indent="0">
+              <a:buNone/>
+              <a:defRPr sz="900"/>
+            </a:lvl7pPr>
+            <a:lvl8pPr marL="3200400" indent="0">
+              <a:buNone/>
+              <a:defRPr sz="900"/>
+            </a:lvl8pPr>
+            <a:lvl9pPr marL="3657600" indent="0">
+              <a:buNone/>
+              <a:defRPr sz="900"/>
+            </a:lvl9pPr>
+          </a:lstStyle>
+          <a:p>
+            <a:pPr lvl="0"/>
+            <a:r>
+              <a:rPr lang="en-US"/>
+              <a:t>Click to edit Master text styles</a:t>
+            </a:r>
+          </a:p>
+        </p:txBody>
+      </p:sp>
+      <p:sp>
+        <p:nvSpPr>
+          <p:cNvPr id="12" name="Date Placeholder 11"/>
+          <p:cNvSpPr>
+            <a:spLocks noGrp="1"/>
+          </p:cNvSpPr>
+          <p:nvPr>
+            <p:ph type="dt" sz="half" idx="10"/>
+          </p:nvPr>
+        </p:nvSpPr>
+        <p:spPr/>
+        <p:txBody>
           <a:bodyPr/>
           <a:lstStyle>
-            <a:lvl1pPr marL="0" indent="0">
-              <a:buNone/>
-              <a:defRPr sz="1600"/>
+            <a:lvl1pPr>
+              <a:defRPr>
+                <a:solidFill>
+                  <a:srgbClr val="FFFFFF">
+                    <a:alpha val="80000"/>
+                  </a:srgbClr>
+                </a:solidFill>
+              </a:defRPr>
             </a:lvl1pPr>
-            <a:lvl2pPr marL="457200" indent="0">
-              <a:buNone/>
-              <a:defRPr sz="1400"/>
-            </a:lvl2pPr>
-            <a:lvl3pPr marL="914400" indent="0">
-              <a:buNone/>
-              <a:defRPr sz="1200"/>
-            </a:lvl3pPr>
-            <a:lvl4pPr marL="1371600" indent="0">
-              <a:buNone/>
-              <a:defRPr sz="1000"/>
-            </a:lvl4pPr>
-            <a:lvl5pPr marL="1828800" indent="0">
-              <a:buNone/>
-              <a:defRPr sz="1000"/>
-            </a:lvl5pPr>
-            <a:lvl6pPr marL="2286000" indent="0">
-              <a:buNone/>
-              <a:defRPr sz="1000"/>
-            </a:lvl6pPr>
-            <a:lvl7pPr marL="2743200" indent="0">
-              <a:buNone/>
-              <a:defRPr sz="1000"/>
-            </a:lvl7pPr>
-            <a:lvl8pPr marL="3200400" indent="0">
-              <a:buNone/>
-              <a:defRPr sz="1000"/>
-            </a:lvl8pPr>
-            <a:lvl9pPr marL="3657600" indent="0">
-              <a:buNone/>
-              <a:defRPr sz="1000"/>
-            </a:lvl9pPr>
           </a:lstStyle>
-          <a:p>
-            <a:pPr lvl="0"/>
-            <a:r>
-              <a:rPr lang="en-US"/>
-              <a:t>Click to edit Master text styles</a:t>
-            </a:r>
-          </a:p>
-        </p:txBody>
-      </p:sp>
-      <p:sp>
-        <p:nvSpPr>
-          <p:cNvPr id="5" name="Date Placeholder 4">
-            <a:extLst>
-              <a:ext uri="{FF2B5EF4-FFF2-40B4-BE49-F238E27FC236}">
-                <a16:creationId xmlns:a16="http://schemas.microsoft.com/office/drawing/2014/main" id="{4060A97C-DB72-4D1F-A79C-9A6762DBAA6E}"/>
-              </a:ext>
-            </a:extLst>
-          </p:cNvPr>
-          <p:cNvSpPr>
-            <a:spLocks noGrp="1"/>
-          </p:cNvSpPr>
-          <p:nvPr>
-            <p:ph type="dt" sz="half" idx="10"/>
-          </p:nvPr>
-        </p:nvSpPr>
-        <p:spPr/>
-        <p:txBody>
-          <a:bodyPr/>
-          <a:lstStyle/>
           <a:p>
             <a:fld id="{AE2E62AD-754A-40FC-A660-072484288696}" type="datetimeFigureOut">
               <a:rPr lang="en-GB" smtClean="0"/>
@@ -2692,13 +2730,7 @@
       </p:sp>
       <p:sp>
         <p:nvSpPr>
-          <p:cNvPr id="6" name="Footer Placeholder 5">
-            <a:extLst>
-              <a:ext uri="{FF2B5EF4-FFF2-40B4-BE49-F238E27FC236}">
-                <a16:creationId xmlns:a16="http://schemas.microsoft.com/office/drawing/2014/main" id="{F1574CA0-8C28-4C16-B50F-A446C0BBEAB6}"/>
-              </a:ext>
-            </a:extLst>
-          </p:cNvPr>
+          <p:cNvPr id="13" name="Footer Placeholder 12"/>
           <p:cNvSpPr>
             <a:spLocks noGrp="1"/>
           </p:cNvSpPr>
@@ -2709,7 +2741,17 @@
         <p:spPr/>
         <p:txBody>
           <a:bodyPr/>
-          <a:lstStyle/>
+          <a:lstStyle>
+            <a:lvl1pPr>
+              <a:defRPr>
+                <a:solidFill>
+                  <a:srgbClr val="FFFFFF">
+                    <a:alpha val="80000"/>
+                  </a:srgbClr>
+                </a:solidFill>
+              </a:defRPr>
+            </a:lvl1pPr>
+          </a:lstStyle>
           <a:p>
             <a:endParaRPr lang="en-GB"/>
           </a:p>
@@ -2717,13 +2759,7 @@
       </p:sp>
       <p:sp>
         <p:nvSpPr>
-          <p:cNvPr id="7" name="Slide Number Placeholder 6">
-            <a:extLst>
-              <a:ext uri="{FF2B5EF4-FFF2-40B4-BE49-F238E27FC236}">
-                <a16:creationId xmlns:a16="http://schemas.microsoft.com/office/drawing/2014/main" id="{2E931086-C8ED-4E57-B074-0664D3371AFA}"/>
-              </a:ext>
-            </a:extLst>
-          </p:cNvPr>
+          <p:cNvPr id="14" name="Slide Number Placeholder 13"/>
           <p:cNvSpPr>
             <a:spLocks noGrp="1"/>
           </p:cNvSpPr>
@@ -2734,7 +2770,17 @@
         <p:spPr/>
         <p:txBody>
           <a:bodyPr/>
-          <a:lstStyle/>
+          <a:lstStyle>
+            <a:lvl1pPr>
+              <a:defRPr>
+                <a:solidFill>
+                  <a:srgbClr val="FFFFFF">
+                    <a:alpha val="25000"/>
+                  </a:srgbClr>
+                </a:solidFill>
+              </a:defRPr>
+            </a:lvl1pPr>
+          </a:lstStyle>
           <a:p>
             <a:fld id="{60CA93F6-D6F8-49E6-8DA3-93D1DA748784}" type="slidenum">
               <a:rPr lang="en-GB" smtClean="0"/>
@@ -2747,12 +2793,12 @@
     </p:spTree>
     <p:extLst>
       <p:ext uri="{BB962C8B-B14F-4D97-AF65-F5344CB8AC3E}">
-        <p14:creationId xmlns:p14="http://schemas.microsoft.com/office/powerpoint/2010/main" val="268619806"/>
+        <p14:creationId xmlns:p14="http://schemas.microsoft.com/office/powerpoint/2010/main" val="1353429548"/>
       </p:ext>
     </p:extLst>
   </p:cSld>
   <p:clrMapOvr>
-    <a:masterClrMapping/>
+    <a:overrideClrMapping bg1="lt1" tx1="dk1" bg2="lt2" tx2="dk2" accent1="accent1" accent2="accent2" accent3="accent3" accent4="accent4" accent5="accent5" accent6="accent6" hlink="hlink" folHlink="folHlink"/>
   </p:clrMapOvr>
 </p:sldLayout>
 </file>
@@ -2781,13 +2827,7 @@
       </p:grpSpPr>
       <p:sp>
         <p:nvSpPr>
-          <p:cNvPr id="2" name="Title Placeholder 1">
-            <a:extLst>
-              <a:ext uri="{FF2B5EF4-FFF2-40B4-BE49-F238E27FC236}">
-                <a16:creationId xmlns:a16="http://schemas.microsoft.com/office/drawing/2014/main" id="{5B69C106-ABC9-477F-8408-5F163E0DBD15}"/>
-              </a:ext>
-            </a:extLst>
-          </p:cNvPr>
+          <p:cNvPr id="2" name="Title Placeholder 1"/>
           <p:cNvSpPr>
             <a:spLocks noGrp="1"/>
           </p:cNvSpPr>
@@ -2797,8 +2837,8 @@
         </p:nvSpPr>
         <p:spPr>
           <a:xfrm>
-            <a:off x="838200" y="365125"/>
-            <a:ext cx="10515600" cy="1325563"/>
+            <a:off x="657224" y="499533"/>
+            <a:ext cx="10772775" cy="1658198"/>
           </a:xfrm>
           <a:prstGeom prst="rect">
             <a:avLst/>
@@ -2814,19 +2854,13 @@
               <a:rPr lang="en-US"/>
               <a:t>Click to edit Master title style</a:t>
             </a:r>
-            <a:endParaRPr lang="en-GB"/>
-          </a:p>
-        </p:txBody>
-      </p:sp>
-      <p:sp>
-        <p:nvSpPr>
-          <p:cNvPr id="3" name="Text Placeholder 2">
-            <a:extLst>
-              <a:ext uri="{FF2B5EF4-FFF2-40B4-BE49-F238E27FC236}">
-                <a16:creationId xmlns:a16="http://schemas.microsoft.com/office/drawing/2014/main" id="{118D4F22-283A-44CA-9397-531E8313D12E}"/>
-              </a:ext>
-            </a:extLst>
-          </p:cNvPr>
+            <a:endParaRPr lang="en-US" dirty="0"/>
+          </a:p>
+        </p:txBody>
+      </p:sp>
+      <p:sp>
+        <p:nvSpPr>
+          <p:cNvPr id="3" name="Text Placeholder 2"/>
           <p:cNvSpPr>
             <a:spLocks noGrp="1"/>
           </p:cNvSpPr>
@@ -2836,8 +2870,8 @@
         </p:nvSpPr>
         <p:spPr>
           <a:xfrm>
-            <a:off x="838200" y="1825625"/>
-            <a:ext cx="10515600" cy="4351338"/>
+            <a:off x="676656" y="2011680"/>
+            <a:ext cx="10753725" cy="3766185"/>
           </a:xfrm>
           <a:prstGeom prst="rect">
             <a:avLst/>
@@ -2882,19 +2916,13 @@
               <a:rPr lang="en-US"/>
               <a:t>Fifth level</a:t>
             </a:r>
-            <a:endParaRPr lang="en-GB"/>
-          </a:p>
-        </p:txBody>
-      </p:sp>
-      <p:sp>
-        <p:nvSpPr>
-          <p:cNvPr id="4" name="Date Placeholder 3">
-            <a:extLst>
-              <a:ext uri="{FF2B5EF4-FFF2-40B4-BE49-F238E27FC236}">
-                <a16:creationId xmlns:a16="http://schemas.microsoft.com/office/drawing/2014/main" id="{0C34A14D-3CCD-46BA-AF79-AC84A529A17A}"/>
-              </a:ext>
-            </a:extLst>
-          </p:cNvPr>
+            <a:endParaRPr lang="en-US" dirty="0"/>
+          </a:p>
+        </p:txBody>
+      </p:sp>
+      <p:sp>
+        <p:nvSpPr>
+          <p:cNvPr id="4" name="Date Placeholder 3"/>
           <p:cNvSpPr>
             <a:spLocks noGrp="1"/>
           </p:cNvSpPr>
@@ -2904,8 +2932,8 @@
         </p:nvSpPr>
         <p:spPr>
           <a:xfrm>
-            <a:off x="838200" y="6356350"/>
-            <a:ext cx="2743200" cy="365125"/>
+            <a:off x="685800" y="6412447"/>
+            <a:ext cx="4114800" cy="228600"/>
           </a:xfrm>
           <a:prstGeom prst="rect">
             <a:avLst/>
@@ -2915,10 +2943,10 @@
           <a:bodyPr vert="horz" lIns="91440" tIns="45720" rIns="91440" bIns="45720" rtlCol="0" anchor="ctr"/>
           <a:lstStyle>
             <a:lvl1pPr algn="l">
-              <a:defRPr sz="1200">
+              <a:defRPr sz="950">
                 <a:solidFill>
                   <a:schemeClr val="tx1">
-                    <a:tint val="75000"/>
+                    <a:alpha val="80000"/>
                   </a:schemeClr>
                 </a:solidFill>
               </a:defRPr>
@@ -2935,13 +2963,7 @@
       </p:sp>
       <p:sp>
         <p:nvSpPr>
-          <p:cNvPr id="5" name="Footer Placeholder 4">
-            <a:extLst>
-              <a:ext uri="{FF2B5EF4-FFF2-40B4-BE49-F238E27FC236}">
-                <a16:creationId xmlns:a16="http://schemas.microsoft.com/office/drawing/2014/main" id="{919EFCB1-EF73-420F-A4A1-D04C8F942CC4}"/>
-              </a:ext>
-            </a:extLst>
-          </p:cNvPr>
+          <p:cNvPr id="5" name="Footer Placeholder 4"/>
           <p:cNvSpPr>
             <a:spLocks noGrp="1"/>
           </p:cNvSpPr>
@@ -2951,8 +2973,8 @@
         </p:nvSpPr>
         <p:spPr>
           <a:xfrm>
-            <a:off x="4038600" y="6356350"/>
-            <a:ext cx="4114800" cy="365125"/>
+            <a:off x="685800" y="6554697"/>
+            <a:ext cx="5029200" cy="228600"/>
           </a:xfrm>
           <a:prstGeom prst="rect">
             <a:avLst/>
@@ -2961,11 +2983,11 @@
         <p:txBody>
           <a:bodyPr vert="horz" lIns="91440" tIns="45720" rIns="91440" bIns="45720" rtlCol="0" anchor="ctr"/>
           <a:lstStyle>
-            <a:lvl1pPr algn="ctr">
-              <a:defRPr sz="1200">
+            <a:lvl1pPr algn="l">
+              <a:defRPr sz="950" cap="all" baseline="0">
                 <a:solidFill>
                   <a:schemeClr val="tx1">
-                    <a:tint val="75000"/>
+                    <a:alpha val="80000"/>
                   </a:schemeClr>
                 </a:solidFill>
               </a:defRPr>
@@ -2978,13 +3000,7 @@
       </p:sp>
       <p:sp>
         <p:nvSpPr>
-          <p:cNvPr id="6" name="Slide Number Placeholder 5">
-            <a:extLst>
-              <a:ext uri="{FF2B5EF4-FFF2-40B4-BE49-F238E27FC236}">
-                <a16:creationId xmlns:a16="http://schemas.microsoft.com/office/drawing/2014/main" id="{DD6692C1-45A3-4347-BADD-01F36C487088}"/>
-              </a:ext>
-            </a:extLst>
-          </p:cNvPr>
+          <p:cNvPr id="6" name="Slide Number Placeholder 5"/>
           <p:cNvSpPr>
             <a:spLocks noGrp="1"/>
           </p:cNvSpPr>
@@ -2994,23 +3010,27 @@
         </p:nvSpPr>
         <p:spPr>
           <a:xfrm>
-            <a:off x="8610600" y="6356350"/>
-            <a:ext cx="2743200" cy="365125"/>
+            <a:off x="8763926" y="5876412"/>
+            <a:ext cx="2926080" cy="1397039"/>
           </a:xfrm>
           <a:prstGeom prst="rect">
             <a:avLst/>
           </a:prstGeom>
         </p:spPr>
         <p:txBody>
-          <a:bodyPr vert="horz" lIns="91440" tIns="45720" rIns="91440" bIns="45720" rtlCol="0" anchor="ctr"/>
+          <a:bodyPr vert="horz" lIns="91440" tIns="45720" rIns="91440" bIns="45720" rtlCol="0" anchor="b"/>
           <a:lstStyle>
             <a:lvl1pPr algn="r">
-              <a:defRPr sz="1200">
-                <a:solidFill>
-                  <a:schemeClr val="tx1">
-                    <a:tint val="75000"/>
+              <a:defRPr sz="10300" b="0">
+                <a:ln>
+                  <a:noFill/>
+                </a:ln>
+                <a:solidFill>
+                  <a:schemeClr val="accent1">
+                    <a:alpha val="25000"/>
                   </a:schemeClr>
                 </a:solidFill>
+                <a:latin typeface="+mj-lt"/>
               </a:defRPr>
             </a:lvl1pPr>
           </a:lstStyle>
@@ -3026,37 +3046,37 @@
     </p:spTree>
     <p:extLst>
       <p:ext uri="{BB962C8B-B14F-4D97-AF65-F5344CB8AC3E}">
-        <p14:creationId xmlns:p14="http://schemas.microsoft.com/office/powerpoint/2010/main" val="2681474450"/>
+        <p14:creationId xmlns:p14="http://schemas.microsoft.com/office/powerpoint/2010/main" val="3147846464"/>
       </p:ext>
     </p:extLst>
   </p:cSld>
   <p:clrMap bg1="lt1" tx1="dk1" bg2="lt2" tx2="dk2" accent1="accent1" accent2="accent2" accent3="accent3" accent4="accent4" accent5="accent5" accent6="accent6" hlink="hlink" folHlink="folHlink"/>
   <p:sldLayoutIdLst>
-    <p:sldLayoutId id="2147483649" r:id="rId1"/>
-    <p:sldLayoutId id="2147483650" r:id="rId2"/>
-    <p:sldLayoutId id="2147483651" r:id="rId3"/>
-    <p:sldLayoutId id="2147483652" r:id="rId4"/>
-    <p:sldLayoutId id="2147483653" r:id="rId5"/>
-    <p:sldLayoutId id="2147483654" r:id="rId6"/>
-    <p:sldLayoutId id="2147483655" r:id="rId7"/>
-    <p:sldLayoutId id="2147483656" r:id="rId8"/>
-    <p:sldLayoutId id="2147483657" r:id="rId9"/>
-    <p:sldLayoutId id="2147483658" r:id="rId10"/>
-    <p:sldLayoutId id="2147483659" r:id="rId11"/>
+    <p:sldLayoutId id="2147483745" r:id="rId1"/>
+    <p:sldLayoutId id="2147483746" r:id="rId2"/>
+    <p:sldLayoutId id="2147483747" r:id="rId3"/>
+    <p:sldLayoutId id="2147483748" r:id="rId4"/>
+    <p:sldLayoutId id="2147483749" r:id="rId5"/>
+    <p:sldLayoutId id="2147483750" r:id="rId6"/>
+    <p:sldLayoutId id="2147483751" r:id="rId7"/>
+    <p:sldLayoutId id="2147483752" r:id="rId8"/>
+    <p:sldLayoutId id="2147483753" r:id="rId9"/>
+    <p:sldLayoutId id="2147483754" r:id="rId10"/>
+    <p:sldLayoutId id="2147483755" r:id="rId11"/>
   </p:sldLayoutIdLst>
   <p:txStyles>
     <p:titleStyle>
       <a:lvl1pPr algn="l" defTabSz="914400" rtl="0" eaLnBrk="1" latinLnBrk="0" hangingPunct="1">
         <a:lnSpc>
-          <a:spcPct val="90000"/>
+          <a:spcPct val="85000"/>
         </a:lnSpc>
         <a:spcBef>
           <a:spcPct val="0"/>
         </a:spcBef>
         <a:buNone/>
-        <a:defRPr sz="4400" kern="1200">
+        <a:defRPr sz="5400" kern="1200" spc="-120" baseline="0">
           <a:solidFill>
-            <a:schemeClr val="tx1"/>
+            <a:schemeClr val="accent1"/>
           </a:solidFill>
           <a:latin typeface="+mj-lt"/>
           <a:ea typeface="+mj-ea"/>
@@ -3065,162 +3085,189 @@
       </a:lvl1pPr>
     </p:titleStyle>
     <p:bodyStyle>
-      <a:lvl1pPr marL="228600" indent="-228600" algn="l" defTabSz="914400" rtl="0" eaLnBrk="1" latinLnBrk="0" hangingPunct="1">
+      <a:lvl1pPr marL="91440" indent="-91440" algn="l" defTabSz="914400" rtl="0" eaLnBrk="1" latinLnBrk="0" hangingPunct="1">
         <a:lnSpc>
-          <a:spcPct val="90000"/>
+          <a:spcPct val="85000"/>
         </a:lnSpc>
         <a:spcBef>
-          <a:spcPts val="1000"/>
+          <a:spcPts val="1300"/>
         </a:spcBef>
-        <a:buFont typeface="Arial" panose="020B0604020202020204" pitchFamily="34" charset="0"/>
-        <a:buChar char="•"/>
-        <a:defRPr sz="2800" kern="1200">
+        <a:buFont typeface="Arial" pitchFamily="34" charset="0"/>
+        <a:buChar char=" "/>
+        <a:defRPr sz="2400" kern="1200">
           <a:solidFill>
-            <a:schemeClr val="tx1"/>
+            <a:schemeClr val="tx1">
+              <a:lumMod val="85000"/>
+              <a:lumOff val="15000"/>
+            </a:schemeClr>
           </a:solidFill>
           <a:latin typeface="+mn-lt"/>
           <a:ea typeface="+mn-ea"/>
           <a:cs typeface="+mn-cs"/>
         </a:defRPr>
       </a:lvl1pPr>
-      <a:lvl2pPr marL="685800" indent="-228600" algn="l" defTabSz="914400" rtl="0" eaLnBrk="1" latinLnBrk="0" hangingPunct="1">
+      <a:lvl2pPr marL="347472" indent="-342900" algn="l" defTabSz="914400" rtl="0" eaLnBrk="1" latinLnBrk="0" hangingPunct="1">
         <a:lnSpc>
-          <a:spcPct val="90000"/>
+          <a:spcPct val="85000"/>
         </a:lnSpc>
         <a:spcBef>
-          <a:spcPts val="500"/>
+          <a:spcPts val="600"/>
         </a:spcBef>
-        <a:buFont typeface="Arial" panose="020B0604020202020204" pitchFamily="34" charset="0"/>
-        <a:buChar char="•"/>
+        <a:buFont typeface="Arial" pitchFamily="34" charset="0"/>
+        <a:buChar char=" "/>
         <a:defRPr sz="2400" kern="1200">
           <a:solidFill>
-            <a:schemeClr val="tx1"/>
+            <a:schemeClr val="tx1">
+              <a:lumMod val="85000"/>
+              <a:lumOff val="15000"/>
+            </a:schemeClr>
           </a:solidFill>
           <a:latin typeface="+mn-lt"/>
           <a:ea typeface="+mn-ea"/>
           <a:cs typeface="+mn-cs"/>
         </a:defRPr>
       </a:lvl2pPr>
-      <a:lvl3pPr marL="1143000" indent="-228600" algn="l" defTabSz="914400" rtl="0" eaLnBrk="1" latinLnBrk="0" hangingPunct="1">
+      <a:lvl3pPr marL="548640" indent="-548640" algn="l" defTabSz="914400" rtl="0" eaLnBrk="1" latinLnBrk="0" hangingPunct="1">
         <a:lnSpc>
-          <a:spcPct val="90000"/>
+          <a:spcPct val="85000"/>
         </a:lnSpc>
         <a:spcBef>
-          <a:spcPts val="500"/>
+          <a:spcPts val="600"/>
         </a:spcBef>
-        <a:buFont typeface="Arial" panose="020B0604020202020204" pitchFamily="34" charset="0"/>
-        <a:buChar char="•"/>
-        <a:defRPr sz="2000" kern="1200">
+        <a:buFont typeface="Arial" pitchFamily="34" charset="0"/>
+        <a:buChar char=" "/>
+        <a:defRPr sz="2000" i="1" kern="1200">
           <a:solidFill>
-            <a:schemeClr val="tx1"/>
+            <a:schemeClr val="tx1">
+              <a:lumMod val="85000"/>
+              <a:lumOff val="15000"/>
+            </a:schemeClr>
           </a:solidFill>
           <a:latin typeface="+mn-lt"/>
           <a:ea typeface="+mn-ea"/>
           <a:cs typeface="+mn-cs"/>
         </a:defRPr>
       </a:lvl3pPr>
-      <a:lvl4pPr marL="1600200" indent="-228600" algn="l" defTabSz="914400" rtl="0" eaLnBrk="1" latinLnBrk="0" hangingPunct="1">
+      <a:lvl4pPr marL="822960" indent="-822960" algn="l" defTabSz="914400" rtl="0" eaLnBrk="1" latinLnBrk="0" hangingPunct="1">
         <a:lnSpc>
-          <a:spcPct val="90000"/>
+          <a:spcPct val="85000"/>
         </a:lnSpc>
         <a:spcBef>
-          <a:spcPts val="500"/>
+          <a:spcPts val="600"/>
         </a:spcBef>
-        <a:buFont typeface="Arial" panose="020B0604020202020204" pitchFamily="34" charset="0"/>
-        <a:buChar char="•"/>
+        <a:buFont typeface="Arial" pitchFamily="34" charset="0"/>
+        <a:buChar char=" "/>
         <a:defRPr sz="1800" kern="1200">
           <a:solidFill>
-            <a:schemeClr val="tx1"/>
+            <a:schemeClr val="tx1">
+              <a:lumMod val="85000"/>
+              <a:lumOff val="15000"/>
+            </a:schemeClr>
           </a:solidFill>
           <a:latin typeface="+mn-lt"/>
           <a:ea typeface="+mn-ea"/>
           <a:cs typeface="+mn-cs"/>
         </a:defRPr>
       </a:lvl4pPr>
-      <a:lvl5pPr marL="2057400" indent="-228600" algn="l" defTabSz="914400" rtl="0" eaLnBrk="1" latinLnBrk="0" hangingPunct="1">
+      <a:lvl5pPr marL="1097280" indent="-1097280" algn="l" defTabSz="914400" rtl="0" eaLnBrk="1" latinLnBrk="0" hangingPunct="1">
         <a:lnSpc>
-          <a:spcPct val="90000"/>
+          <a:spcPct val="85000"/>
         </a:lnSpc>
         <a:spcBef>
-          <a:spcPts val="500"/>
+          <a:spcPts val="600"/>
         </a:spcBef>
-        <a:buFont typeface="Arial" panose="020B0604020202020204" pitchFamily="34" charset="0"/>
-        <a:buChar char="•"/>
+        <a:buFont typeface="Arial" pitchFamily="34" charset="0"/>
+        <a:buChar char=" "/>
         <a:defRPr sz="1800" kern="1200">
           <a:solidFill>
-            <a:schemeClr val="tx1"/>
+            <a:schemeClr val="tx1">
+              <a:lumMod val="85000"/>
+              <a:lumOff val="15000"/>
+            </a:schemeClr>
           </a:solidFill>
           <a:latin typeface="+mn-lt"/>
           <a:ea typeface="+mn-ea"/>
           <a:cs typeface="+mn-cs"/>
         </a:defRPr>
       </a:lvl5pPr>
-      <a:lvl6pPr marL="2514600" indent="-228600" algn="l" defTabSz="914400" rtl="0" eaLnBrk="1" latinLnBrk="0" hangingPunct="1">
+      <a:lvl6pPr marL="1200000" indent="-228600" algn="l" defTabSz="914400" rtl="0" eaLnBrk="1" latinLnBrk="0" hangingPunct="1">
         <a:lnSpc>
-          <a:spcPct val="90000"/>
+          <a:spcPct val="85000"/>
         </a:lnSpc>
         <a:spcBef>
-          <a:spcPts val="500"/>
+          <a:spcPts val="600"/>
         </a:spcBef>
-        <a:buFont typeface="Arial" panose="020B0604020202020204" pitchFamily="34" charset="0"/>
-        <a:buChar char="•"/>
+        <a:buFont typeface="Arial" pitchFamily="34" charset="0"/>
+        <a:buChar char=" "/>
         <a:defRPr sz="1800" kern="1200">
           <a:solidFill>
-            <a:schemeClr val="tx1"/>
+            <a:schemeClr val="tx1">
+              <a:lumMod val="85000"/>
+              <a:lumOff val="15000"/>
+            </a:schemeClr>
           </a:solidFill>
           <a:latin typeface="+mn-lt"/>
           <a:ea typeface="+mn-ea"/>
           <a:cs typeface="+mn-cs"/>
         </a:defRPr>
       </a:lvl6pPr>
-      <a:lvl7pPr marL="2971800" indent="-228600" algn="l" defTabSz="914400" rtl="0" eaLnBrk="1" latinLnBrk="0" hangingPunct="1">
+      <a:lvl7pPr marL="1400000" indent="-228600" algn="l" defTabSz="914400" rtl="0" eaLnBrk="1" latinLnBrk="0" hangingPunct="1">
         <a:lnSpc>
-          <a:spcPct val="90000"/>
+          <a:spcPct val="85000"/>
         </a:lnSpc>
         <a:spcBef>
-          <a:spcPts val="500"/>
+          <a:spcPts val="600"/>
         </a:spcBef>
-        <a:buFont typeface="Arial" panose="020B0604020202020204" pitchFamily="34" charset="0"/>
-        <a:buChar char="•"/>
+        <a:buFont typeface="Arial" pitchFamily="34" charset="0"/>
+        <a:buChar char=" "/>
         <a:defRPr sz="1800" kern="1200">
           <a:solidFill>
-            <a:schemeClr val="tx1"/>
+            <a:schemeClr val="tx1">
+              <a:lumMod val="85000"/>
+              <a:lumOff val="15000"/>
+            </a:schemeClr>
           </a:solidFill>
           <a:latin typeface="+mn-lt"/>
           <a:ea typeface="+mn-ea"/>
           <a:cs typeface="+mn-cs"/>
         </a:defRPr>
       </a:lvl7pPr>
-      <a:lvl8pPr marL="3429000" indent="-228600" algn="l" defTabSz="914400" rtl="0" eaLnBrk="1" latinLnBrk="0" hangingPunct="1">
+      <a:lvl8pPr marL="1600000" indent="-228600" algn="l" defTabSz="914400" rtl="0" eaLnBrk="1" latinLnBrk="0" hangingPunct="1">
         <a:lnSpc>
-          <a:spcPct val="90000"/>
+          <a:spcPct val="85000"/>
         </a:lnSpc>
         <a:spcBef>
-          <a:spcPts val="500"/>
+          <a:spcPts val="600"/>
         </a:spcBef>
-        <a:buFont typeface="Arial" panose="020B0604020202020204" pitchFamily="34" charset="0"/>
-        <a:buChar char="•"/>
+        <a:buFont typeface="Arial" pitchFamily="34" charset="0"/>
+        <a:buChar char=" "/>
         <a:defRPr sz="1800" kern="1200">
           <a:solidFill>
-            <a:schemeClr val="tx1"/>
+            <a:schemeClr val="tx1">
+              <a:lumMod val="85000"/>
+              <a:lumOff val="15000"/>
+            </a:schemeClr>
           </a:solidFill>
           <a:latin typeface="+mn-lt"/>
           <a:ea typeface="+mn-ea"/>
           <a:cs typeface="+mn-cs"/>
         </a:defRPr>
       </a:lvl8pPr>
-      <a:lvl9pPr marL="3886200" indent="-228600" algn="l" defTabSz="914400" rtl="0" eaLnBrk="1" latinLnBrk="0" hangingPunct="1">
+      <a:lvl9pPr marL="1800000" indent="-228600" algn="l" defTabSz="914400" rtl="0" eaLnBrk="1" latinLnBrk="0" hangingPunct="1">
         <a:lnSpc>
-          <a:spcPct val="90000"/>
+          <a:spcPct val="85000"/>
         </a:lnSpc>
         <a:spcBef>
-          <a:spcPts val="500"/>
+          <a:spcPts val="600"/>
         </a:spcBef>
-        <a:buFont typeface="Arial" panose="020B0604020202020204" pitchFamily="34" charset="0"/>
-        <a:buChar char="•"/>
+        <a:buFont typeface="Arial" pitchFamily="34" charset="0"/>
+        <a:buChar char=" "/>
         <a:defRPr sz="1800" kern="1200">
           <a:solidFill>
-            <a:schemeClr val="tx1"/>
+            <a:schemeClr val="tx1">
+              <a:lumMod val="85000"/>
+              <a:lumOff val="15000"/>
+            </a:schemeClr>
           </a:solidFill>
           <a:latin typeface="+mn-lt"/>
           <a:ea typeface="+mn-ea"/>
@@ -3402,6 +3449,10 @@
           <a:bodyPr/>
           <a:lstStyle/>
           <a:p>
+            <a:r>
+              <a:rPr lang="nb-NO" dirty="0"/>
+              <a:t>Sjur Beyer</a:t>
+            </a:r>
             <a:endParaRPr lang="en-GB" dirty="0"/>
           </a:p>
         </p:txBody>
@@ -3458,14 +3509,26 @@
           <a:lstStyle/>
           <a:p>
             <a:r>
-              <a:rPr lang="nb-NO" dirty="0"/>
+              <a:rPr lang="nb-NO" dirty="0">
+                <a:solidFill>
+                  <a:schemeClr val="tx1"/>
+                </a:solidFill>
+              </a:rPr>
               <a:t>Contents/</a:t>
             </a:r>
             <a:r>
-              <a:rPr lang="nb-NO" dirty="0" err="1"/>
+              <a:rPr lang="nb-NO" dirty="0" err="1">
+                <a:solidFill>
+                  <a:schemeClr val="tx1"/>
+                </a:solidFill>
+              </a:rPr>
               <a:t>motivations</a:t>
             </a:r>
-            <a:endParaRPr lang="en-GB" dirty="0"/>
+            <a:endParaRPr lang="en-GB" dirty="0">
+              <a:solidFill>
+                <a:schemeClr val="tx1"/>
+              </a:solidFill>
+            </a:endParaRPr>
           </a:p>
         </p:txBody>
       </p:sp>
@@ -3587,10 +3650,18 @@
           <a:lstStyle/>
           <a:p>
             <a:r>
-              <a:rPr lang="nb-NO" dirty="0"/>
+              <a:rPr lang="nb-NO" dirty="0">
+                <a:solidFill>
+                  <a:schemeClr val="tx1"/>
+                </a:solidFill>
+              </a:rPr>
               <a:t>Progress</a:t>
             </a:r>
-            <a:endParaRPr lang="en-GB" dirty="0"/>
+            <a:endParaRPr lang="en-GB" dirty="0">
+              <a:solidFill>
+                <a:schemeClr val="tx1"/>
+              </a:solidFill>
+            </a:endParaRPr>
           </a:p>
         </p:txBody>
       </p:sp>
@@ -3650,7 +3721,10 @@
             <a:endParaRPr lang="nb-NO" dirty="0"/>
           </a:p>
           <a:p>
-            <a:endParaRPr lang="en-GB" dirty="0"/>
+            <a:r>
+              <a:rPr lang="en-GB" dirty="0"/>
+              <a:t>Many model runs have been done to test the model</a:t>
+            </a:r>
           </a:p>
         </p:txBody>
       </p:sp>
@@ -3667,10 +3741,1624 @@
 </p:sld>
 </file>
 
+<file path=ppt/slides/slide4.xml><?xml version="1.0" encoding="utf-8"?>
+<p:sld xmlns:a="http://schemas.openxmlformats.org/drawingml/2006/main" xmlns:r="http://schemas.openxmlformats.org/officeDocument/2006/relationships" xmlns:p="http://schemas.openxmlformats.org/presentationml/2006/main">
+  <p:cSld>
+    <p:spTree>
+      <p:nvGrpSpPr>
+        <p:cNvPr id="1" name=""/>
+        <p:cNvGrpSpPr/>
+        <p:nvPr/>
+      </p:nvGrpSpPr>
+      <p:grpSpPr>
+        <a:xfrm>
+          <a:off x="0" y="0"/>
+          <a:ext cx="0" cy="0"/>
+          <a:chOff x="0" y="0"/>
+          <a:chExt cx="0" cy="0"/>
+        </a:xfrm>
+      </p:grpSpPr>
+      <p:sp>
+        <p:nvSpPr>
+          <p:cNvPr id="2" name="Title 1">
+            <a:extLst>
+              <a:ext uri="{FF2B5EF4-FFF2-40B4-BE49-F238E27FC236}">
+                <a16:creationId xmlns:a16="http://schemas.microsoft.com/office/drawing/2014/main" id="{14E5B637-EFB1-485A-93FD-B96132C74F77}"/>
+              </a:ext>
+            </a:extLst>
+          </p:cNvPr>
+          <p:cNvSpPr>
+            <a:spLocks noGrp="1"/>
+          </p:cNvSpPr>
+          <p:nvPr>
+            <p:ph type="title"/>
+          </p:nvPr>
+        </p:nvSpPr>
+        <p:spPr/>
+        <p:txBody>
+          <a:bodyPr/>
+          <a:lstStyle/>
+          <a:p>
+            <a:r>
+              <a:rPr lang="nb-NO" dirty="0">
+                <a:solidFill>
+                  <a:schemeClr val="tx1"/>
+                </a:solidFill>
+              </a:rPr>
+              <a:t>Folder </a:t>
+            </a:r>
+            <a:r>
+              <a:rPr lang="nb-NO" dirty="0" err="1">
+                <a:solidFill>
+                  <a:schemeClr val="tx1"/>
+                </a:solidFill>
+              </a:rPr>
+              <a:t>structure</a:t>
+            </a:r>
+            <a:endParaRPr lang="en-GB" dirty="0">
+              <a:solidFill>
+                <a:schemeClr val="tx1"/>
+              </a:solidFill>
+            </a:endParaRPr>
+          </a:p>
+        </p:txBody>
+      </p:sp>
+      <p:sp>
+        <p:nvSpPr>
+          <p:cNvPr id="3" name="Content Placeholder 2">
+            <a:extLst>
+              <a:ext uri="{FF2B5EF4-FFF2-40B4-BE49-F238E27FC236}">
+                <a16:creationId xmlns:a16="http://schemas.microsoft.com/office/drawing/2014/main" id="{970C01B7-A266-4D0B-9A43-EEEEC42279A0}"/>
+              </a:ext>
+            </a:extLst>
+          </p:cNvPr>
+          <p:cNvSpPr>
+            <a:spLocks noGrp="1"/>
+          </p:cNvSpPr>
+          <p:nvPr>
+            <p:ph idx="1"/>
+          </p:nvPr>
+        </p:nvSpPr>
+        <p:spPr/>
+        <p:txBody>
+          <a:bodyPr/>
+          <a:lstStyle/>
+          <a:p>
+            <a:r>
+              <a:rPr lang="nb-NO" dirty="0" err="1"/>
+              <a:t>Tree</a:t>
+            </a:r>
+            <a:r>
+              <a:rPr lang="nb-NO" dirty="0"/>
+              <a:t> letters </a:t>
+            </a:r>
+            <a:r>
+              <a:rPr lang="nb-NO" dirty="0" err="1"/>
+              <a:t>denoting</a:t>
+            </a:r>
+            <a:r>
+              <a:rPr lang="nb-NO" dirty="0"/>
+              <a:t> </a:t>
+            </a:r>
+            <a:r>
+              <a:rPr lang="nb-NO" b="1" dirty="0" err="1"/>
+              <a:t>group</a:t>
+            </a:r>
+            <a:r>
+              <a:rPr lang="nb-NO" b="1" dirty="0"/>
+              <a:t> </a:t>
+            </a:r>
+            <a:r>
+              <a:rPr lang="nb-NO" b="1" dirty="0" err="1"/>
+              <a:t>name</a:t>
+            </a:r>
+            <a:endParaRPr lang="nb-NO" b="1" dirty="0"/>
+          </a:p>
+          <a:p>
+            <a:r>
+              <a:rPr lang="nb-NO" dirty="0"/>
+              <a:t>Total 26^3 = 17 576 combinations</a:t>
+            </a:r>
+          </a:p>
+          <a:p>
+            <a:endParaRPr lang="nb-NO" dirty="0"/>
+          </a:p>
+          <a:p>
+            <a:r>
+              <a:rPr lang="nb-NO" dirty="0"/>
+              <a:t>Models </a:t>
+            </a:r>
+            <a:r>
+              <a:rPr lang="nb-NO" dirty="0" err="1"/>
+              <a:t>are</a:t>
+            </a:r>
+            <a:r>
+              <a:rPr lang="nb-NO" dirty="0"/>
+              <a:t> given a </a:t>
+            </a:r>
+            <a:r>
+              <a:rPr lang="nb-NO" dirty="0" err="1"/>
+              <a:t>number</a:t>
+            </a:r>
+            <a:r>
+              <a:rPr lang="nb-NO" dirty="0"/>
+              <a:t> </a:t>
+            </a:r>
+            <a:r>
+              <a:rPr lang="nb-NO" dirty="0" err="1"/>
+              <a:t>starting</a:t>
+            </a:r>
+            <a:r>
+              <a:rPr lang="nb-NO" dirty="0"/>
+              <a:t> at 0</a:t>
+            </a:r>
+          </a:p>
+          <a:p>
+            <a:endParaRPr lang="nb-NO" dirty="0"/>
+          </a:p>
+          <a:p>
+            <a:r>
+              <a:rPr lang="nb-NO" dirty="0"/>
+              <a:t>A </a:t>
+            </a:r>
+            <a:r>
+              <a:rPr lang="nb-NO" dirty="0" err="1"/>
+              <a:t>model</a:t>
+            </a:r>
+            <a:r>
+              <a:rPr lang="nb-NO" dirty="0"/>
+              <a:t> </a:t>
+            </a:r>
+            <a:r>
+              <a:rPr lang="nb-NO" dirty="0" err="1"/>
+              <a:t>name</a:t>
+            </a:r>
+            <a:r>
+              <a:rPr lang="nb-NO" dirty="0"/>
+              <a:t> </a:t>
+            </a:r>
+            <a:r>
+              <a:rPr lang="nb-NO" dirty="0" err="1"/>
+              <a:t>will</a:t>
+            </a:r>
+            <a:r>
+              <a:rPr lang="nb-NO" dirty="0"/>
+              <a:t> </a:t>
+            </a:r>
+            <a:r>
+              <a:rPr lang="nb-NO" dirty="0" err="1"/>
+              <a:t>then</a:t>
+            </a:r>
+            <a:r>
+              <a:rPr lang="nb-NO" dirty="0"/>
+              <a:t> be </a:t>
+            </a:r>
+            <a:r>
+              <a:rPr lang="nb-NO" dirty="0" err="1"/>
+              <a:t>Groupname</a:t>
+            </a:r>
+            <a:r>
+              <a:rPr lang="nb-NO" dirty="0"/>
+              <a:t> / </a:t>
+            </a:r>
+            <a:r>
+              <a:rPr lang="nb-NO" dirty="0" err="1"/>
+              <a:t>Modelnumber</a:t>
+            </a:r>
+            <a:endParaRPr lang="en-GB" dirty="0"/>
+          </a:p>
+        </p:txBody>
+      </p:sp>
+      <p:pic>
+        <p:nvPicPr>
+          <p:cNvPr id="9" name="Picture 8">
+            <a:extLst>
+              <a:ext uri="{FF2B5EF4-FFF2-40B4-BE49-F238E27FC236}">
+                <a16:creationId xmlns:a16="http://schemas.microsoft.com/office/drawing/2014/main" id="{1446C5D3-5B1A-481D-A554-0D46DC8EF574}"/>
+              </a:ext>
+            </a:extLst>
+          </p:cNvPr>
+          <p:cNvPicPr>
+            <a:picLocks noChangeAspect="1"/>
+          </p:cNvPicPr>
+          <p:nvPr/>
+        </p:nvPicPr>
+        <p:blipFill>
+          <a:blip r:embed="rId2"/>
+          <a:stretch>
+            <a:fillRect/>
+          </a:stretch>
+        </p:blipFill>
+        <p:spPr>
+          <a:xfrm>
+            <a:off x="8236491" y="1852612"/>
+            <a:ext cx="3695700" cy="3152775"/>
+          </a:xfrm>
+          <a:prstGeom prst="rect">
+            <a:avLst/>
+          </a:prstGeom>
+        </p:spPr>
+      </p:pic>
+    </p:spTree>
+    <p:extLst>
+      <p:ext uri="{BB962C8B-B14F-4D97-AF65-F5344CB8AC3E}">
+        <p14:creationId xmlns:p14="http://schemas.microsoft.com/office/powerpoint/2010/main" val="873877308"/>
+      </p:ext>
+    </p:extLst>
+  </p:cSld>
+  <p:clrMapOvr>
+    <a:masterClrMapping/>
+  </p:clrMapOvr>
+</p:sld>
+</file>
+
+<file path=ppt/slides/slide5.xml><?xml version="1.0" encoding="utf-8"?>
+<p:sld xmlns:a="http://schemas.openxmlformats.org/drawingml/2006/main" xmlns:r="http://schemas.openxmlformats.org/officeDocument/2006/relationships" xmlns:p="http://schemas.openxmlformats.org/presentationml/2006/main">
+  <p:cSld>
+    <p:spTree>
+      <p:nvGrpSpPr>
+        <p:cNvPr id="1" name=""/>
+        <p:cNvGrpSpPr/>
+        <p:nvPr/>
+      </p:nvGrpSpPr>
+      <p:grpSpPr>
+        <a:xfrm>
+          <a:off x="0" y="0"/>
+          <a:ext cx="0" cy="0"/>
+          <a:chOff x="0" y="0"/>
+          <a:chExt cx="0" cy="0"/>
+        </a:xfrm>
+      </p:grpSpPr>
+      <p:sp>
+        <p:nvSpPr>
+          <p:cNvPr id="2" name="Title 1">
+            <a:extLst>
+              <a:ext uri="{FF2B5EF4-FFF2-40B4-BE49-F238E27FC236}">
+                <a16:creationId xmlns:a16="http://schemas.microsoft.com/office/drawing/2014/main" id="{D49D0B6E-3D07-4C7C-99BB-FE4BA517C483}"/>
+              </a:ext>
+            </a:extLst>
+          </p:cNvPr>
+          <p:cNvSpPr>
+            <a:spLocks noGrp="1"/>
+          </p:cNvSpPr>
+          <p:nvPr>
+            <p:ph type="title"/>
+          </p:nvPr>
+        </p:nvSpPr>
+        <p:spPr/>
+        <p:txBody>
+          <a:bodyPr/>
+          <a:lstStyle/>
+          <a:p>
+            <a:r>
+              <a:rPr lang="nb-NO" dirty="0">
+                <a:solidFill>
+                  <a:schemeClr val="tx1"/>
+                </a:solidFill>
+              </a:rPr>
+              <a:t>Model </a:t>
+            </a:r>
+            <a:r>
+              <a:rPr lang="nb-NO" dirty="0" err="1">
+                <a:solidFill>
+                  <a:schemeClr val="tx1"/>
+                </a:solidFill>
+              </a:rPr>
+              <a:t>configs</a:t>
+            </a:r>
+            <a:endParaRPr lang="en-GB" dirty="0">
+              <a:solidFill>
+                <a:schemeClr val="tx1"/>
+              </a:solidFill>
+            </a:endParaRPr>
+          </a:p>
+        </p:txBody>
+      </p:sp>
+      <p:sp>
+        <p:nvSpPr>
+          <p:cNvPr id="3" name="Content Placeholder 2">
+            <a:extLst>
+              <a:ext uri="{FF2B5EF4-FFF2-40B4-BE49-F238E27FC236}">
+                <a16:creationId xmlns:a16="http://schemas.microsoft.com/office/drawing/2014/main" id="{3FA04A3F-FAD4-4221-B898-49AA0B68DF18}"/>
+              </a:ext>
+            </a:extLst>
+          </p:cNvPr>
+          <p:cNvSpPr>
+            <a:spLocks noGrp="1"/>
+          </p:cNvSpPr>
+          <p:nvPr>
+            <p:ph idx="1"/>
+          </p:nvPr>
+        </p:nvSpPr>
+        <p:spPr>
+          <a:xfrm>
+            <a:off x="676656" y="2011680"/>
+            <a:ext cx="5743599" cy="3766185"/>
+          </a:xfrm>
+        </p:spPr>
+        <p:txBody>
+          <a:bodyPr>
+            <a:normAutofit lnSpcReduction="10000"/>
+          </a:bodyPr>
+          <a:lstStyle/>
+          <a:p>
+            <a:r>
+              <a:rPr lang="nb-NO" dirty="0" err="1"/>
+              <a:t>These</a:t>
+            </a:r>
+            <a:r>
+              <a:rPr lang="nb-NO" dirty="0"/>
+              <a:t> </a:t>
+            </a:r>
+            <a:r>
+              <a:rPr lang="nb-NO" dirty="0" err="1"/>
+              <a:t>are</a:t>
+            </a:r>
+            <a:r>
+              <a:rPr lang="nb-NO" dirty="0"/>
+              <a:t> </a:t>
+            </a:r>
+            <a:r>
+              <a:rPr lang="nb-NO" dirty="0" err="1"/>
+              <a:t>saved</a:t>
+            </a:r>
+            <a:r>
+              <a:rPr lang="nb-NO" dirty="0"/>
+              <a:t> in </a:t>
+            </a:r>
+            <a:r>
+              <a:rPr lang="nb-NO" dirty="0" err="1"/>
+              <a:t>the</a:t>
+            </a:r>
+            <a:r>
+              <a:rPr lang="nb-NO" dirty="0"/>
+              <a:t> .</a:t>
+            </a:r>
+            <a:r>
+              <a:rPr lang="nb-NO" dirty="0" err="1"/>
+              <a:t>json</a:t>
+            </a:r>
+            <a:r>
+              <a:rPr lang="nb-NO" dirty="0"/>
+              <a:t> file</a:t>
+            </a:r>
+          </a:p>
+          <a:p>
+            <a:endParaRPr lang="nb-NO" dirty="0"/>
+          </a:p>
+          <a:p>
+            <a:r>
+              <a:rPr lang="nb-NO" dirty="0" err="1"/>
+              <a:t>These</a:t>
+            </a:r>
+            <a:r>
+              <a:rPr lang="nb-NO" dirty="0"/>
+              <a:t> parameters </a:t>
+            </a:r>
+            <a:r>
+              <a:rPr lang="nb-NO" dirty="0" err="1"/>
+              <a:t>get</a:t>
+            </a:r>
+            <a:r>
+              <a:rPr lang="nb-NO" dirty="0"/>
+              <a:t> </a:t>
+            </a:r>
+            <a:r>
+              <a:rPr lang="nb-NO" dirty="0" err="1"/>
+              <a:t>tweaked</a:t>
+            </a:r>
+            <a:r>
+              <a:rPr lang="nb-NO" dirty="0"/>
+              <a:t> by </a:t>
+            </a:r>
+            <a:r>
+              <a:rPr lang="nb-NO" dirty="0" err="1"/>
+              <a:t>optuna</a:t>
+            </a:r>
+            <a:r>
+              <a:rPr lang="nb-NO" dirty="0"/>
+              <a:t>, so I save </a:t>
+            </a:r>
+            <a:r>
+              <a:rPr lang="nb-NO" dirty="0" err="1"/>
+              <a:t>them</a:t>
+            </a:r>
+            <a:r>
+              <a:rPr lang="nb-NO" dirty="0"/>
+              <a:t> to be </a:t>
+            </a:r>
+            <a:r>
+              <a:rPr lang="nb-NO" dirty="0" err="1"/>
+              <a:t>able</a:t>
+            </a:r>
+            <a:r>
+              <a:rPr lang="nb-NO" dirty="0"/>
+              <a:t> to </a:t>
+            </a:r>
+            <a:r>
+              <a:rPr lang="nb-NO" dirty="0" err="1"/>
+              <a:t>compare</a:t>
+            </a:r>
+            <a:r>
+              <a:rPr lang="nb-NO" dirty="0"/>
+              <a:t> </a:t>
+            </a:r>
+            <a:r>
+              <a:rPr lang="nb-NO" dirty="0" err="1"/>
+              <a:t>what</a:t>
+            </a:r>
+            <a:r>
+              <a:rPr lang="nb-NO" dirty="0"/>
+              <a:t> </a:t>
+            </a:r>
+            <a:r>
+              <a:rPr lang="nb-NO" dirty="0" err="1"/>
+              <a:t>the</a:t>
+            </a:r>
+            <a:r>
+              <a:rPr lang="nb-NO" dirty="0"/>
+              <a:t> </a:t>
+            </a:r>
+            <a:r>
+              <a:rPr lang="nb-NO" dirty="0" err="1"/>
+              <a:t>good</a:t>
+            </a:r>
+            <a:r>
+              <a:rPr lang="nb-NO" dirty="0"/>
+              <a:t> </a:t>
+            </a:r>
+            <a:r>
+              <a:rPr lang="nb-NO" dirty="0" err="1"/>
+              <a:t>performing</a:t>
+            </a:r>
+            <a:r>
+              <a:rPr lang="nb-NO" dirty="0"/>
+              <a:t> </a:t>
+            </a:r>
+            <a:r>
+              <a:rPr lang="nb-NO" dirty="0" err="1"/>
+              <a:t>models</a:t>
+            </a:r>
+            <a:r>
+              <a:rPr lang="nb-NO" dirty="0"/>
+              <a:t> have in </a:t>
+            </a:r>
+            <a:r>
+              <a:rPr lang="nb-NO" dirty="0" err="1"/>
+              <a:t>common</a:t>
+            </a:r>
+            <a:endParaRPr lang="nb-NO" dirty="0"/>
+          </a:p>
+          <a:p>
+            <a:endParaRPr lang="nb-NO" dirty="0"/>
+          </a:p>
+          <a:p>
+            <a:r>
+              <a:rPr lang="nb-NO" dirty="0"/>
+              <a:t>Planning to </a:t>
+            </a:r>
+            <a:r>
+              <a:rPr lang="nb-NO" dirty="0" err="1"/>
+              <a:t>add</a:t>
+            </a:r>
+            <a:r>
+              <a:rPr lang="nb-NO" dirty="0"/>
+              <a:t> ‘</a:t>
+            </a:r>
+            <a:r>
+              <a:rPr lang="nb-NO" dirty="0" err="1"/>
+              <a:t>feat_aug_dataset</a:t>
+            </a:r>
+            <a:r>
+              <a:rPr lang="nb-NO" dirty="0"/>
+              <a:t>’ to have </a:t>
+            </a:r>
+            <a:r>
+              <a:rPr lang="nb-NO" dirty="0" err="1"/>
+              <a:t>optuna</a:t>
+            </a:r>
+            <a:r>
+              <a:rPr lang="nb-NO" dirty="0"/>
+              <a:t> </a:t>
+            </a:r>
+            <a:r>
+              <a:rPr lang="nb-NO" dirty="0" err="1"/>
+              <a:t>decide</a:t>
+            </a:r>
+            <a:r>
+              <a:rPr lang="nb-NO" dirty="0"/>
+              <a:t> </a:t>
+            </a:r>
+            <a:r>
+              <a:rPr lang="nb-NO" dirty="0" err="1"/>
+              <a:t>what</a:t>
+            </a:r>
+            <a:r>
+              <a:rPr lang="nb-NO" dirty="0"/>
+              <a:t> </a:t>
+            </a:r>
+            <a:r>
+              <a:rPr lang="nb-NO" dirty="0" err="1"/>
+              <a:t>additional</a:t>
+            </a:r>
+            <a:r>
+              <a:rPr lang="nb-NO" dirty="0"/>
+              <a:t> data </a:t>
+            </a:r>
+            <a:r>
+              <a:rPr lang="nb-NO" dirty="0" err="1"/>
+              <a:t>preprocessing</a:t>
+            </a:r>
+            <a:r>
+              <a:rPr lang="nb-NO" dirty="0"/>
+              <a:t> is </a:t>
+            </a:r>
+            <a:r>
+              <a:rPr lang="nb-NO" dirty="0" err="1"/>
+              <a:t>preferable</a:t>
+            </a:r>
+            <a:endParaRPr lang="en-GB" dirty="0"/>
+          </a:p>
+        </p:txBody>
+      </p:sp>
+      <p:pic>
+        <p:nvPicPr>
+          <p:cNvPr id="5" name="Picture 4">
+            <a:extLst>
+              <a:ext uri="{FF2B5EF4-FFF2-40B4-BE49-F238E27FC236}">
+                <a16:creationId xmlns:a16="http://schemas.microsoft.com/office/drawing/2014/main" id="{81C685BA-F863-43CF-9939-1BC0386BC08A}"/>
+              </a:ext>
+            </a:extLst>
+          </p:cNvPr>
+          <p:cNvPicPr>
+            <a:picLocks noChangeAspect="1"/>
+          </p:cNvPicPr>
+          <p:nvPr/>
+        </p:nvPicPr>
+        <p:blipFill>
+          <a:blip r:embed="rId2"/>
+          <a:stretch>
+            <a:fillRect/>
+          </a:stretch>
+        </p:blipFill>
+        <p:spPr>
+          <a:xfrm>
+            <a:off x="7135542" y="1453515"/>
+            <a:ext cx="3990975" cy="4324350"/>
+          </a:xfrm>
+          <a:prstGeom prst="rect">
+            <a:avLst/>
+          </a:prstGeom>
+        </p:spPr>
+      </p:pic>
+    </p:spTree>
+    <p:extLst>
+      <p:ext uri="{BB962C8B-B14F-4D97-AF65-F5344CB8AC3E}">
+        <p14:creationId xmlns:p14="http://schemas.microsoft.com/office/powerpoint/2010/main" val="3208444305"/>
+      </p:ext>
+    </p:extLst>
+  </p:cSld>
+  <p:clrMapOvr>
+    <a:masterClrMapping/>
+  </p:clrMapOvr>
+</p:sld>
+</file>
+
+<file path=ppt/slides/slide6.xml><?xml version="1.0" encoding="utf-8"?>
+<p:sld xmlns:a="http://schemas.openxmlformats.org/drawingml/2006/main" xmlns:r="http://schemas.openxmlformats.org/officeDocument/2006/relationships" xmlns:p="http://schemas.openxmlformats.org/presentationml/2006/main">
+  <p:cSld>
+    <p:spTree>
+      <p:nvGrpSpPr>
+        <p:cNvPr id="1" name=""/>
+        <p:cNvGrpSpPr/>
+        <p:nvPr/>
+      </p:nvGrpSpPr>
+      <p:grpSpPr>
+        <a:xfrm>
+          <a:off x="0" y="0"/>
+          <a:ext cx="0" cy="0"/>
+          <a:chOff x="0" y="0"/>
+          <a:chExt cx="0" cy="0"/>
+        </a:xfrm>
+      </p:grpSpPr>
+      <p:sp>
+        <p:nvSpPr>
+          <p:cNvPr id="2" name="Title 1">
+            <a:extLst>
+              <a:ext uri="{FF2B5EF4-FFF2-40B4-BE49-F238E27FC236}">
+                <a16:creationId xmlns:a16="http://schemas.microsoft.com/office/drawing/2014/main" id="{627BF425-BA66-4C92-93AF-D351F8D6410E}"/>
+              </a:ext>
+            </a:extLst>
+          </p:cNvPr>
+          <p:cNvSpPr>
+            <a:spLocks noGrp="1"/>
+          </p:cNvSpPr>
+          <p:nvPr>
+            <p:ph type="title"/>
+          </p:nvPr>
+        </p:nvSpPr>
+        <p:spPr/>
+        <p:txBody>
+          <a:bodyPr/>
+          <a:lstStyle/>
+          <a:p>
+            <a:r>
+              <a:rPr lang="nb-NO" dirty="0" err="1">
+                <a:solidFill>
+                  <a:schemeClr val="tx1"/>
+                </a:solidFill>
+              </a:rPr>
+              <a:t>Reconstruction</a:t>
+            </a:r>
+            <a:endParaRPr lang="en-GB" dirty="0">
+              <a:solidFill>
+                <a:schemeClr val="tx1"/>
+              </a:solidFill>
+            </a:endParaRPr>
+          </a:p>
+        </p:txBody>
+      </p:sp>
+      <p:pic>
+        <p:nvPicPr>
+          <p:cNvPr id="5" name="Content Placeholder 4" descr="A picture containing blue&#10;&#10;Description automatically generated">
+            <a:extLst>
+              <a:ext uri="{FF2B5EF4-FFF2-40B4-BE49-F238E27FC236}">
+                <a16:creationId xmlns:a16="http://schemas.microsoft.com/office/drawing/2014/main" id="{154A3C1F-4C64-47CA-80FF-4E89DDA7845F}"/>
+              </a:ext>
+            </a:extLst>
+          </p:cNvPr>
+          <p:cNvPicPr>
+            <a:picLocks noGrp="1" noChangeAspect="1"/>
+          </p:cNvPicPr>
+          <p:nvPr>
+            <p:ph idx="1"/>
+          </p:nvPr>
+        </p:nvPicPr>
+        <p:blipFill>
+          <a:blip r:embed="rId2">
+            <a:extLst>
+              <a:ext uri="{28A0092B-C50C-407E-A947-70E740481C1C}">
+                <a14:useLocalDpi xmlns:a14="http://schemas.microsoft.com/office/drawing/2010/main" val="0"/>
+              </a:ext>
+            </a:extLst>
+          </a:blip>
+          <a:stretch>
+            <a:fillRect/>
+          </a:stretch>
+        </p:blipFill>
+        <p:spPr>
+          <a:xfrm>
+            <a:off x="1211296" y="2314964"/>
+            <a:ext cx="4438650" cy="3333750"/>
+          </a:xfrm>
+        </p:spPr>
+      </p:pic>
+      <p:pic>
+        <p:nvPicPr>
+          <p:cNvPr id="7" name="Picture 6" descr="A picture containing blue, painted, fabric&#10;&#10;Description automatically generated">
+            <a:extLst>
+              <a:ext uri="{FF2B5EF4-FFF2-40B4-BE49-F238E27FC236}">
+                <a16:creationId xmlns:a16="http://schemas.microsoft.com/office/drawing/2014/main" id="{73A19980-46F4-458B-BF53-91409671D19F}"/>
+              </a:ext>
+            </a:extLst>
+          </p:cNvPr>
+          <p:cNvPicPr>
+            <a:picLocks noChangeAspect="1"/>
+          </p:cNvPicPr>
+          <p:nvPr/>
+        </p:nvPicPr>
+        <p:blipFill>
+          <a:blip r:embed="rId3">
+            <a:extLst>
+              <a:ext uri="{28A0092B-C50C-407E-A947-70E740481C1C}">
+                <a14:useLocalDpi xmlns:a14="http://schemas.microsoft.com/office/drawing/2010/main" val="0"/>
+              </a:ext>
+            </a:extLst>
+          </a:blip>
+          <a:stretch>
+            <a:fillRect/>
+          </a:stretch>
+        </p:blipFill>
+        <p:spPr>
+          <a:xfrm>
+            <a:off x="6405867" y="2314964"/>
+            <a:ext cx="4438650" cy="3333750"/>
+          </a:xfrm>
+          <a:prstGeom prst="rect">
+            <a:avLst/>
+          </a:prstGeom>
+        </p:spPr>
+      </p:pic>
+    </p:spTree>
+    <p:extLst>
+      <p:ext uri="{BB962C8B-B14F-4D97-AF65-F5344CB8AC3E}">
+        <p14:creationId xmlns:p14="http://schemas.microsoft.com/office/powerpoint/2010/main" val="218628252"/>
+      </p:ext>
+    </p:extLst>
+  </p:cSld>
+  <p:clrMapOvr>
+    <a:masterClrMapping/>
+  </p:clrMapOvr>
+</p:sld>
+</file>
+
+<file path=ppt/slides/slide7.xml><?xml version="1.0" encoding="utf-8"?>
+<p:sld xmlns:a="http://schemas.openxmlformats.org/drawingml/2006/main" xmlns:r="http://schemas.openxmlformats.org/officeDocument/2006/relationships" xmlns:p="http://schemas.openxmlformats.org/presentationml/2006/main">
+  <p:cSld>
+    <p:spTree>
+      <p:nvGrpSpPr>
+        <p:cNvPr id="1" name=""/>
+        <p:cNvGrpSpPr/>
+        <p:nvPr/>
+      </p:nvGrpSpPr>
+      <p:grpSpPr>
+        <a:xfrm>
+          <a:off x="0" y="0"/>
+          <a:ext cx="0" cy="0"/>
+          <a:chOff x="0" y="0"/>
+          <a:chExt cx="0" cy="0"/>
+        </a:xfrm>
+      </p:grpSpPr>
+      <p:sp>
+        <p:nvSpPr>
+          <p:cNvPr id="2" name="Title 1">
+            <a:extLst>
+              <a:ext uri="{FF2B5EF4-FFF2-40B4-BE49-F238E27FC236}">
+                <a16:creationId xmlns:a16="http://schemas.microsoft.com/office/drawing/2014/main" id="{03B84BDC-68B3-487A-916F-19C1B1BCE58F}"/>
+              </a:ext>
+            </a:extLst>
+          </p:cNvPr>
+          <p:cNvSpPr>
+            <a:spLocks noGrp="1"/>
+          </p:cNvSpPr>
+          <p:nvPr>
+            <p:ph type="title"/>
+          </p:nvPr>
+        </p:nvSpPr>
+        <p:spPr/>
+        <p:txBody>
+          <a:bodyPr>
+            <a:normAutofit/>
+          </a:bodyPr>
+          <a:lstStyle/>
+          <a:p>
+            <a:r>
+              <a:rPr lang="nb-NO" sz="4800" dirty="0">
+                <a:solidFill>
+                  <a:schemeClr val="tx1"/>
+                </a:solidFill>
+              </a:rPr>
+              <a:t>Not just a </a:t>
+            </a:r>
+            <a:r>
+              <a:rPr lang="nb-NO" sz="4800" dirty="0" err="1">
+                <a:solidFill>
+                  <a:schemeClr val="tx1"/>
+                </a:solidFill>
+              </a:rPr>
+              <a:t>kernel</a:t>
+            </a:r>
+            <a:r>
+              <a:rPr lang="nb-NO" sz="4800" dirty="0">
+                <a:solidFill>
+                  <a:schemeClr val="tx1"/>
+                </a:solidFill>
+              </a:rPr>
+              <a:t> </a:t>
+            </a:r>
+            <a:r>
+              <a:rPr lang="nb-NO" sz="4800" dirty="0" err="1">
+                <a:solidFill>
+                  <a:schemeClr val="tx1"/>
+                </a:solidFill>
+              </a:rPr>
+              <a:t>size</a:t>
+            </a:r>
+            <a:r>
+              <a:rPr lang="nb-NO" sz="4800" dirty="0">
+                <a:solidFill>
+                  <a:schemeClr val="tx1"/>
+                </a:solidFill>
+              </a:rPr>
+              <a:t> </a:t>
+            </a:r>
+            <a:r>
+              <a:rPr lang="nb-NO" sz="4800" dirty="0" err="1">
+                <a:solidFill>
+                  <a:schemeClr val="tx1"/>
+                </a:solidFill>
+              </a:rPr>
+              <a:t>issue</a:t>
+            </a:r>
+            <a:r>
+              <a:rPr lang="nb-NO" sz="4800" dirty="0">
+                <a:solidFill>
+                  <a:schemeClr val="tx1"/>
+                </a:solidFill>
+              </a:rPr>
+              <a:t> (</a:t>
+            </a:r>
+            <a:r>
+              <a:rPr lang="nb-NO" sz="4800" dirty="0" err="1">
+                <a:solidFill>
+                  <a:schemeClr val="tx1"/>
+                </a:solidFill>
+              </a:rPr>
+              <a:t>these</a:t>
+            </a:r>
+            <a:r>
+              <a:rPr lang="nb-NO" sz="4800" dirty="0">
+                <a:solidFill>
+                  <a:schemeClr val="tx1"/>
+                </a:solidFill>
+              </a:rPr>
+              <a:t> </a:t>
+            </a:r>
+            <a:r>
+              <a:rPr lang="nb-NO" sz="4800" dirty="0" err="1">
+                <a:solidFill>
+                  <a:schemeClr val="tx1"/>
+                </a:solidFill>
+              </a:rPr>
+              <a:t>had</a:t>
+            </a:r>
+            <a:r>
+              <a:rPr lang="nb-NO" sz="4800" dirty="0">
+                <a:solidFill>
+                  <a:schemeClr val="tx1"/>
+                </a:solidFill>
+              </a:rPr>
+              <a:t> </a:t>
+            </a:r>
+            <a:r>
+              <a:rPr lang="nb-NO" sz="4800" dirty="0" err="1">
+                <a:solidFill>
+                  <a:schemeClr val="tx1"/>
+                </a:solidFill>
+              </a:rPr>
+              <a:t>ks</a:t>
+            </a:r>
+            <a:r>
+              <a:rPr lang="nb-NO" sz="4800" dirty="0">
+                <a:solidFill>
+                  <a:schemeClr val="tx1"/>
+                </a:solidFill>
+              </a:rPr>
+              <a:t>=8)</a:t>
+            </a:r>
+            <a:endParaRPr lang="en-GB" sz="4800" dirty="0">
+              <a:solidFill>
+                <a:schemeClr val="tx1"/>
+              </a:solidFill>
+            </a:endParaRPr>
+          </a:p>
+        </p:txBody>
+      </p:sp>
+      <p:pic>
+        <p:nvPicPr>
+          <p:cNvPr id="5" name="Content Placeholder 4" descr="A picture containing text, screenshot&#10;&#10;Description automatically generated">
+            <a:extLst>
+              <a:ext uri="{FF2B5EF4-FFF2-40B4-BE49-F238E27FC236}">
+                <a16:creationId xmlns:a16="http://schemas.microsoft.com/office/drawing/2014/main" id="{F589CBC7-A990-43CA-8981-59B32C742CFF}"/>
+              </a:ext>
+            </a:extLst>
+          </p:cNvPr>
+          <p:cNvPicPr>
+            <a:picLocks noGrp="1" noChangeAspect="1"/>
+          </p:cNvPicPr>
+          <p:nvPr>
+            <p:ph idx="1"/>
+          </p:nvPr>
+        </p:nvPicPr>
+        <p:blipFill>
+          <a:blip r:embed="rId2">
+            <a:extLst>
+              <a:ext uri="{28A0092B-C50C-407E-A947-70E740481C1C}">
+                <a14:useLocalDpi xmlns:a14="http://schemas.microsoft.com/office/drawing/2010/main" val="0"/>
+              </a:ext>
+            </a:extLst>
+          </a:blip>
+          <a:stretch>
+            <a:fillRect/>
+          </a:stretch>
+        </p:blipFill>
+        <p:spPr>
+          <a:xfrm>
+            <a:off x="1182113" y="1888585"/>
+            <a:ext cx="4438650" cy="3333750"/>
+          </a:xfrm>
+        </p:spPr>
+      </p:pic>
+      <p:pic>
+        <p:nvPicPr>
+          <p:cNvPr id="7" name="Picture 6" descr="A picture containing text, screenshot&#10;&#10;Description automatically generated">
+            <a:extLst>
+              <a:ext uri="{FF2B5EF4-FFF2-40B4-BE49-F238E27FC236}">
+                <a16:creationId xmlns:a16="http://schemas.microsoft.com/office/drawing/2014/main" id="{457D4CC2-021B-4A7F-B3FE-B1389F3A333B}"/>
+              </a:ext>
+            </a:extLst>
+          </p:cNvPr>
+          <p:cNvPicPr>
+            <a:picLocks noChangeAspect="1"/>
+          </p:cNvPicPr>
+          <p:nvPr/>
+        </p:nvPicPr>
+        <p:blipFill>
+          <a:blip r:embed="rId3">
+            <a:extLst>
+              <a:ext uri="{28A0092B-C50C-407E-A947-70E740481C1C}">
+                <a14:useLocalDpi xmlns:a14="http://schemas.microsoft.com/office/drawing/2010/main" val="0"/>
+              </a:ext>
+            </a:extLst>
+          </a:blip>
+          <a:stretch>
+            <a:fillRect/>
+          </a:stretch>
+        </p:blipFill>
+        <p:spPr>
+          <a:xfrm>
+            <a:off x="6483687" y="1888585"/>
+            <a:ext cx="4438650" cy="3333750"/>
+          </a:xfrm>
+          <a:prstGeom prst="rect">
+            <a:avLst/>
+          </a:prstGeom>
+        </p:spPr>
+      </p:pic>
+    </p:spTree>
+    <p:extLst>
+      <p:ext uri="{BB962C8B-B14F-4D97-AF65-F5344CB8AC3E}">
+        <p14:creationId xmlns:p14="http://schemas.microsoft.com/office/powerpoint/2010/main" val="2778917961"/>
+      </p:ext>
+    </p:extLst>
+  </p:cSld>
+  <p:clrMapOvr>
+    <a:masterClrMapping/>
+  </p:clrMapOvr>
+</p:sld>
+</file>
+
+<file path=ppt/slides/slide8.xml><?xml version="1.0" encoding="utf-8"?>
+<p:sld xmlns:a="http://schemas.openxmlformats.org/drawingml/2006/main" xmlns:r="http://schemas.openxmlformats.org/officeDocument/2006/relationships" xmlns:p="http://schemas.openxmlformats.org/presentationml/2006/main">
+  <p:cSld>
+    <p:spTree>
+      <p:nvGrpSpPr>
+        <p:cNvPr id="1" name=""/>
+        <p:cNvGrpSpPr/>
+        <p:nvPr/>
+      </p:nvGrpSpPr>
+      <p:grpSpPr>
+        <a:xfrm>
+          <a:off x="0" y="0"/>
+          <a:ext cx="0" cy="0"/>
+          <a:chOff x="0" y="0"/>
+          <a:chExt cx="0" cy="0"/>
+        </a:xfrm>
+      </p:grpSpPr>
+      <p:sp>
+        <p:nvSpPr>
+          <p:cNvPr id="2" name="Title 1">
+            <a:extLst>
+              <a:ext uri="{FF2B5EF4-FFF2-40B4-BE49-F238E27FC236}">
+                <a16:creationId xmlns:a16="http://schemas.microsoft.com/office/drawing/2014/main" id="{E36C5BE7-EB5D-407C-805E-ADE99408FFFB}"/>
+              </a:ext>
+            </a:extLst>
+          </p:cNvPr>
+          <p:cNvSpPr>
+            <a:spLocks noGrp="1"/>
+          </p:cNvSpPr>
+          <p:nvPr>
+            <p:ph type="title"/>
+          </p:nvPr>
+        </p:nvSpPr>
+        <p:spPr/>
+        <p:txBody>
+          <a:bodyPr>
+            <a:normAutofit/>
+          </a:bodyPr>
+          <a:lstStyle/>
+          <a:p>
+            <a:r>
+              <a:rPr lang="nb-NO" sz="4000" dirty="0" err="1">
+                <a:solidFill>
+                  <a:schemeClr val="tx1"/>
+                </a:solidFill>
+              </a:rPr>
+              <a:t>Errors</a:t>
+            </a:r>
+            <a:r>
+              <a:rPr lang="nb-NO" sz="4000" dirty="0">
+                <a:solidFill>
+                  <a:schemeClr val="tx1"/>
+                </a:solidFill>
+              </a:rPr>
+              <a:t> </a:t>
+            </a:r>
+            <a:r>
+              <a:rPr lang="nb-NO" sz="4000" dirty="0" err="1">
+                <a:solidFill>
+                  <a:schemeClr val="tx1"/>
+                </a:solidFill>
+              </a:rPr>
+              <a:t>might</a:t>
+            </a:r>
+            <a:r>
+              <a:rPr lang="nb-NO" sz="4000" dirty="0">
+                <a:solidFill>
+                  <a:schemeClr val="tx1"/>
+                </a:solidFill>
+              </a:rPr>
+              <a:t> just be bad regions </a:t>
+            </a:r>
+            <a:r>
+              <a:rPr lang="nb-NO" sz="4000" dirty="0" err="1">
+                <a:solidFill>
+                  <a:schemeClr val="tx1"/>
+                </a:solidFill>
+              </a:rPr>
+              <a:t>of</a:t>
+            </a:r>
+            <a:r>
+              <a:rPr lang="nb-NO" sz="4000" dirty="0">
+                <a:solidFill>
+                  <a:schemeClr val="tx1"/>
+                </a:solidFill>
+              </a:rPr>
+              <a:t> loss landscape</a:t>
+            </a:r>
+            <a:endParaRPr lang="en-GB" sz="4000" dirty="0">
+              <a:solidFill>
+                <a:schemeClr val="tx1"/>
+              </a:solidFill>
+            </a:endParaRPr>
+          </a:p>
+        </p:txBody>
+      </p:sp>
+      <p:pic>
+        <p:nvPicPr>
+          <p:cNvPr id="5" name="Content Placeholder 4">
+            <a:extLst>
+              <a:ext uri="{FF2B5EF4-FFF2-40B4-BE49-F238E27FC236}">
+                <a16:creationId xmlns:a16="http://schemas.microsoft.com/office/drawing/2014/main" id="{3B89FBB7-DF56-48EC-8756-0059E7798100}"/>
+              </a:ext>
+            </a:extLst>
+          </p:cNvPr>
+          <p:cNvPicPr>
+            <a:picLocks noGrp="1" noChangeAspect="1"/>
+          </p:cNvPicPr>
+          <p:nvPr>
+            <p:ph idx="1"/>
+          </p:nvPr>
+        </p:nvPicPr>
+        <p:blipFill>
+          <a:blip r:embed="rId2"/>
+          <a:stretch>
+            <a:fillRect/>
+          </a:stretch>
+        </p:blipFill>
+        <p:spPr>
+          <a:xfrm>
+            <a:off x="1809750" y="2013744"/>
+            <a:ext cx="8486775" cy="3762375"/>
+          </a:xfrm>
+        </p:spPr>
+      </p:pic>
+    </p:spTree>
+    <p:extLst>
+      <p:ext uri="{BB962C8B-B14F-4D97-AF65-F5344CB8AC3E}">
+        <p14:creationId xmlns:p14="http://schemas.microsoft.com/office/powerpoint/2010/main" val="2971230527"/>
+      </p:ext>
+    </p:extLst>
+  </p:cSld>
+  <p:clrMapOvr>
+    <a:masterClrMapping/>
+  </p:clrMapOvr>
+</p:sld>
+</file>
+
+<file path=ppt/slides/slide9.xml><?xml version="1.0" encoding="utf-8"?>
+<p:sld xmlns:a="http://schemas.openxmlformats.org/drawingml/2006/main" xmlns:r="http://schemas.openxmlformats.org/officeDocument/2006/relationships" xmlns:p="http://schemas.openxmlformats.org/presentationml/2006/main">
+  <p:cSld>
+    <p:spTree>
+      <p:nvGrpSpPr>
+        <p:cNvPr id="1" name=""/>
+        <p:cNvGrpSpPr/>
+        <p:nvPr/>
+      </p:nvGrpSpPr>
+      <p:grpSpPr>
+        <a:xfrm>
+          <a:off x="0" y="0"/>
+          <a:ext cx="0" cy="0"/>
+          <a:chOff x="0" y="0"/>
+          <a:chExt cx="0" cy="0"/>
+        </a:xfrm>
+      </p:grpSpPr>
+      <p:sp>
+        <p:nvSpPr>
+          <p:cNvPr id="2" name="Title 1">
+            <a:extLst>
+              <a:ext uri="{FF2B5EF4-FFF2-40B4-BE49-F238E27FC236}">
+                <a16:creationId xmlns:a16="http://schemas.microsoft.com/office/drawing/2014/main" id="{42B0C43A-61FD-4B4D-A282-4ACBFD4C2BD8}"/>
+              </a:ext>
+            </a:extLst>
+          </p:cNvPr>
+          <p:cNvSpPr>
+            <a:spLocks noGrp="1"/>
+          </p:cNvSpPr>
+          <p:nvPr>
+            <p:ph type="title"/>
+          </p:nvPr>
+        </p:nvSpPr>
+        <p:spPr/>
+        <p:txBody>
+          <a:bodyPr/>
+          <a:lstStyle/>
+          <a:p>
+            <a:r>
+              <a:rPr lang="nb-NO" dirty="0">
+                <a:solidFill>
+                  <a:schemeClr val="tx1"/>
+                </a:solidFill>
+              </a:rPr>
+              <a:t>Profiling</a:t>
+            </a:r>
+            <a:endParaRPr lang="en-GB" dirty="0">
+              <a:solidFill>
+                <a:schemeClr val="tx1"/>
+              </a:solidFill>
+            </a:endParaRPr>
+          </a:p>
+        </p:txBody>
+      </p:sp>
+      <p:graphicFrame>
+        <p:nvGraphicFramePr>
+          <p:cNvPr id="4" name="Table 4">
+            <a:extLst>
+              <a:ext uri="{FF2B5EF4-FFF2-40B4-BE49-F238E27FC236}">
+                <a16:creationId xmlns:a16="http://schemas.microsoft.com/office/drawing/2014/main" id="{7A13E1C5-C50F-45AC-B5E0-CDC6D07D4EA0}"/>
+              </a:ext>
+            </a:extLst>
+          </p:cNvPr>
+          <p:cNvGraphicFramePr>
+            <a:graphicFrameLocks noGrp="1"/>
+          </p:cNvGraphicFramePr>
+          <p:nvPr>
+            <p:ph idx="1"/>
+            <p:extLst>
+              <p:ext uri="{D42A27DB-BD31-4B8C-83A1-F6EECF244321}">
+                <p14:modId xmlns:p14="http://schemas.microsoft.com/office/powerpoint/2010/main" val="626097631"/>
+              </p:ext>
+            </p:extLst>
+          </p:nvPr>
+        </p:nvGraphicFramePr>
+        <p:xfrm>
+          <a:off x="676275" y="2011363"/>
+          <a:ext cx="10753724" cy="1854200"/>
+        </p:xfrm>
+        <a:graphic>
+          <a:graphicData uri="http://schemas.openxmlformats.org/drawingml/2006/table">
+            <a:tbl>
+              <a:tblPr firstRow="1" bandRow="1">
+                <a:tableStyleId>{5C22544A-7EE6-4342-B048-85BDC9FD1C3A}</a:tableStyleId>
+              </a:tblPr>
+              <a:tblGrid>
+                <a:gridCol w="5376862">
+                  <a:extLst>
+                    <a:ext uri="{9D8B030D-6E8A-4147-A177-3AD203B41FA5}">
+                      <a16:colId xmlns:a16="http://schemas.microsoft.com/office/drawing/2014/main" val="2213344111"/>
+                    </a:ext>
+                  </a:extLst>
+                </a:gridCol>
+                <a:gridCol w="5376862">
+                  <a:extLst>
+                    <a:ext uri="{9D8B030D-6E8A-4147-A177-3AD203B41FA5}">
+                      <a16:colId xmlns:a16="http://schemas.microsoft.com/office/drawing/2014/main" val="4110615498"/>
+                    </a:ext>
+                  </a:extLst>
+                </a:gridCol>
+              </a:tblGrid>
+              <a:tr h="370840">
+                <a:tc>
+                  <a:txBody>
+                    <a:bodyPr/>
+                    <a:lstStyle/>
+                    <a:p>
+                      <a:pPr algn="ctr"/>
+                      <a:r>
+                        <a:rPr lang="nb-NO" dirty="0" err="1"/>
+                        <a:t>Where</a:t>
+                      </a:r>
+                      <a:r>
+                        <a:rPr lang="nb-NO" dirty="0"/>
+                        <a:t> is </a:t>
+                      </a:r>
+                      <a:r>
+                        <a:rPr lang="nb-NO" dirty="0" err="1"/>
+                        <a:t>the</a:t>
+                      </a:r>
+                      <a:r>
+                        <a:rPr lang="nb-NO" dirty="0"/>
+                        <a:t> </a:t>
+                      </a:r>
+                      <a:r>
+                        <a:rPr lang="nb-NO" dirty="0" err="1"/>
+                        <a:t>code</a:t>
+                      </a:r>
+                      <a:r>
+                        <a:rPr lang="nb-NO" dirty="0"/>
+                        <a:t> </a:t>
+                      </a:r>
+                      <a:r>
+                        <a:rPr lang="nb-NO" dirty="0" err="1"/>
+                        <a:t>running</a:t>
+                      </a:r>
+                      <a:endParaRPr lang="en-GB" dirty="0"/>
+                    </a:p>
+                  </a:txBody>
+                  <a:tcPr/>
+                </a:tc>
+                <a:tc>
+                  <a:txBody>
+                    <a:bodyPr/>
+                    <a:lstStyle/>
+                    <a:p>
+                      <a:pPr algn="ctr"/>
+                      <a:r>
+                        <a:rPr lang="nb-NO" dirty="0"/>
+                        <a:t>Time per </a:t>
+                      </a:r>
+                      <a:r>
+                        <a:rPr lang="nb-NO" dirty="0" err="1"/>
+                        <a:t>step</a:t>
+                      </a:r>
+                      <a:r>
+                        <a:rPr lang="nb-NO" dirty="0"/>
+                        <a:t> [ms/</a:t>
+                      </a:r>
+                      <a:r>
+                        <a:rPr lang="nb-NO" dirty="0" err="1"/>
+                        <a:t>step</a:t>
+                      </a:r>
+                      <a:r>
+                        <a:rPr lang="nb-NO" dirty="0"/>
+                        <a:t>]</a:t>
+                      </a:r>
+                      <a:endParaRPr lang="en-GB" dirty="0"/>
+                    </a:p>
+                  </a:txBody>
+                  <a:tcPr/>
+                </a:tc>
+                <a:extLst>
+                  <a:ext uri="{0D108BD9-81ED-4DB2-BD59-A6C34878D82A}">
+                    <a16:rowId xmlns:a16="http://schemas.microsoft.com/office/drawing/2014/main" val="2986602925"/>
+                  </a:ext>
+                </a:extLst>
+              </a:tr>
+              <a:tr h="370840">
+                <a:tc>
+                  <a:txBody>
+                    <a:bodyPr/>
+                    <a:lstStyle/>
+                    <a:p>
+                      <a:pPr algn="ctr"/>
+                      <a:r>
+                        <a:rPr lang="nb-NO" dirty="0"/>
+                        <a:t>NGI Laptop</a:t>
+                      </a:r>
+                      <a:endParaRPr lang="en-GB" dirty="0"/>
+                    </a:p>
+                  </a:txBody>
+                  <a:tcPr/>
+                </a:tc>
+                <a:tc>
+                  <a:txBody>
+                    <a:bodyPr/>
+                    <a:lstStyle/>
+                    <a:p>
+                      <a:pPr algn="ctr"/>
+                      <a:r>
+                        <a:rPr lang="nb-NO" dirty="0"/>
+                        <a:t>~270</a:t>
+                      </a:r>
+                      <a:endParaRPr lang="en-GB" dirty="0"/>
+                    </a:p>
+                  </a:txBody>
+                  <a:tcPr/>
+                </a:tc>
+                <a:extLst>
+                  <a:ext uri="{0D108BD9-81ED-4DB2-BD59-A6C34878D82A}">
+                    <a16:rowId xmlns:a16="http://schemas.microsoft.com/office/drawing/2014/main" val="4149517985"/>
+                  </a:ext>
+                </a:extLst>
+              </a:tr>
+              <a:tr h="370840">
+                <a:tc>
+                  <a:txBody>
+                    <a:bodyPr/>
+                    <a:lstStyle/>
+                    <a:p>
+                      <a:pPr algn="ctr"/>
+                      <a:r>
+                        <a:rPr lang="nb-NO" dirty="0"/>
+                        <a:t>Odin w/ # </a:t>
+                      </a:r>
+                      <a:r>
+                        <a:rPr lang="nb-NO" dirty="0" err="1"/>
+                        <a:t>users</a:t>
+                      </a:r>
+                      <a:r>
+                        <a:rPr lang="nb-NO" dirty="0"/>
+                        <a:t> = ?</a:t>
+                      </a:r>
+                      <a:endParaRPr lang="en-GB" dirty="0"/>
+                    </a:p>
+                  </a:txBody>
+                  <a:tcPr/>
+                </a:tc>
+                <a:tc>
+                  <a:txBody>
+                    <a:bodyPr/>
+                    <a:lstStyle/>
+                    <a:p>
+                      <a:pPr algn="ctr"/>
+                      <a:r>
+                        <a:rPr lang="nb-NO" dirty="0"/>
+                        <a:t>~587</a:t>
+                      </a:r>
+                      <a:endParaRPr lang="en-GB" dirty="0"/>
+                    </a:p>
+                  </a:txBody>
+                  <a:tcPr/>
+                </a:tc>
+                <a:extLst>
+                  <a:ext uri="{0D108BD9-81ED-4DB2-BD59-A6C34878D82A}">
+                    <a16:rowId xmlns:a16="http://schemas.microsoft.com/office/drawing/2014/main" val="2573009059"/>
+                  </a:ext>
+                </a:extLst>
+              </a:tr>
+              <a:tr h="370840">
+                <a:tc>
+                  <a:txBody>
+                    <a:bodyPr/>
+                    <a:lstStyle/>
+                    <a:p>
+                      <a:pPr algn="ctr"/>
+                      <a:r>
+                        <a:rPr lang="nb-NO" dirty="0"/>
+                        <a:t>Odin w/ # </a:t>
+                      </a:r>
+                      <a:r>
+                        <a:rPr lang="nb-NO" dirty="0" err="1"/>
+                        <a:t>users</a:t>
+                      </a:r>
+                      <a:r>
+                        <a:rPr lang="nb-NO" dirty="0"/>
+                        <a:t> = 2</a:t>
+                      </a:r>
+                      <a:endParaRPr lang="en-GB" dirty="0"/>
+                    </a:p>
+                  </a:txBody>
+                  <a:tcPr/>
+                </a:tc>
+                <a:tc>
+                  <a:txBody>
+                    <a:bodyPr/>
+                    <a:lstStyle/>
+                    <a:p>
+                      <a:pPr algn="ctr"/>
+                      <a:r>
+                        <a:rPr lang="nb-NO" dirty="0"/>
+                        <a:t>~360</a:t>
+                      </a:r>
+                      <a:endParaRPr lang="en-GB" dirty="0"/>
+                    </a:p>
+                  </a:txBody>
+                  <a:tcPr/>
+                </a:tc>
+                <a:extLst>
+                  <a:ext uri="{0D108BD9-81ED-4DB2-BD59-A6C34878D82A}">
+                    <a16:rowId xmlns:a16="http://schemas.microsoft.com/office/drawing/2014/main" val="2531899296"/>
+                  </a:ext>
+                </a:extLst>
+              </a:tr>
+              <a:tr h="370840">
+                <a:tc>
+                  <a:txBody>
+                    <a:bodyPr/>
+                    <a:lstStyle/>
+                    <a:p>
+                      <a:pPr algn="ctr"/>
+                      <a:r>
+                        <a:rPr lang="nb-NO" dirty="0"/>
+                        <a:t>Desktop </a:t>
+                      </a:r>
+                      <a:r>
+                        <a:rPr lang="nb-NO" dirty="0" err="1"/>
+                        <a:t>with</a:t>
+                      </a:r>
+                      <a:r>
+                        <a:rPr lang="nb-NO" dirty="0"/>
+                        <a:t> RTX A2000</a:t>
+                      </a:r>
+                      <a:endParaRPr lang="en-GB" dirty="0"/>
+                    </a:p>
+                  </a:txBody>
+                  <a:tcPr/>
+                </a:tc>
+                <a:tc>
+                  <a:txBody>
+                    <a:bodyPr/>
+                    <a:lstStyle/>
+                    <a:p>
+                      <a:pPr algn="ctr"/>
+                      <a:r>
+                        <a:rPr lang="nb-NO" b="1" dirty="0"/>
+                        <a:t>~35*</a:t>
+                      </a:r>
+                      <a:endParaRPr lang="en-GB" b="1" dirty="0"/>
+                    </a:p>
+                  </a:txBody>
+                  <a:tcPr/>
+                </a:tc>
+                <a:extLst>
+                  <a:ext uri="{0D108BD9-81ED-4DB2-BD59-A6C34878D82A}">
+                    <a16:rowId xmlns:a16="http://schemas.microsoft.com/office/drawing/2014/main" val="2142487408"/>
+                  </a:ext>
+                </a:extLst>
+              </a:tr>
+            </a:tbl>
+          </a:graphicData>
+        </a:graphic>
+      </p:graphicFrame>
+      <p:sp>
+        <p:nvSpPr>
+          <p:cNvPr id="5" name="TextBox 4">
+            <a:extLst>
+              <a:ext uri="{FF2B5EF4-FFF2-40B4-BE49-F238E27FC236}">
+                <a16:creationId xmlns:a16="http://schemas.microsoft.com/office/drawing/2014/main" id="{7424BA5B-BCA1-4D51-BD22-11D9E204D810}"/>
+              </a:ext>
+            </a:extLst>
+          </p:cNvPr>
+          <p:cNvSpPr txBox="1"/>
+          <p:nvPr/>
+        </p:nvSpPr>
+        <p:spPr>
+          <a:xfrm>
+            <a:off x="6556443" y="4270443"/>
+            <a:ext cx="4348263" cy="646331"/>
+          </a:xfrm>
+          <a:prstGeom prst="rect">
+            <a:avLst/>
+          </a:prstGeom>
+          <a:noFill/>
+        </p:spPr>
+        <p:txBody>
+          <a:bodyPr wrap="square" rtlCol="0">
+            <a:spAutoFit/>
+          </a:bodyPr>
+          <a:lstStyle/>
+          <a:p>
+            <a:r>
+              <a:rPr lang="nb-NO" b="1" dirty="0"/>
+              <a:t>*</a:t>
+            </a:r>
+            <a:r>
+              <a:rPr lang="nb-NO" dirty="0"/>
+              <a:t> 	This </a:t>
+            </a:r>
+            <a:r>
+              <a:rPr lang="nb-NO" dirty="0" err="1"/>
+              <a:t>was</a:t>
+            </a:r>
+            <a:r>
+              <a:rPr lang="nb-NO" dirty="0"/>
+              <a:t> </a:t>
+            </a:r>
+            <a:r>
+              <a:rPr lang="nb-NO" dirty="0" err="1"/>
+              <a:t>running</a:t>
+            </a:r>
+            <a:r>
+              <a:rPr lang="nb-NO" dirty="0"/>
+              <a:t> </a:t>
+            </a:r>
+            <a:r>
+              <a:rPr lang="nb-NO" dirty="0" err="1"/>
+              <a:t>the</a:t>
+            </a:r>
+            <a:r>
+              <a:rPr lang="nb-NO" dirty="0"/>
+              <a:t> </a:t>
+            </a:r>
+            <a:r>
+              <a:rPr lang="nb-NO" dirty="0" err="1"/>
+              <a:t>model</a:t>
+            </a:r>
+            <a:r>
+              <a:rPr lang="nb-NO" dirty="0"/>
+              <a:t> </a:t>
+            </a:r>
+            <a:r>
+              <a:rPr lang="nb-NO" dirty="0" err="1"/>
+              <a:t>with</a:t>
+            </a:r>
+            <a:r>
+              <a:rPr lang="nb-NO" dirty="0"/>
+              <a:t> </a:t>
+            </a:r>
+            <a:r>
+              <a:rPr lang="nb-NO" dirty="0" err="1"/>
+              <a:t>much</a:t>
+            </a:r>
+            <a:r>
+              <a:rPr lang="nb-NO" dirty="0"/>
+              <a:t> 	longer traces and </a:t>
+            </a:r>
+            <a:r>
+              <a:rPr lang="nb-NO" dirty="0" err="1"/>
+              <a:t>also</a:t>
+            </a:r>
+            <a:r>
+              <a:rPr lang="nb-NO" dirty="0"/>
+              <a:t> multiple outputs</a:t>
+            </a:r>
+            <a:endParaRPr lang="en-GB" dirty="0"/>
+          </a:p>
+        </p:txBody>
+      </p:sp>
+      <p:pic>
+        <p:nvPicPr>
+          <p:cNvPr id="7" name="Picture 6" descr="A picture containing electronics, computer, computer, desk&#10;&#10;Description automatically generated">
+            <a:extLst>
+              <a:ext uri="{FF2B5EF4-FFF2-40B4-BE49-F238E27FC236}">
+                <a16:creationId xmlns:a16="http://schemas.microsoft.com/office/drawing/2014/main" id="{12951597-A911-4380-BBB4-E5C3E8DAD882}"/>
+              </a:ext>
+            </a:extLst>
+          </p:cNvPr>
+          <p:cNvPicPr>
+            <a:picLocks noChangeAspect="1"/>
+          </p:cNvPicPr>
+          <p:nvPr/>
+        </p:nvPicPr>
+        <p:blipFill>
+          <a:blip r:embed="rId2">
+            <a:extLst>
+              <a:ext uri="{28A0092B-C50C-407E-A947-70E740481C1C}">
+                <a14:useLocalDpi xmlns:a14="http://schemas.microsoft.com/office/drawing/2010/main" val="0"/>
+              </a:ext>
+            </a:extLst>
+          </a:blip>
+          <a:stretch>
+            <a:fillRect/>
+          </a:stretch>
+        </p:blipFill>
+        <p:spPr>
+          <a:xfrm>
+            <a:off x="676275" y="4036979"/>
+            <a:ext cx="2821021" cy="2821021"/>
+          </a:xfrm>
+          <a:prstGeom prst="rect">
+            <a:avLst/>
+          </a:prstGeom>
+        </p:spPr>
+      </p:pic>
+    </p:spTree>
+    <p:extLst>
+      <p:ext uri="{BB962C8B-B14F-4D97-AF65-F5344CB8AC3E}">
+        <p14:creationId xmlns:p14="http://schemas.microsoft.com/office/powerpoint/2010/main" val="1852916941"/>
+      </p:ext>
+    </p:extLst>
+  </p:cSld>
+  <p:clrMapOvr>
+    <a:masterClrMapping/>
+  </p:clrMapOvr>
+</p:sld>
+</file>
+
 <file path=ppt/theme/theme1.xml><?xml version="1.0" encoding="utf-8"?>
-<a:theme xmlns:a="http://schemas.openxmlformats.org/drawingml/2006/main" name="Office Theme">
+<a:theme xmlns:a="http://schemas.openxmlformats.org/drawingml/2006/main" name="Metropolitan">
   <a:themeElements>
-    <a:clrScheme name="Office">
+    <a:clrScheme name="Metropolitan">
       <a:dk1>
         <a:sysClr val="windowText" lastClr="000000"/>
       </a:dk1>
@@ -3678,44 +5366,44 @@
         <a:sysClr val="window" lastClr="FFFFFF"/>
       </a:lt1>
       <a:dk2>
-        <a:srgbClr val="44546A"/>
+        <a:srgbClr val="4E3B30"/>
       </a:dk2>
       <a:lt2>
-        <a:srgbClr val="E7E6E6"/>
+        <a:srgbClr val="FBEEC9"/>
       </a:lt2>
       <a:accent1>
-        <a:srgbClr val="4472C4"/>
+        <a:srgbClr val="F0A22E"/>
       </a:accent1>
       <a:accent2>
-        <a:srgbClr val="ED7D31"/>
+        <a:srgbClr val="A5644E"/>
       </a:accent2>
       <a:accent3>
-        <a:srgbClr val="A5A5A5"/>
+        <a:srgbClr val="B58B80"/>
       </a:accent3>
       <a:accent4>
-        <a:srgbClr val="FFC000"/>
+        <a:srgbClr val="C3986D"/>
       </a:accent4>
       <a:accent5>
-        <a:srgbClr val="5B9BD5"/>
+        <a:srgbClr val="A19574"/>
       </a:accent5>
       <a:accent6>
-        <a:srgbClr val="70AD47"/>
+        <a:srgbClr val="C17529"/>
       </a:accent6>
       <a:hlink>
-        <a:srgbClr val="0563C1"/>
+        <a:srgbClr val="AD1F1F"/>
       </a:hlink>
       <a:folHlink>
-        <a:srgbClr val="954F72"/>
+        <a:srgbClr val="FFC42F"/>
       </a:folHlink>
     </a:clrScheme>
-    <a:fontScheme name="Office">
+    <a:fontScheme name="Metropolitan">
       <a:majorFont>
         <a:latin typeface="Calibri Light" panose="020F0302020204030204"/>
         <a:ea typeface=""/>
         <a:cs typeface=""/>
-        <a:font script="Jpan" typeface="游ゴシック Light"/>
+        <a:font script="Jpan" typeface="ＭＳ Ｐゴシック"/>
         <a:font script="Hang" typeface="맑은 고딕"/>
-        <a:font script="Hans" typeface="等线 Light"/>
+        <a:font script="Hans" typeface="宋体"/>
         <a:font script="Hant" typeface="新細明體"/>
         <a:font script="Arab" typeface="Times New Roman"/>
         <a:font script="Hebr" typeface="Times New Roman"/>
@@ -3743,39 +5431,22 @@
         <a:font script="Viet" typeface="Times New Roman"/>
         <a:font script="Uigh" typeface="Microsoft Uighur"/>
         <a:font script="Geor" typeface="Sylfaen"/>
-        <a:font script="Armn" typeface="Arial"/>
-        <a:font script="Bugi" typeface="Leelawadee UI"/>
-        <a:font script="Bopo" typeface="Microsoft JhengHei"/>
-        <a:font script="Java" typeface="Javanese Text"/>
-        <a:font script="Lisu" typeface="Segoe UI"/>
-        <a:font script="Mymr" typeface="Myanmar Text"/>
-        <a:font script="Nkoo" typeface="Ebrima"/>
-        <a:font script="Olck" typeface="Nirmala UI"/>
-        <a:font script="Osma" typeface="Ebrima"/>
-        <a:font script="Phag" typeface="Phagspa"/>
-        <a:font script="Syrn" typeface="Estrangelo Edessa"/>
-        <a:font script="Syrj" typeface="Estrangelo Edessa"/>
-        <a:font script="Syre" typeface="Estrangelo Edessa"/>
-        <a:font script="Sora" typeface="Nirmala UI"/>
-        <a:font script="Tale" typeface="Microsoft Tai Le"/>
-        <a:font script="Talu" typeface="Microsoft New Tai Lue"/>
-        <a:font script="Tfng" typeface="Ebrima"/>
       </a:majorFont>
       <a:minorFont>
-        <a:latin typeface="Calibri" panose="020F0502020204030204"/>
+        <a:latin typeface="Calibri Light" panose="020F0302020204030204"/>
         <a:ea typeface=""/>
         <a:cs typeface=""/>
-        <a:font script="Jpan" typeface="游ゴシック"/>
+        <a:font script="Jpan" typeface="ＭＳ Ｐゴシック"/>
         <a:font script="Hang" typeface="맑은 고딕"/>
-        <a:font script="Hans" typeface="等线"/>
+        <a:font script="Hans" typeface="宋体"/>
         <a:font script="Hant" typeface="新細明體"/>
-        <a:font script="Arab" typeface="Arial"/>
-        <a:font script="Hebr" typeface="Arial"/>
-        <a:font script="Thai" typeface="Cordia New"/>
+        <a:font script="Arab" typeface="Times New Roman"/>
+        <a:font script="Hebr" typeface="Times New Roman"/>
+        <a:font script="Thai" typeface="Angsana New"/>
         <a:font script="Ethi" typeface="Nyala"/>
         <a:font script="Beng" typeface="Vrinda"/>
         <a:font script="Gujr" typeface="Shruti"/>
-        <a:font script="Khmr" typeface="DaunPenh"/>
+        <a:font script="Khmr" typeface="MoolBoran"/>
         <a:font script="Knda" typeface="Tunga"/>
         <a:font script="Guru" typeface="Raavi"/>
         <a:font script="Cans" typeface="Euphemia"/>
@@ -3792,29 +5463,12 @@
         <a:font script="Laoo" typeface="DokChampa"/>
         <a:font script="Sinh" typeface="Iskoola Pota"/>
         <a:font script="Mong" typeface="Mongolian Baiti"/>
-        <a:font script="Viet" typeface="Arial"/>
+        <a:font script="Viet" typeface="Times New Roman"/>
         <a:font script="Uigh" typeface="Microsoft Uighur"/>
         <a:font script="Geor" typeface="Sylfaen"/>
-        <a:font script="Armn" typeface="Arial"/>
-        <a:font script="Bugi" typeface="Leelawadee UI"/>
-        <a:font script="Bopo" typeface="Microsoft JhengHei"/>
-        <a:font script="Java" typeface="Javanese Text"/>
-        <a:font script="Lisu" typeface="Segoe UI"/>
-        <a:font script="Mymr" typeface="Myanmar Text"/>
-        <a:font script="Nkoo" typeface="Ebrima"/>
-        <a:font script="Olck" typeface="Nirmala UI"/>
-        <a:font script="Osma" typeface="Ebrima"/>
-        <a:font script="Phag" typeface="Phagspa"/>
-        <a:font script="Syrn" typeface="Estrangelo Edessa"/>
-        <a:font script="Syrj" typeface="Estrangelo Edessa"/>
-        <a:font script="Syre" typeface="Estrangelo Edessa"/>
-        <a:font script="Sora" typeface="Nirmala UI"/>
-        <a:font script="Tale" typeface="Microsoft Tai Le"/>
-        <a:font script="Talu" typeface="Microsoft New Tai Lue"/>
-        <a:font script="Tfng" typeface="Ebrima"/>
       </a:minorFont>
     </a:fontScheme>
-    <a:fmtScheme name="Office">
+    <a:fmtScheme name="Metropolitan">
       <a:fillStyleLst>
         <a:solidFill>
           <a:schemeClr val="phClr"/>
@@ -3823,76 +5477,73 @@
           <a:gsLst>
             <a:gs pos="0">
               <a:schemeClr val="phClr">
+                <a:tint val="70000"/>
+                <a:satMod val="100000"/>
                 <a:lumMod val="110000"/>
-                <a:satMod val="105000"/>
-                <a:tint val="67000"/>
               </a:schemeClr>
             </a:gs>
             <a:gs pos="50000">
               <a:schemeClr val="phClr">
+                <a:tint val="75000"/>
+                <a:satMod val="101000"/>
                 <a:lumMod val="105000"/>
-                <a:satMod val="103000"/>
-                <a:tint val="73000"/>
               </a:schemeClr>
             </a:gs>
             <a:gs pos="100000">
               <a:schemeClr val="phClr">
+                <a:tint val="82000"/>
+                <a:satMod val="104000"/>
                 <a:lumMod val="105000"/>
-                <a:satMod val="109000"/>
-                <a:tint val="81000"/>
               </a:schemeClr>
             </a:gs>
           </a:gsLst>
-          <a:lin ang="5400000" scaled="0"/>
+          <a:lin ang="2700000" scaled="0"/>
         </a:gradFill>
         <a:gradFill rotWithShape="1">
           <a:gsLst>
             <a:gs pos="0">
               <a:schemeClr val="phClr">
-                <a:satMod val="103000"/>
+                <a:tint val="97000"/>
+                <a:satMod val="100000"/>
                 <a:lumMod val="102000"/>
-                <a:tint val="94000"/>
               </a:schemeClr>
             </a:gs>
             <a:gs pos="50000">
               <a:schemeClr val="phClr">
-                <a:satMod val="110000"/>
+                <a:shade val="100000"/>
+                <a:satMod val="100000"/>
                 <a:lumMod val="100000"/>
-                <a:shade val="100000"/>
               </a:schemeClr>
             </a:gs>
             <a:gs pos="100000">
               <a:schemeClr val="phClr">
+                <a:shade val="80000"/>
+                <a:satMod val="100000"/>
                 <a:lumMod val="99000"/>
-                <a:satMod val="120000"/>
-                <a:shade val="78000"/>
               </a:schemeClr>
             </a:gs>
           </a:gsLst>
-          <a:lin ang="5400000" scaled="0"/>
+          <a:lin ang="2700000" scaled="0"/>
         </a:gradFill>
       </a:fillStyleLst>
       <a:lnStyleLst>
-        <a:ln w="6350" cap="flat" cmpd="sng" algn="ctr">
+        <a:ln w="9525" cap="flat" cmpd="sng" algn="ctr">
           <a:solidFill>
             <a:schemeClr val="phClr"/>
           </a:solidFill>
           <a:prstDash val="solid"/>
-          <a:miter lim="800000"/>
         </a:ln>
         <a:ln w="12700" cap="flat" cmpd="sng" algn="ctr">
           <a:solidFill>
             <a:schemeClr val="phClr"/>
           </a:solidFill>
           <a:prstDash val="solid"/>
-          <a:miter lim="800000"/>
         </a:ln>
         <a:ln w="19050" cap="flat" cmpd="sng" algn="ctr">
           <a:solidFill>
             <a:schemeClr val="phClr"/>
           </a:solidFill>
           <a:prstDash val="solid"/>
-          <a:miter lim="800000"/>
         </a:ln>
       </a:lnStyleLst>
       <a:effectStyleLst>
@@ -3922,33 +5573,12 @@
             <a:satMod val="170000"/>
           </a:schemeClr>
         </a:solidFill>
-        <a:gradFill rotWithShape="1">
-          <a:gsLst>
-            <a:gs pos="0">
-              <a:schemeClr val="phClr">
-                <a:tint val="93000"/>
-                <a:satMod val="150000"/>
-                <a:shade val="98000"/>
-                <a:lumMod val="102000"/>
-              </a:schemeClr>
-            </a:gs>
-            <a:gs pos="50000">
-              <a:schemeClr val="phClr">
-                <a:tint val="98000"/>
-                <a:satMod val="130000"/>
-                <a:shade val="90000"/>
-                <a:lumMod val="103000"/>
-              </a:schemeClr>
-            </a:gs>
-            <a:gs pos="100000">
-              <a:schemeClr val="phClr">
-                <a:shade val="63000"/>
-                <a:satMod val="120000"/>
-              </a:schemeClr>
-            </a:gs>
-          </a:gsLst>
-          <a:lin ang="5400000" scaled="0"/>
-        </a:gradFill>
+        <a:solidFill>
+          <a:schemeClr val="phClr">
+            <a:shade val="95000"/>
+            <a:satMod val="170000"/>
+          </a:schemeClr>
+        </a:solidFill>
       </a:bgFillStyleLst>
     </a:fmtScheme>
   </a:themeElements>
@@ -3956,7 +5586,7 @@
   <a:extraClrSchemeLst/>
   <a:extLst>
     <a:ext uri="{05A4C25C-085E-4340-85A3-A5531E510DB2}">
-      <thm15:themeFamily xmlns:thm15="http://schemas.microsoft.com/office/thememl/2012/main" name="Office Theme" id="{62F939B6-93AF-4DB8-9C6B-D6C7DFDC589F}" vid="{4A3C46E8-61CC-4603-A589-7422A47A8E4A}"/>
+      <thm15:themeFamily xmlns:thm15="http://schemas.microsoft.com/office/thememl/2012/main" name="Metropolitan" id="{4C5440D6-04D2-4954-96CF-F251137069B2}" vid="{0941A018-FB9B-4401-A32C-7E04526866E0}"/>
     </a:ext>
   </a:extLst>
 </a:theme>

--- a/Meeting Presentations/03.11.2022_General_meeting.pptx
+++ b/Meeting Presentations/03.11.2022_General_meeting.pptx
@@ -8,12 +8,18 @@
     <p:sldId id="256" r:id="rId2"/>
     <p:sldId id="257" r:id="rId3"/>
     <p:sldId id="258" r:id="rId4"/>
-    <p:sldId id="262" r:id="rId5"/>
-    <p:sldId id="264" r:id="rId6"/>
-    <p:sldId id="259" r:id="rId7"/>
-    <p:sldId id="260" r:id="rId8"/>
-    <p:sldId id="261" r:id="rId9"/>
-    <p:sldId id="263" r:id="rId10"/>
+    <p:sldId id="266" r:id="rId5"/>
+    <p:sldId id="262" r:id="rId6"/>
+    <p:sldId id="264" r:id="rId7"/>
+    <p:sldId id="259" r:id="rId8"/>
+    <p:sldId id="260" r:id="rId9"/>
+    <p:sldId id="261" r:id="rId10"/>
+    <p:sldId id="263" r:id="rId11"/>
+    <p:sldId id="265" r:id="rId12"/>
+    <p:sldId id="267" r:id="rId13"/>
+    <p:sldId id="268" r:id="rId14"/>
+    <p:sldId id="269" r:id="rId15"/>
+    <p:sldId id="270" r:id="rId16"/>
   </p:sldIdLst>
   <p:sldSz cx="12192000" cy="6858000"/>
   <p:notesSz cx="6858000" cy="9144000"/>
@@ -112,6 +118,11 @@
       </a:defRPr>
     </a:lvl9pPr>
   </p:defaultTextStyle>
+  <p:extLst>
+    <p:ext uri="{EFAFB233-063F-42B5-8137-9DF3F51BA10A}">
+      <p15:sldGuideLst xmlns:p15="http://schemas.microsoft.com/office/powerpoint/2012/main"/>
+    </p:ext>
+  </p:extLst>
 </p:presentation>
 </file>
 
@@ -315,7 +326,7 @@
           <a:p>
             <a:fld id="{AE2E62AD-754A-40FC-A660-072484288696}" type="datetimeFigureOut">
               <a:rPr lang="en-GB" smtClean="0"/>
-              <a:t>01/11/2022</a:t>
+              <a:t>02/11/2022</a:t>
             </a:fld>
             <a:endParaRPr lang="en-GB"/>
           </a:p>
@@ -505,7 +516,7 @@
           <a:p>
             <a:fld id="{AE2E62AD-754A-40FC-A660-072484288696}" type="datetimeFigureOut">
               <a:rPr lang="en-GB" smtClean="0"/>
-              <a:t>01/11/2022</a:t>
+              <a:t>02/11/2022</a:t>
             </a:fld>
             <a:endParaRPr lang="en-GB"/>
           </a:p>
@@ -685,7 +696,7 @@
           <a:p>
             <a:fld id="{AE2E62AD-754A-40FC-A660-072484288696}" type="datetimeFigureOut">
               <a:rPr lang="en-GB" smtClean="0"/>
-              <a:t>01/11/2022</a:t>
+              <a:t>02/11/2022</a:t>
             </a:fld>
             <a:endParaRPr lang="en-GB"/>
           </a:p>
@@ -855,7 +866,7 @@
           <a:p>
             <a:fld id="{AE2E62AD-754A-40FC-A660-072484288696}" type="datetimeFigureOut">
               <a:rPr lang="en-GB" smtClean="0"/>
-              <a:t>01/11/2022</a:t>
+              <a:t>02/11/2022</a:t>
             </a:fld>
             <a:endParaRPr lang="en-GB"/>
           </a:p>
@@ -1111,7 +1122,7 @@
           <a:p>
             <a:fld id="{AE2E62AD-754A-40FC-A660-072484288696}" type="datetimeFigureOut">
               <a:rPr lang="en-GB" smtClean="0"/>
-              <a:t>01/11/2022</a:t>
+              <a:t>02/11/2022</a:t>
             </a:fld>
             <a:endParaRPr lang="en-GB"/>
           </a:p>
@@ -1399,7 +1410,7 @@
           <a:p>
             <a:fld id="{AE2E62AD-754A-40FC-A660-072484288696}" type="datetimeFigureOut">
               <a:rPr lang="en-GB" smtClean="0"/>
-              <a:t>01/11/2022</a:t>
+              <a:t>02/11/2022</a:t>
             </a:fld>
             <a:endParaRPr lang="en-GB"/>
           </a:p>
@@ -1837,7 +1848,7 @@
           <a:p>
             <a:fld id="{AE2E62AD-754A-40FC-A660-072484288696}" type="datetimeFigureOut">
               <a:rPr lang="en-GB" smtClean="0"/>
-              <a:t>01/11/2022</a:t>
+              <a:t>02/11/2022</a:t>
             </a:fld>
             <a:endParaRPr lang="en-GB"/>
           </a:p>
@@ -1955,7 +1966,7 @@
           <a:p>
             <a:fld id="{AE2E62AD-754A-40FC-A660-072484288696}" type="datetimeFigureOut">
               <a:rPr lang="en-GB" smtClean="0"/>
-              <a:t>01/11/2022</a:t>
+              <a:t>02/11/2022</a:t>
             </a:fld>
             <a:endParaRPr lang="en-GB"/>
           </a:p>
@@ -2050,7 +2061,7 @@
           <a:p>
             <a:fld id="{AE2E62AD-754A-40FC-A660-072484288696}" type="datetimeFigureOut">
               <a:rPr lang="en-GB" smtClean="0"/>
-              <a:t>01/11/2022</a:t>
+              <a:t>02/11/2022</a:t>
             </a:fld>
             <a:endParaRPr lang="en-GB"/>
           </a:p>
@@ -2406,7 +2417,7 @@
           <a:p>
             <a:fld id="{AE2E62AD-754A-40FC-A660-072484288696}" type="datetimeFigureOut">
               <a:rPr lang="en-GB" smtClean="0"/>
-              <a:t>01/11/2022</a:t>
+              <a:t>02/11/2022</a:t>
             </a:fld>
             <a:endParaRPr lang="en-GB"/>
           </a:p>
@@ -2722,7 +2733,7 @@
           <a:p>
             <a:fld id="{AE2E62AD-754A-40FC-A660-072484288696}" type="datetimeFigureOut">
               <a:rPr lang="en-GB" smtClean="0"/>
-              <a:t>01/11/2022</a:t>
+              <a:t>02/11/2022</a:t>
             </a:fld>
             <a:endParaRPr lang="en-GB"/>
           </a:p>
@@ -2955,7 +2966,7 @@
           <a:p>
             <a:fld id="{AE2E62AD-754A-40FC-A660-072484288696}" type="datetimeFigureOut">
               <a:rPr lang="en-GB" smtClean="0"/>
-              <a:t>01/11/2022</a:t>
+              <a:t>02/11/2022</a:t>
             </a:fld>
             <a:endParaRPr lang="en-GB"/>
           </a:p>
@@ -3470,1393 +3481,7 @@
 </p:sld>
 </file>
 
-<file path=ppt/slides/slide2.xml><?xml version="1.0" encoding="utf-8"?>
-<p:sld xmlns:a="http://schemas.openxmlformats.org/drawingml/2006/main" xmlns:r="http://schemas.openxmlformats.org/officeDocument/2006/relationships" xmlns:p="http://schemas.openxmlformats.org/presentationml/2006/main">
-  <p:cSld>
-    <p:spTree>
-      <p:nvGrpSpPr>
-        <p:cNvPr id="1" name=""/>
-        <p:cNvGrpSpPr/>
-        <p:nvPr/>
-      </p:nvGrpSpPr>
-      <p:grpSpPr>
-        <a:xfrm>
-          <a:off x="0" y="0"/>
-          <a:ext cx="0" cy="0"/>
-          <a:chOff x="0" y="0"/>
-          <a:chExt cx="0" cy="0"/>
-        </a:xfrm>
-      </p:grpSpPr>
-      <p:sp>
-        <p:nvSpPr>
-          <p:cNvPr id="2" name="Title 1">
-            <a:extLst>
-              <a:ext uri="{FF2B5EF4-FFF2-40B4-BE49-F238E27FC236}">
-                <a16:creationId xmlns:a16="http://schemas.microsoft.com/office/drawing/2014/main" id="{BC0DA141-5424-46C4-ACB1-4974D042573C}"/>
-              </a:ext>
-            </a:extLst>
-          </p:cNvPr>
-          <p:cNvSpPr>
-            <a:spLocks noGrp="1"/>
-          </p:cNvSpPr>
-          <p:nvPr>
-            <p:ph type="title"/>
-          </p:nvPr>
-        </p:nvSpPr>
-        <p:spPr/>
-        <p:txBody>
-          <a:bodyPr/>
-          <a:lstStyle/>
-          <a:p>
-            <a:r>
-              <a:rPr lang="nb-NO" dirty="0">
-                <a:solidFill>
-                  <a:schemeClr val="tx1"/>
-                </a:solidFill>
-              </a:rPr>
-              <a:t>Contents/</a:t>
-            </a:r>
-            <a:r>
-              <a:rPr lang="nb-NO" dirty="0" err="1">
-                <a:solidFill>
-                  <a:schemeClr val="tx1"/>
-                </a:solidFill>
-              </a:rPr>
-              <a:t>motivations</a:t>
-            </a:r>
-            <a:endParaRPr lang="en-GB" dirty="0">
-              <a:solidFill>
-                <a:schemeClr val="tx1"/>
-              </a:solidFill>
-            </a:endParaRPr>
-          </a:p>
-        </p:txBody>
-      </p:sp>
-      <p:sp>
-        <p:nvSpPr>
-          <p:cNvPr id="3" name="Content Placeholder 2">
-            <a:extLst>
-              <a:ext uri="{FF2B5EF4-FFF2-40B4-BE49-F238E27FC236}">
-                <a16:creationId xmlns:a16="http://schemas.microsoft.com/office/drawing/2014/main" id="{6F2B10CC-4B8C-41C3-A74A-91827D205A50}"/>
-              </a:ext>
-            </a:extLst>
-          </p:cNvPr>
-          <p:cNvSpPr>
-            <a:spLocks noGrp="1"/>
-          </p:cNvSpPr>
-          <p:nvPr>
-            <p:ph idx="1"/>
-          </p:nvPr>
-        </p:nvSpPr>
-        <p:spPr/>
-        <p:txBody>
-          <a:bodyPr/>
-          <a:lstStyle/>
-          <a:p>
-            <a:r>
-              <a:rPr lang="nb-NO" dirty="0"/>
-              <a:t>Second to last </a:t>
-            </a:r>
-            <a:r>
-              <a:rPr lang="nb-NO" dirty="0" err="1"/>
-              <a:t>meeting</a:t>
-            </a:r>
-            <a:r>
-              <a:rPr lang="nb-NO" dirty="0"/>
-              <a:t> </a:t>
-            </a:r>
-            <a:r>
-              <a:rPr lang="nb-NO" dirty="0" err="1"/>
-              <a:t>of</a:t>
-            </a:r>
-            <a:r>
-              <a:rPr lang="nb-NO" dirty="0"/>
-              <a:t> </a:t>
-            </a:r>
-            <a:r>
-              <a:rPr lang="nb-NO" dirty="0" err="1"/>
-              <a:t>the</a:t>
-            </a:r>
-            <a:r>
-              <a:rPr lang="nb-NO" dirty="0"/>
-              <a:t> semester</a:t>
-            </a:r>
-          </a:p>
-          <a:p>
-            <a:r>
-              <a:rPr lang="nb-NO" dirty="0"/>
-              <a:t>Status </a:t>
-            </a:r>
-            <a:r>
-              <a:rPr lang="nb-NO" dirty="0" err="1"/>
-              <a:t>update</a:t>
-            </a:r>
-            <a:endParaRPr lang="nb-NO" dirty="0"/>
-          </a:p>
-          <a:p>
-            <a:endParaRPr lang="en-GB" dirty="0"/>
-          </a:p>
-        </p:txBody>
-      </p:sp>
-    </p:spTree>
-    <p:extLst>
-      <p:ext uri="{BB962C8B-B14F-4D97-AF65-F5344CB8AC3E}">
-        <p14:creationId xmlns:p14="http://schemas.microsoft.com/office/powerpoint/2010/main" val="2505827935"/>
-      </p:ext>
-    </p:extLst>
-  </p:cSld>
-  <p:clrMapOvr>
-    <a:masterClrMapping/>
-  </p:clrMapOvr>
-</p:sld>
-</file>
-
-<file path=ppt/slides/slide3.xml><?xml version="1.0" encoding="utf-8"?>
-<p:sld xmlns:a="http://schemas.openxmlformats.org/drawingml/2006/main" xmlns:r="http://schemas.openxmlformats.org/officeDocument/2006/relationships" xmlns:p="http://schemas.openxmlformats.org/presentationml/2006/main">
-  <p:cSld>
-    <p:spTree>
-      <p:nvGrpSpPr>
-        <p:cNvPr id="1" name=""/>
-        <p:cNvGrpSpPr/>
-        <p:nvPr/>
-      </p:nvGrpSpPr>
-      <p:grpSpPr>
-        <a:xfrm>
-          <a:off x="0" y="0"/>
-          <a:ext cx="0" cy="0"/>
-          <a:chOff x="0" y="0"/>
-          <a:chExt cx="0" cy="0"/>
-        </a:xfrm>
-      </p:grpSpPr>
-      <p:sp>
-        <p:nvSpPr>
-          <p:cNvPr id="2" name="Title 1">
-            <a:extLst>
-              <a:ext uri="{FF2B5EF4-FFF2-40B4-BE49-F238E27FC236}">
-                <a16:creationId xmlns:a16="http://schemas.microsoft.com/office/drawing/2014/main" id="{E7B5AC05-0A0D-4605-B4E2-1C92DEEB4F3C}"/>
-              </a:ext>
-            </a:extLst>
-          </p:cNvPr>
-          <p:cNvSpPr>
-            <a:spLocks noGrp="1"/>
-          </p:cNvSpPr>
-          <p:nvPr>
-            <p:ph type="title"/>
-          </p:nvPr>
-        </p:nvSpPr>
-        <p:spPr/>
-        <p:txBody>
-          <a:bodyPr/>
-          <a:lstStyle/>
-          <a:p>
-            <a:r>
-              <a:rPr lang="nb-NO" dirty="0">
-                <a:solidFill>
-                  <a:schemeClr val="tx1"/>
-                </a:solidFill>
-              </a:rPr>
-              <a:t>Progress</a:t>
-            </a:r>
-            <a:endParaRPr lang="en-GB" dirty="0">
-              <a:solidFill>
-                <a:schemeClr val="tx1"/>
-              </a:solidFill>
-            </a:endParaRPr>
-          </a:p>
-        </p:txBody>
-      </p:sp>
-      <p:sp>
-        <p:nvSpPr>
-          <p:cNvPr id="3" name="Content Placeholder 2">
-            <a:extLst>
-              <a:ext uri="{FF2B5EF4-FFF2-40B4-BE49-F238E27FC236}">
-                <a16:creationId xmlns:a16="http://schemas.microsoft.com/office/drawing/2014/main" id="{F8AF6BE8-0F5C-47CF-8DE1-30743428E43D}"/>
-              </a:ext>
-            </a:extLst>
-          </p:cNvPr>
-          <p:cNvSpPr>
-            <a:spLocks noGrp="1"/>
-          </p:cNvSpPr>
-          <p:nvPr>
-            <p:ph idx="1"/>
-          </p:nvPr>
-        </p:nvSpPr>
-        <p:spPr/>
-        <p:txBody>
-          <a:bodyPr/>
-          <a:lstStyle/>
-          <a:p>
-            <a:r>
-              <a:rPr lang="nb-NO" dirty="0"/>
-              <a:t>~1000 lines </a:t>
-            </a:r>
-            <a:r>
-              <a:rPr lang="nb-NO" dirty="0" err="1"/>
-              <a:t>of</a:t>
-            </a:r>
-            <a:r>
-              <a:rPr lang="nb-NO" dirty="0"/>
-              <a:t> </a:t>
-            </a:r>
-            <a:r>
-              <a:rPr lang="nb-NO" dirty="0" err="1"/>
-              <a:t>code</a:t>
-            </a:r>
-            <a:r>
-              <a:rPr lang="nb-NO" dirty="0"/>
-              <a:t> has </a:t>
-            </a:r>
-            <a:r>
-              <a:rPr lang="nb-NO" dirty="0" err="1"/>
-              <a:t>been</a:t>
-            </a:r>
-            <a:r>
-              <a:rPr lang="nb-NO" dirty="0"/>
-              <a:t> </a:t>
-            </a:r>
-            <a:r>
-              <a:rPr lang="nb-NO" dirty="0" err="1"/>
-              <a:t>written</a:t>
-            </a:r>
-            <a:endParaRPr lang="nb-NO" dirty="0"/>
-          </a:p>
-          <a:p>
-            <a:r>
-              <a:rPr lang="en-GB" dirty="0"/>
-              <a:t>Many model runs have been done to test the model</a:t>
-            </a:r>
-          </a:p>
-        </p:txBody>
-      </p:sp>
-    </p:spTree>
-    <p:extLst>
-      <p:ext uri="{BB962C8B-B14F-4D97-AF65-F5344CB8AC3E}">
-        <p14:creationId xmlns:p14="http://schemas.microsoft.com/office/powerpoint/2010/main" val="4189716457"/>
-      </p:ext>
-    </p:extLst>
-  </p:cSld>
-  <p:clrMapOvr>
-    <a:masterClrMapping/>
-  </p:clrMapOvr>
-</p:sld>
-</file>
-
-<file path=ppt/slides/slide4.xml><?xml version="1.0" encoding="utf-8"?>
-<p:sld xmlns:a="http://schemas.openxmlformats.org/drawingml/2006/main" xmlns:r="http://schemas.openxmlformats.org/officeDocument/2006/relationships" xmlns:p="http://schemas.openxmlformats.org/presentationml/2006/main">
-  <p:cSld>
-    <p:spTree>
-      <p:nvGrpSpPr>
-        <p:cNvPr id="1" name=""/>
-        <p:cNvGrpSpPr/>
-        <p:nvPr/>
-      </p:nvGrpSpPr>
-      <p:grpSpPr>
-        <a:xfrm>
-          <a:off x="0" y="0"/>
-          <a:ext cx="0" cy="0"/>
-          <a:chOff x="0" y="0"/>
-          <a:chExt cx="0" cy="0"/>
-        </a:xfrm>
-      </p:grpSpPr>
-      <p:sp>
-        <p:nvSpPr>
-          <p:cNvPr id="2" name="Title 1">
-            <a:extLst>
-              <a:ext uri="{FF2B5EF4-FFF2-40B4-BE49-F238E27FC236}">
-                <a16:creationId xmlns:a16="http://schemas.microsoft.com/office/drawing/2014/main" id="{14E5B637-EFB1-485A-93FD-B96132C74F77}"/>
-              </a:ext>
-            </a:extLst>
-          </p:cNvPr>
-          <p:cNvSpPr>
-            <a:spLocks noGrp="1"/>
-          </p:cNvSpPr>
-          <p:nvPr>
-            <p:ph type="title"/>
-          </p:nvPr>
-        </p:nvSpPr>
-        <p:spPr/>
-        <p:txBody>
-          <a:bodyPr/>
-          <a:lstStyle/>
-          <a:p>
-            <a:r>
-              <a:rPr lang="nb-NO" dirty="0">
-                <a:solidFill>
-                  <a:schemeClr val="tx1"/>
-                </a:solidFill>
-              </a:rPr>
-              <a:t>Folder </a:t>
-            </a:r>
-            <a:r>
-              <a:rPr lang="nb-NO" dirty="0" err="1">
-                <a:solidFill>
-                  <a:schemeClr val="tx1"/>
-                </a:solidFill>
-              </a:rPr>
-              <a:t>structure</a:t>
-            </a:r>
-            <a:endParaRPr lang="en-GB" dirty="0">
-              <a:solidFill>
-                <a:schemeClr val="tx1"/>
-              </a:solidFill>
-            </a:endParaRPr>
-          </a:p>
-        </p:txBody>
-      </p:sp>
-      <p:sp>
-        <p:nvSpPr>
-          <p:cNvPr id="3" name="Content Placeholder 2">
-            <a:extLst>
-              <a:ext uri="{FF2B5EF4-FFF2-40B4-BE49-F238E27FC236}">
-                <a16:creationId xmlns:a16="http://schemas.microsoft.com/office/drawing/2014/main" id="{970C01B7-A266-4D0B-9A43-EEEEC42279A0}"/>
-              </a:ext>
-            </a:extLst>
-          </p:cNvPr>
-          <p:cNvSpPr>
-            <a:spLocks noGrp="1"/>
-          </p:cNvSpPr>
-          <p:nvPr>
-            <p:ph idx="1"/>
-          </p:nvPr>
-        </p:nvSpPr>
-        <p:spPr/>
-        <p:txBody>
-          <a:bodyPr/>
-          <a:lstStyle/>
-          <a:p>
-            <a:r>
-              <a:rPr lang="nb-NO" dirty="0" err="1"/>
-              <a:t>Tree</a:t>
-            </a:r>
-            <a:r>
-              <a:rPr lang="nb-NO" dirty="0"/>
-              <a:t> letters </a:t>
-            </a:r>
-            <a:r>
-              <a:rPr lang="nb-NO" dirty="0" err="1"/>
-              <a:t>denoting</a:t>
-            </a:r>
-            <a:r>
-              <a:rPr lang="nb-NO" dirty="0"/>
-              <a:t> </a:t>
-            </a:r>
-            <a:r>
-              <a:rPr lang="nb-NO" b="1" dirty="0" err="1"/>
-              <a:t>group</a:t>
-            </a:r>
-            <a:r>
-              <a:rPr lang="nb-NO" b="1" dirty="0"/>
-              <a:t> </a:t>
-            </a:r>
-            <a:r>
-              <a:rPr lang="nb-NO" b="1" dirty="0" err="1"/>
-              <a:t>name</a:t>
-            </a:r>
-            <a:endParaRPr lang="nb-NO" b="1" dirty="0"/>
-          </a:p>
-          <a:p>
-            <a:r>
-              <a:rPr lang="nb-NO" dirty="0"/>
-              <a:t>Total 26^3 = 17 576 combinations</a:t>
-            </a:r>
-          </a:p>
-          <a:p>
-            <a:endParaRPr lang="nb-NO" dirty="0"/>
-          </a:p>
-          <a:p>
-            <a:r>
-              <a:rPr lang="nb-NO" dirty="0"/>
-              <a:t>Models </a:t>
-            </a:r>
-            <a:r>
-              <a:rPr lang="nb-NO" dirty="0" err="1"/>
-              <a:t>are</a:t>
-            </a:r>
-            <a:r>
-              <a:rPr lang="nb-NO" dirty="0"/>
-              <a:t> given a </a:t>
-            </a:r>
-            <a:r>
-              <a:rPr lang="nb-NO" dirty="0" err="1"/>
-              <a:t>number</a:t>
-            </a:r>
-            <a:r>
-              <a:rPr lang="nb-NO" dirty="0"/>
-              <a:t> </a:t>
-            </a:r>
-            <a:r>
-              <a:rPr lang="nb-NO" dirty="0" err="1"/>
-              <a:t>starting</a:t>
-            </a:r>
-            <a:r>
-              <a:rPr lang="nb-NO" dirty="0"/>
-              <a:t> at 0</a:t>
-            </a:r>
-          </a:p>
-          <a:p>
-            <a:endParaRPr lang="nb-NO" dirty="0"/>
-          </a:p>
-          <a:p>
-            <a:r>
-              <a:rPr lang="nb-NO" dirty="0"/>
-              <a:t>A </a:t>
-            </a:r>
-            <a:r>
-              <a:rPr lang="nb-NO" dirty="0" err="1"/>
-              <a:t>model</a:t>
-            </a:r>
-            <a:r>
-              <a:rPr lang="nb-NO" dirty="0"/>
-              <a:t> </a:t>
-            </a:r>
-            <a:r>
-              <a:rPr lang="nb-NO" dirty="0" err="1"/>
-              <a:t>name</a:t>
-            </a:r>
-            <a:r>
-              <a:rPr lang="nb-NO" dirty="0"/>
-              <a:t> </a:t>
-            </a:r>
-            <a:r>
-              <a:rPr lang="nb-NO" dirty="0" err="1"/>
-              <a:t>will</a:t>
-            </a:r>
-            <a:r>
-              <a:rPr lang="nb-NO" dirty="0"/>
-              <a:t> </a:t>
-            </a:r>
-            <a:r>
-              <a:rPr lang="nb-NO" dirty="0" err="1"/>
-              <a:t>then</a:t>
-            </a:r>
-            <a:r>
-              <a:rPr lang="nb-NO" dirty="0"/>
-              <a:t> be </a:t>
-            </a:r>
-            <a:r>
-              <a:rPr lang="nb-NO" dirty="0" err="1"/>
-              <a:t>Groupname</a:t>
-            </a:r>
-            <a:r>
-              <a:rPr lang="nb-NO" dirty="0"/>
-              <a:t> / </a:t>
-            </a:r>
-            <a:r>
-              <a:rPr lang="nb-NO" dirty="0" err="1"/>
-              <a:t>Modelnumber</a:t>
-            </a:r>
-            <a:endParaRPr lang="en-GB" dirty="0"/>
-          </a:p>
-        </p:txBody>
-      </p:sp>
-      <p:pic>
-        <p:nvPicPr>
-          <p:cNvPr id="9" name="Picture 8">
-            <a:extLst>
-              <a:ext uri="{FF2B5EF4-FFF2-40B4-BE49-F238E27FC236}">
-                <a16:creationId xmlns:a16="http://schemas.microsoft.com/office/drawing/2014/main" id="{1446C5D3-5B1A-481D-A554-0D46DC8EF574}"/>
-              </a:ext>
-            </a:extLst>
-          </p:cNvPr>
-          <p:cNvPicPr>
-            <a:picLocks noChangeAspect="1"/>
-          </p:cNvPicPr>
-          <p:nvPr/>
-        </p:nvPicPr>
-        <p:blipFill>
-          <a:blip r:embed="rId2"/>
-          <a:stretch>
-            <a:fillRect/>
-          </a:stretch>
-        </p:blipFill>
-        <p:spPr>
-          <a:xfrm>
-            <a:off x="8236491" y="1852612"/>
-            <a:ext cx="3695700" cy="3152775"/>
-          </a:xfrm>
-          <a:prstGeom prst="rect">
-            <a:avLst/>
-          </a:prstGeom>
-        </p:spPr>
-      </p:pic>
-    </p:spTree>
-    <p:extLst>
-      <p:ext uri="{BB962C8B-B14F-4D97-AF65-F5344CB8AC3E}">
-        <p14:creationId xmlns:p14="http://schemas.microsoft.com/office/powerpoint/2010/main" val="873877308"/>
-      </p:ext>
-    </p:extLst>
-  </p:cSld>
-  <p:clrMapOvr>
-    <a:masterClrMapping/>
-  </p:clrMapOvr>
-</p:sld>
-</file>
-
-<file path=ppt/slides/slide5.xml><?xml version="1.0" encoding="utf-8"?>
-<p:sld xmlns:a="http://schemas.openxmlformats.org/drawingml/2006/main" xmlns:r="http://schemas.openxmlformats.org/officeDocument/2006/relationships" xmlns:p="http://schemas.openxmlformats.org/presentationml/2006/main">
-  <p:cSld>
-    <p:spTree>
-      <p:nvGrpSpPr>
-        <p:cNvPr id="1" name=""/>
-        <p:cNvGrpSpPr/>
-        <p:nvPr/>
-      </p:nvGrpSpPr>
-      <p:grpSpPr>
-        <a:xfrm>
-          <a:off x="0" y="0"/>
-          <a:ext cx="0" cy="0"/>
-          <a:chOff x="0" y="0"/>
-          <a:chExt cx="0" cy="0"/>
-        </a:xfrm>
-      </p:grpSpPr>
-      <p:sp>
-        <p:nvSpPr>
-          <p:cNvPr id="2" name="Title 1">
-            <a:extLst>
-              <a:ext uri="{FF2B5EF4-FFF2-40B4-BE49-F238E27FC236}">
-                <a16:creationId xmlns:a16="http://schemas.microsoft.com/office/drawing/2014/main" id="{D49D0B6E-3D07-4C7C-99BB-FE4BA517C483}"/>
-              </a:ext>
-            </a:extLst>
-          </p:cNvPr>
-          <p:cNvSpPr>
-            <a:spLocks noGrp="1"/>
-          </p:cNvSpPr>
-          <p:nvPr>
-            <p:ph type="title"/>
-          </p:nvPr>
-        </p:nvSpPr>
-        <p:spPr/>
-        <p:txBody>
-          <a:bodyPr/>
-          <a:lstStyle/>
-          <a:p>
-            <a:r>
-              <a:rPr lang="nb-NO" dirty="0">
-                <a:solidFill>
-                  <a:schemeClr val="tx1"/>
-                </a:solidFill>
-              </a:rPr>
-              <a:t>Model </a:t>
-            </a:r>
-            <a:r>
-              <a:rPr lang="nb-NO" dirty="0" err="1">
-                <a:solidFill>
-                  <a:schemeClr val="tx1"/>
-                </a:solidFill>
-              </a:rPr>
-              <a:t>configs</a:t>
-            </a:r>
-            <a:endParaRPr lang="en-GB" dirty="0">
-              <a:solidFill>
-                <a:schemeClr val="tx1"/>
-              </a:solidFill>
-            </a:endParaRPr>
-          </a:p>
-        </p:txBody>
-      </p:sp>
-      <p:sp>
-        <p:nvSpPr>
-          <p:cNvPr id="3" name="Content Placeholder 2">
-            <a:extLst>
-              <a:ext uri="{FF2B5EF4-FFF2-40B4-BE49-F238E27FC236}">
-                <a16:creationId xmlns:a16="http://schemas.microsoft.com/office/drawing/2014/main" id="{3FA04A3F-FAD4-4221-B898-49AA0B68DF18}"/>
-              </a:ext>
-            </a:extLst>
-          </p:cNvPr>
-          <p:cNvSpPr>
-            <a:spLocks noGrp="1"/>
-          </p:cNvSpPr>
-          <p:nvPr>
-            <p:ph idx="1"/>
-          </p:nvPr>
-        </p:nvSpPr>
-        <p:spPr>
-          <a:xfrm>
-            <a:off x="676656" y="2011680"/>
-            <a:ext cx="5743599" cy="3766185"/>
-          </a:xfrm>
-        </p:spPr>
-        <p:txBody>
-          <a:bodyPr>
-            <a:normAutofit lnSpcReduction="10000"/>
-          </a:bodyPr>
-          <a:lstStyle/>
-          <a:p>
-            <a:r>
-              <a:rPr lang="nb-NO" dirty="0" err="1"/>
-              <a:t>These</a:t>
-            </a:r>
-            <a:r>
-              <a:rPr lang="nb-NO" dirty="0"/>
-              <a:t> </a:t>
-            </a:r>
-            <a:r>
-              <a:rPr lang="nb-NO" dirty="0" err="1"/>
-              <a:t>are</a:t>
-            </a:r>
-            <a:r>
-              <a:rPr lang="nb-NO" dirty="0"/>
-              <a:t> </a:t>
-            </a:r>
-            <a:r>
-              <a:rPr lang="nb-NO" dirty="0" err="1"/>
-              <a:t>saved</a:t>
-            </a:r>
-            <a:r>
-              <a:rPr lang="nb-NO" dirty="0"/>
-              <a:t> in </a:t>
-            </a:r>
-            <a:r>
-              <a:rPr lang="nb-NO" dirty="0" err="1"/>
-              <a:t>the</a:t>
-            </a:r>
-            <a:r>
-              <a:rPr lang="nb-NO" dirty="0"/>
-              <a:t> .</a:t>
-            </a:r>
-            <a:r>
-              <a:rPr lang="nb-NO" dirty="0" err="1"/>
-              <a:t>json</a:t>
-            </a:r>
-            <a:r>
-              <a:rPr lang="nb-NO" dirty="0"/>
-              <a:t> file</a:t>
-            </a:r>
-          </a:p>
-          <a:p>
-            <a:endParaRPr lang="nb-NO" dirty="0"/>
-          </a:p>
-          <a:p>
-            <a:r>
-              <a:rPr lang="nb-NO" dirty="0" err="1"/>
-              <a:t>These</a:t>
-            </a:r>
-            <a:r>
-              <a:rPr lang="nb-NO" dirty="0"/>
-              <a:t> parameters </a:t>
-            </a:r>
-            <a:r>
-              <a:rPr lang="nb-NO" dirty="0" err="1"/>
-              <a:t>get</a:t>
-            </a:r>
-            <a:r>
-              <a:rPr lang="nb-NO" dirty="0"/>
-              <a:t> </a:t>
-            </a:r>
-            <a:r>
-              <a:rPr lang="nb-NO" dirty="0" err="1"/>
-              <a:t>tweaked</a:t>
-            </a:r>
-            <a:r>
-              <a:rPr lang="nb-NO" dirty="0"/>
-              <a:t> by </a:t>
-            </a:r>
-            <a:r>
-              <a:rPr lang="nb-NO" dirty="0" err="1"/>
-              <a:t>optuna</a:t>
-            </a:r>
-            <a:r>
-              <a:rPr lang="nb-NO" dirty="0"/>
-              <a:t>, so I save </a:t>
-            </a:r>
-            <a:r>
-              <a:rPr lang="nb-NO" dirty="0" err="1"/>
-              <a:t>them</a:t>
-            </a:r>
-            <a:r>
-              <a:rPr lang="nb-NO" dirty="0"/>
-              <a:t> to be </a:t>
-            </a:r>
-            <a:r>
-              <a:rPr lang="nb-NO" dirty="0" err="1"/>
-              <a:t>able</a:t>
-            </a:r>
-            <a:r>
-              <a:rPr lang="nb-NO" dirty="0"/>
-              <a:t> to </a:t>
-            </a:r>
-            <a:r>
-              <a:rPr lang="nb-NO" dirty="0" err="1"/>
-              <a:t>compare</a:t>
-            </a:r>
-            <a:r>
-              <a:rPr lang="nb-NO" dirty="0"/>
-              <a:t> </a:t>
-            </a:r>
-            <a:r>
-              <a:rPr lang="nb-NO" dirty="0" err="1"/>
-              <a:t>what</a:t>
-            </a:r>
-            <a:r>
-              <a:rPr lang="nb-NO" dirty="0"/>
-              <a:t> </a:t>
-            </a:r>
-            <a:r>
-              <a:rPr lang="nb-NO" dirty="0" err="1"/>
-              <a:t>the</a:t>
-            </a:r>
-            <a:r>
-              <a:rPr lang="nb-NO" dirty="0"/>
-              <a:t> </a:t>
-            </a:r>
-            <a:r>
-              <a:rPr lang="nb-NO" dirty="0" err="1"/>
-              <a:t>good</a:t>
-            </a:r>
-            <a:r>
-              <a:rPr lang="nb-NO" dirty="0"/>
-              <a:t> </a:t>
-            </a:r>
-            <a:r>
-              <a:rPr lang="nb-NO" dirty="0" err="1"/>
-              <a:t>performing</a:t>
-            </a:r>
-            <a:r>
-              <a:rPr lang="nb-NO" dirty="0"/>
-              <a:t> </a:t>
-            </a:r>
-            <a:r>
-              <a:rPr lang="nb-NO" dirty="0" err="1"/>
-              <a:t>models</a:t>
-            </a:r>
-            <a:r>
-              <a:rPr lang="nb-NO" dirty="0"/>
-              <a:t> have in </a:t>
-            </a:r>
-            <a:r>
-              <a:rPr lang="nb-NO" dirty="0" err="1"/>
-              <a:t>common</a:t>
-            </a:r>
-            <a:endParaRPr lang="nb-NO" dirty="0"/>
-          </a:p>
-          <a:p>
-            <a:endParaRPr lang="nb-NO" dirty="0"/>
-          </a:p>
-          <a:p>
-            <a:r>
-              <a:rPr lang="nb-NO" dirty="0"/>
-              <a:t>Planning to </a:t>
-            </a:r>
-            <a:r>
-              <a:rPr lang="nb-NO" dirty="0" err="1"/>
-              <a:t>add</a:t>
-            </a:r>
-            <a:r>
-              <a:rPr lang="nb-NO" dirty="0"/>
-              <a:t> ‘</a:t>
-            </a:r>
-            <a:r>
-              <a:rPr lang="nb-NO" dirty="0" err="1"/>
-              <a:t>feat_aug_dataset</a:t>
-            </a:r>
-            <a:r>
-              <a:rPr lang="nb-NO" dirty="0"/>
-              <a:t>’ to have </a:t>
-            </a:r>
-            <a:r>
-              <a:rPr lang="nb-NO" dirty="0" err="1"/>
-              <a:t>optuna</a:t>
-            </a:r>
-            <a:r>
-              <a:rPr lang="nb-NO" dirty="0"/>
-              <a:t> </a:t>
-            </a:r>
-            <a:r>
-              <a:rPr lang="nb-NO" dirty="0" err="1"/>
-              <a:t>decide</a:t>
-            </a:r>
-            <a:r>
-              <a:rPr lang="nb-NO" dirty="0"/>
-              <a:t> </a:t>
-            </a:r>
-            <a:r>
-              <a:rPr lang="nb-NO" dirty="0" err="1"/>
-              <a:t>what</a:t>
-            </a:r>
-            <a:r>
-              <a:rPr lang="nb-NO" dirty="0"/>
-              <a:t> </a:t>
-            </a:r>
-            <a:r>
-              <a:rPr lang="nb-NO" dirty="0" err="1"/>
-              <a:t>additional</a:t>
-            </a:r>
-            <a:r>
-              <a:rPr lang="nb-NO" dirty="0"/>
-              <a:t> data </a:t>
-            </a:r>
-            <a:r>
-              <a:rPr lang="nb-NO" dirty="0" err="1"/>
-              <a:t>preprocessing</a:t>
-            </a:r>
-            <a:r>
-              <a:rPr lang="nb-NO" dirty="0"/>
-              <a:t> is </a:t>
-            </a:r>
-            <a:r>
-              <a:rPr lang="nb-NO" dirty="0" err="1"/>
-              <a:t>preferable</a:t>
-            </a:r>
-            <a:endParaRPr lang="en-GB" dirty="0"/>
-          </a:p>
-        </p:txBody>
-      </p:sp>
-      <p:pic>
-        <p:nvPicPr>
-          <p:cNvPr id="5" name="Picture 4">
-            <a:extLst>
-              <a:ext uri="{FF2B5EF4-FFF2-40B4-BE49-F238E27FC236}">
-                <a16:creationId xmlns:a16="http://schemas.microsoft.com/office/drawing/2014/main" id="{81C685BA-F863-43CF-9939-1BC0386BC08A}"/>
-              </a:ext>
-            </a:extLst>
-          </p:cNvPr>
-          <p:cNvPicPr>
-            <a:picLocks noChangeAspect="1"/>
-          </p:cNvPicPr>
-          <p:nvPr/>
-        </p:nvPicPr>
-        <p:blipFill>
-          <a:blip r:embed="rId2"/>
-          <a:stretch>
-            <a:fillRect/>
-          </a:stretch>
-        </p:blipFill>
-        <p:spPr>
-          <a:xfrm>
-            <a:off x="7135542" y="1453515"/>
-            <a:ext cx="3990975" cy="4324350"/>
-          </a:xfrm>
-          <a:prstGeom prst="rect">
-            <a:avLst/>
-          </a:prstGeom>
-        </p:spPr>
-      </p:pic>
-    </p:spTree>
-    <p:extLst>
-      <p:ext uri="{BB962C8B-B14F-4D97-AF65-F5344CB8AC3E}">
-        <p14:creationId xmlns:p14="http://schemas.microsoft.com/office/powerpoint/2010/main" val="3208444305"/>
-      </p:ext>
-    </p:extLst>
-  </p:cSld>
-  <p:clrMapOvr>
-    <a:masterClrMapping/>
-  </p:clrMapOvr>
-</p:sld>
-</file>
-
-<file path=ppt/slides/slide6.xml><?xml version="1.0" encoding="utf-8"?>
-<p:sld xmlns:a="http://schemas.openxmlformats.org/drawingml/2006/main" xmlns:r="http://schemas.openxmlformats.org/officeDocument/2006/relationships" xmlns:p="http://schemas.openxmlformats.org/presentationml/2006/main">
-  <p:cSld>
-    <p:spTree>
-      <p:nvGrpSpPr>
-        <p:cNvPr id="1" name=""/>
-        <p:cNvGrpSpPr/>
-        <p:nvPr/>
-      </p:nvGrpSpPr>
-      <p:grpSpPr>
-        <a:xfrm>
-          <a:off x="0" y="0"/>
-          <a:ext cx="0" cy="0"/>
-          <a:chOff x="0" y="0"/>
-          <a:chExt cx="0" cy="0"/>
-        </a:xfrm>
-      </p:grpSpPr>
-      <p:sp>
-        <p:nvSpPr>
-          <p:cNvPr id="2" name="Title 1">
-            <a:extLst>
-              <a:ext uri="{FF2B5EF4-FFF2-40B4-BE49-F238E27FC236}">
-                <a16:creationId xmlns:a16="http://schemas.microsoft.com/office/drawing/2014/main" id="{627BF425-BA66-4C92-93AF-D351F8D6410E}"/>
-              </a:ext>
-            </a:extLst>
-          </p:cNvPr>
-          <p:cNvSpPr>
-            <a:spLocks noGrp="1"/>
-          </p:cNvSpPr>
-          <p:nvPr>
-            <p:ph type="title"/>
-          </p:nvPr>
-        </p:nvSpPr>
-        <p:spPr/>
-        <p:txBody>
-          <a:bodyPr/>
-          <a:lstStyle/>
-          <a:p>
-            <a:r>
-              <a:rPr lang="nb-NO" dirty="0" err="1">
-                <a:solidFill>
-                  <a:schemeClr val="tx1"/>
-                </a:solidFill>
-              </a:rPr>
-              <a:t>Reconstruction</a:t>
-            </a:r>
-            <a:endParaRPr lang="en-GB" dirty="0">
-              <a:solidFill>
-                <a:schemeClr val="tx1"/>
-              </a:solidFill>
-            </a:endParaRPr>
-          </a:p>
-        </p:txBody>
-      </p:sp>
-      <p:pic>
-        <p:nvPicPr>
-          <p:cNvPr id="5" name="Content Placeholder 4" descr="A picture containing blue&#10;&#10;Description automatically generated">
-            <a:extLst>
-              <a:ext uri="{FF2B5EF4-FFF2-40B4-BE49-F238E27FC236}">
-                <a16:creationId xmlns:a16="http://schemas.microsoft.com/office/drawing/2014/main" id="{154A3C1F-4C64-47CA-80FF-4E89DDA7845F}"/>
-              </a:ext>
-            </a:extLst>
-          </p:cNvPr>
-          <p:cNvPicPr>
-            <a:picLocks noGrp="1" noChangeAspect="1"/>
-          </p:cNvPicPr>
-          <p:nvPr>
-            <p:ph idx="1"/>
-          </p:nvPr>
-        </p:nvPicPr>
-        <p:blipFill>
-          <a:blip r:embed="rId2">
-            <a:extLst>
-              <a:ext uri="{28A0092B-C50C-407E-A947-70E740481C1C}">
-                <a14:useLocalDpi xmlns:a14="http://schemas.microsoft.com/office/drawing/2010/main" val="0"/>
-              </a:ext>
-            </a:extLst>
-          </a:blip>
-          <a:stretch>
-            <a:fillRect/>
-          </a:stretch>
-        </p:blipFill>
-        <p:spPr>
-          <a:xfrm>
-            <a:off x="1211296" y="2314964"/>
-            <a:ext cx="4438650" cy="3333750"/>
-          </a:xfrm>
-        </p:spPr>
-      </p:pic>
-      <p:pic>
-        <p:nvPicPr>
-          <p:cNvPr id="7" name="Picture 6" descr="A picture containing blue, painted, fabric&#10;&#10;Description automatically generated">
-            <a:extLst>
-              <a:ext uri="{FF2B5EF4-FFF2-40B4-BE49-F238E27FC236}">
-                <a16:creationId xmlns:a16="http://schemas.microsoft.com/office/drawing/2014/main" id="{73A19980-46F4-458B-BF53-91409671D19F}"/>
-              </a:ext>
-            </a:extLst>
-          </p:cNvPr>
-          <p:cNvPicPr>
-            <a:picLocks noChangeAspect="1"/>
-          </p:cNvPicPr>
-          <p:nvPr/>
-        </p:nvPicPr>
-        <p:blipFill>
-          <a:blip r:embed="rId3">
-            <a:extLst>
-              <a:ext uri="{28A0092B-C50C-407E-A947-70E740481C1C}">
-                <a14:useLocalDpi xmlns:a14="http://schemas.microsoft.com/office/drawing/2010/main" val="0"/>
-              </a:ext>
-            </a:extLst>
-          </a:blip>
-          <a:stretch>
-            <a:fillRect/>
-          </a:stretch>
-        </p:blipFill>
-        <p:spPr>
-          <a:xfrm>
-            <a:off x="6405867" y="2314964"/>
-            <a:ext cx="4438650" cy="3333750"/>
-          </a:xfrm>
-          <a:prstGeom prst="rect">
-            <a:avLst/>
-          </a:prstGeom>
-        </p:spPr>
-      </p:pic>
-    </p:spTree>
-    <p:extLst>
-      <p:ext uri="{BB962C8B-B14F-4D97-AF65-F5344CB8AC3E}">
-        <p14:creationId xmlns:p14="http://schemas.microsoft.com/office/powerpoint/2010/main" val="218628252"/>
-      </p:ext>
-    </p:extLst>
-  </p:cSld>
-  <p:clrMapOvr>
-    <a:masterClrMapping/>
-  </p:clrMapOvr>
-</p:sld>
-</file>
-
-<file path=ppt/slides/slide7.xml><?xml version="1.0" encoding="utf-8"?>
-<p:sld xmlns:a="http://schemas.openxmlformats.org/drawingml/2006/main" xmlns:r="http://schemas.openxmlformats.org/officeDocument/2006/relationships" xmlns:p="http://schemas.openxmlformats.org/presentationml/2006/main">
-  <p:cSld>
-    <p:spTree>
-      <p:nvGrpSpPr>
-        <p:cNvPr id="1" name=""/>
-        <p:cNvGrpSpPr/>
-        <p:nvPr/>
-      </p:nvGrpSpPr>
-      <p:grpSpPr>
-        <a:xfrm>
-          <a:off x="0" y="0"/>
-          <a:ext cx="0" cy="0"/>
-          <a:chOff x="0" y="0"/>
-          <a:chExt cx="0" cy="0"/>
-        </a:xfrm>
-      </p:grpSpPr>
-      <p:sp>
-        <p:nvSpPr>
-          <p:cNvPr id="2" name="Title 1">
-            <a:extLst>
-              <a:ext uri="{FF2B5EF4-FFF2-40B4-BE49-F238E27FC236}">
-                <a16:creationId xmlns:a16="http://schemas.microsoft.com/office/drawing/2014/main" id="{03B84BDC-68B3-487A-916F-19C1B1BCE58F}"/>
-              </a:ext>
-            </a:extLst>
-          </p:cNvPr>
-          <p:cNvSpPr>
-            <a:spLocks noGrp="1"/>
-          </p:cNvSpPr>
-          <p:nvPr>
-            <p:ph type="title"/>
-          </p:nvPr>
-        </p:nvSpPr>
-        <p:spPr/>
-        <p:txBody>
-          <a:bodyPr>
-            <a:normAutofit/>
-          </a:bodyPr>
-          <a:lstStyle/>
-          <a:p>
-            <a:r>
-              <a:rPr lang="nb-NO" sz="4800" dirty="0">
-                <a:solidFill>
-                  <a:schemeClr val="tx1"/>
-                </a:solidFill>
-              </a:rPr>
-              <a:t>Not just a </a:t>
-            </a:r>
-            <a:r>
-              <a:rPr lang="nb-NO" sz="4800" dirty="0" err="1">
-                <a:solidFill>
-                  <a:schemeClr val="tx1"/>
-                </a:solidFill>
-              </a:rPr>
-              <a:t>kernel</a:t>
-            </a:r>
-            <a:r>
-              <a:rPr lang="nb-NO" sz="4800" dirty="0">
-                <a:solidFill>
-                  <a:schemeClr val="tx1"/>
-                </a:solidFill>
-              </a:rPr>
-              <a:t> </a:t>
-            </a:r>
-            <a:r>
-              <a:rPr lang="nb-NO" sz="4800" dirty="0" err="1">
-                <a:solidFill>
-                  <a:schemeClr val="tx1"/>
-                </a:solidFill>
-              </a:rPr>
-              <a:t>size</a:t>
-            </a:r>
-            <a:r>
-              <a:rPr lang="nb-NO" sz="4800" dirty="0">
-                <a:solidFill>
-                  <a:schemeClr val="tx1"/>
-                </a:solidFill>
-              </a:rPr>
-              <a:t> </a:t>
-            </a:r>
-            <a:r>
-              <a:rPr lang="nb-NO" sz="4800" dirty="0" err="1">
-                <a:solidFill>
-                  <a:schemeClr val="tx1"/>
-                </a:solidFill>
-              </a:rPr>
-              <a:t>issue</a:t>
-            </a:r>
-            <a:r>
-              <a:rPr lang="nb-NO" sz="4800" dirty="0">
-                <a:solidFill>
-                  <a:schemeClr val="tx1"/>
-                </a:solidFill>
-              </a:rPr>
-              <a:t> (</a:t>
-            </a:r>
-            <a:r>
-              <a:rPr lang="nb-NO" sz="4800" dirty="0" err="1">
-                <a:solidFill>
-                  <a:schemeClr val="tx1"/>
-                </a:solidFill>
-              </a:rPr>
-              <a:t>these</a:t>
-            </a:r>
-            <a:r>
-              <a:rPr lang="nb-NO" sz="4800" dirty="0">
-                <a:solidFill>
-                  <a:schemeClr val="tx1"/>
-                </a:solidFill>
-              </a:rPr>
-              <a:t> </a:t>
-            </a:r>
-            <a:r>
-              <a:rPr lang="nb-NO" sz="4800" dirty="0" err="1">
-                <a:solidFill>
-                  <a:schemeClr val="tx1"/>
-                </a:solidFill>
-              </a:rPr>
-              <a:t>had</a:t>
-            </a:r>
-            <a:r>
-              <a:rPr lang="nb-NO" sz="4800" dirty="0">
-                <a:solidFill>
-                  <a:schemeClr val="tx1"/>
-                </a:solidFill>
-              </a:rPr>
-              <a:t> </a:t>
-            </a:r>
-            <a:r>
-              <a:rPr lang="nb-NO" sz="4800" dirty="0" err="1">
-                <a:solidFill>
-                  <a:schemeClr val="tx1"/>
-                </a:solidFill>
-              </a:rPr>
-              <a:t>ks</a:t>
-            </a:r>
-            <a:r>
-              <a:rPr lang="nb-NO" sz="4800" dirty="0">
-                <a:solidFill>
-                  <a:schemeClr val="tx1"/>
-                </a:solidFill>
-              </a:rPr>
-              <a:t>=8)</a:t>
-            </a:r>
-            <a:endParaRPr lang="en-GB" sz="4800" dirty="0">
-              <a:solidFill>
-                <a:schemeClr val="tx1"/>
-              </a:solidFill>
-            </a:endParaRPr>
-          </a:p>
-        </p:txBody>
-      </p:sp>
-      <p:pic>
-        <p:nvPicPr>
-          <p:cNvPr id="5" name="Content Placeholder 4" descr="A picture containing text, screenshot&#10;&#10;Description automatically generated">
-            <a:extLst>
-              <a:ext uri="{FF2B5EF4-FFF2-40B4-BE49-F238E27FC236}">
-                <a16:creationId xmlns:a16="http://schemas.microsoft.com/office/drawing/2014/main" id="{F589CBC7-A990-43CA-8981-59B32C742CFF}"/>
-              </a:ext>
-            </a:extLst>
-          </p:cNvPr>
-          <p:cNvPicPr>
-            <a:picLocks noGrp="1" noChangeAspect="1"/>
-          </p:cNvPicPr>
-          <p:nvPr>
-            <p:ph idx="1"/>
-          </p:nvPr>
-        </p:nvPicPr>
-        <p:blipFill>
-          <a:blip r:embed="rId2">
-            <a:extLst>
-              <a:ext uri="{28A0092B-C50C-407E-A947-70E740481C1C}">
-                <a14:useLocalDpi xmlns:a14="http://schemas.microsoft.com/office/drawing/2010/main" val="0"/>
-              </a:ext>
-            </a:extLst>
-          </a:blip>
-          <a:stretch>
-            <a:fillRect/>
-          </a:stretch>
-        </p:blipFill>
-        <p:spPr>
-          <a:xfrm>
-            <a:off x="1182113" y="1888585"/>
-            <a:ext cx="4438650" cy="3333750"/>
-          </a:xfrm>
-        </p:spPr>
-      </p:pic>
-      <p:pic>
-        <p:nvPicPr>
-          <p:cNvPr id="7" name="Picture 6" descr="A picture containing text, screenshot&#10;&#10;Description automatically generated">
-            <a:extLst>
-              <a:ext uri="{FF2B5EF4-FFF2-40B4-BE49-F238E27FC236}">
-                <a16:creationId xmlns:a16="http://schemas.microsoft.com/office/drawing/2014/main" id="{457D4CC2-021B-4A7F-B3FE-B1389F3A333B}"/>
-              </a:ext>
-            </a:extLst>
-          </p:cNvPr>
-          <p:cNvPicPr>
-            <a:picLocks noChangeAspect="1"/>
-          </p:cNvPicPr>
-          <p:nvPr/>
-        </p:nvPicPr>
-        <p:blipFill>
-          <a:blip r:embed="rId3">
-            <a:extLst>
-              <a:ext uri="{28A0092B-C50C-407E-A947-70E740481C1C}">
-                <a14:useLocalDpi xmlns:a14="http://schemas.microsoft.com/office/drawing/2010/main" val="0"/>
-              </a:ext>
-            </a:extLst>
-          </a:blip>
-          <a:stretch>
-            <a:fillRect/>
-          </a:stretch>
-        </p:blipFill>
-        <p:spPr>
-          <a:xfrm>
-            <a:off x="6483687" y="1888585"/>
-            <a:ext cx="4438650" cy="3333750"/>
-          </a:xfrm>
-          <a:prstGeom prst="rect">
-            <a:avLst/>
-          </a:prstGeom>
-        </p:spPr>
-      </p:pic>
-    </p:spTree>
-    <p:extLst>
-      <p:ext uri="{BB962C8B-B14F-4D97-AF65-F5344CB8AC3E}">
-        <p14:creationId xmlns:p14="http://schemas.microsoft.com/office/powerpoint/2010/main" val="2778917961"/>
-      </p:ext>
-    </p:extLst>
-  </p:cSld>
-  <p:clrMapOvr>
-    <a:masterClrMapping/>
-  </p:clrMapOvr>
-</p:sld>
-</file>
-
-<file path=ppt/slides/slide8.xml><?xml version="1.0" encoding="utf-8"?>
-<p:sld xmlns:a="http://schemas.openxmlformats.org/drawingml/2006/main" xmlns:r="http://schemas.openxmlformats.org/officeDocument/2006/relationships" xmlns:p="http://schemas.openxmlformats.org/presentationml/2006/main">
-  <p:cSld>
-    <p:spTree>
-      <p:nvGrpSpPr>
-        <p:cNvPr id="1" name=""/>
-        <p:cNvGrpSpPr/>
-        <p:nvPr/>
-      </p:nvGrpSpPr>
-      <p:grpSpPr>
-        <a:xfrm>
-          <a:off x="0" y="0"/>
-          <a:ext cx="0" cy="0"/>
-          <a:chOff x="0" y="0"/>
-          <a:chExt cx="0" cy="0"/>
-        </a:xfrm>
-      </p:grpSpPr>
-      <p:sp>
-        <p:nvSpPr>
-          <p:cNvPr id="2" name="Title 1">
-            <a:extLst>
-              <a:ext uri="{FF2B5EF4-FFF2-40B4-BE49-F238E27FC236}">
-                <a16:creationId xmlns:a16="http://schemas.microsoft.com/office/drawing/2014/main" id="{E36C5BE7-EB5D-407C-805E-ADE99408FFFB}"/>
-              </a:ext>
-            </a:extLst>
-          </p:cNvPr>
-          <p:cNvSpPr>
-            <a:spLocks noGrp="1"/>
-          </p:cNvSpPr>
-          <p:nvPr>
-            <p:ph type="title"/>
-          </p:nvPr>
-        </p:nvSpPr>
-        <p:spPr/>
-        <p:txBody>
-          <a:bodyPr>
-            <a:normAutofit/>
-          </a:bodyPr>
-          <a:lstStyle/>
-          <a:p>
-            <a:r>
-              <a:rPr lang="nb-NO" sz="4000" dirty="0" err="1">
-                <a:solidFill>
-                  <a:schemeClr val="tx1"/>
-                </a:solidFill>
-              </a:rPr>
-              <a:t>Errors</a:t>
-            </a:r>
-            <a:r>
-              <a:rPr lang="nb-NO" sz="4000" dirty="0">
-                <a:solidFill>
-                  <a:schemeClr val="tx1"/>
-                </a:solidFill>
-              </a:rPr>
-              <a:t> </a:t>
-            </a:r>
-            <a:r>
-              <a:rPr lang="nb-NO" sz="4000" dirty="0" err="1">
-                <a:solidFill>
-                  <a:schemeClr val="tx1"/>
-                </a:solidFill>
-              </a:rPr>
-              <a:t>might</a:t>
-            </a:r>
-            <a:r>
-              <a:rPr lang="nb-NO" sz="4000" dirty="0">
-                <a:solidFill>
-                  <a:schemeClr val="tx1"/>
-                </a:solidFill>
-              </a:rPr>
-              <a:t> just be bad regions </a:t>
-            </a:r>
-            <a:r>
-              <a:rPr lang="nb-NO" sz="4000" dirty="0" err="1">
-                <a:solidFill>
-                  <a:schemeClr val="tx1"/>
-                </a:solidFill>
-              </a:rPr>
-              <a:t>of</a:t>
-            </a:r>
-            <a:r>
-              <a:rPr lang="nb-NO" sz="4000" dirty="0">
-                <a:solidFill>
-                  <a:schemeClr val="tx1"/>
-                </a:solidFill>
-              </a:rPr>
-              <a:t> loss landscape</a:t>
-            </a:r>
-            <a:endParaRPr lang="en-GB" sz="4000" dirty="0">
-              <a:solidFill>
-                <a:schemeClr val="tx1"/>
-              </a:solidFill>
-            </a:endParaRPr>
-          </a:p>
-        </p:txBody>
-      </p:sp>
-      <p:pic>
-        <p:nvPicPr>
-          <p:cNvPr id="5" name="Content Placeholder 4">
-            <a:extLst>
-              <a:ext uri="{FF2B5EF4-FFF2-40B4-BE49-F238E27FC236}">
-                <a16:creationId xmlns:a16="http://schemas.microsoft.com/office/drawing/2014/main" id="{3B89FBB7-DF56-48EC-8756-0059E7798100}"/>
-              </a:ext>
-            </a:extLst>
-          </p:cNvPr>
-          <p:cNvPicPr>
-            <a:picLocks noGrp="1" noChangeAspect="1"/>
-          </p:cNvPicPr>
-          <p:nvPr>
-            <p:ph idx="1"/>
-          </p:nvPr>
-        </p:nvPicPr>
-        <p:blipFill>
-          <a:blip r:embed="rId2"/>
-          <a:stretch>
-            <a:fillRect/>
-          </a:stretch>
-        </p:blipFill>
-        <p:spPr>
-          <a:xfrm>
-            <a:off x="1809750" y="2013744"/>
-            <a:ext cx="8486775" cy="3762375"/>
-          </a:xfrm>
-        </p:spPr>
-      </p:pic>
-    </p:spTree>
-    <p:extLst>
-      <p:ext uri="{BB962C8B-B14F-4D97-AF65-F5344CB8AC3E}">
-        <p14:creationId xmlns:p14="http://schemas.microsoft.com/office/powerpoint/2010/main" val="2971230527"/>
-      </p:ext>
-    </p:extLst>
-  </p:cSld>
-  <p:clrMapOvr>
-    <a:masterClrMapping/>
-  </p:clrMapOvr>
-</p:sld>
-</file>
-
-<file path=ppt/slides/slide9.xml><?xml version="1.0" encoding="utf-8"?>
+<file path=ppt/slides/slide10.xml><?xml version="1.0" encoding="utf-8"?>
 <p:sld xmlns:a="http://schemas.openxmlformats.org/drawingml/2006/main" xmlns:r="http://schemas.openxmlformats.org/officeDocument/2006/relationships" xmlns:p="http://schemas.openxmlformats.org/presentationml/2006/main">
   <p:cSld>
     <p:spTree>
@@ -5342,10 +3967,3229 @@
           </a:prstGeom>
         </p:spPr>
       </p:pic>
+      <p:sp>
+        <p:nvSpPr>
+          <p:cNvPr id="3" name="TextBox 2">
+            <a:extLst>
+              <a:ext uri="{FF2B5EF4-FFF2-40B4-BE49-F238E27FC236}">
+                <a16:creationId xmlns:a16="http://schemas.microsoft.com/office/drawing/2014/main" id="{6A0FA71E-F397-41CE-A834-63409068DB01}"/>
+              </a:ext>
+            </a:extLst>
+          </p:cNvPr>
+          <p:cNvSpPr txBox="1"/>
+          <p:nvPr/>
+        </p:nvSpPr>
+        <p:spPr>
+          <a:xfrm>
+            <a:off x="4737370" y="5525311"/>
+            <a:ext cx="5680953" cy="646331"/>
+          </a:xfrm>
+          <a:prstGeom prst="rect">
+            <a:avLst/>
+          </a:prstGeom>
+          <a:noFill/>
+        </p:spPr>
+        <p:txBody>
+          <a:bodyPr wrap="square" rtlCol="0">
+            <a:spAutoFit/>
+          </a:bodyPr>
+          <a:lstStyle/>
+          <a:p>
+            <a:r>
+              <a:rPr lang="nb-NO" dirty="0"/>
+              <a:t>This </a:t>
+            </a:r>
+            <a:r>
+              <a:rPr lang="nb-NO" dirty="0" err="1"/>
+              <a:t>means</a:t>
+            </a:r>
+            <a:r>
+              <a:rPr lang="nb-NO" dirty="0"/>
+              <a:t> </a:t>
+            </a:r>
+            <a:r>
+              <a:rPr lang="nb-NO" dirty="0" err="1"/>
+              <a:t>that</a:t>
+            </a:r>
+            <a:r>
+              <a:rPr lang="nb-NO" dirty="0"/>
+              <a:t> I </a:t>
+            </a:r>
+            <a:r>
+              <a:rPr lang="nb-NO" dirty="0" err="1"/>
+              <a:t>will</a:t>
+            </a:r>
+            <a:r>
+              <a:rPr lang="nb-NO" dirty="0"/>
+              <a:t> be </a:t>
+            </a:r>
+            <a:r>
+              <a:rPr lang="nb-NO" dirty="0" err="1"/>
+              <a:t>able</a:t>
+            </a:r>
+            <a:r>
+              <a:rPr lang="nb-NO" dirty="0"/>
+              <a:t> to </a:t>
+            </a:r>
+            <a:r>
+              <a:rPr lang="nb-NO" dirty="0" err="1"/>
+              <a:t>train</a:t>
+            </a:r>
+            <a:r>
+              <a:rPr lang="nb-NO" dirty="0"/>
+              <a:t> </a:t>
+            </a:r>
+            <a:r>
+              <a:rPr lang="nb-NO" b="1" dirty="0"/>
+              <a:t>10x</a:t>
+            </a:r>
+            <a:r>
+              <a:rPr lang="nb-NO" dirty="0"/>
+              <a:t> as </a:t>
+            </a:r>
+            <a:r>
+              <a:rPr lang="nb-NO" dirty="0" err="1"/>
+              <a:t>many</a:t>
+            </a:r>
+            <a:r>
+              <a:rPr lang="nb-NO" dirty="0"/>
+              <a:t> </a:t>
+            </a:r>
+            <a:r>
+              <a:rPr lang="nb-NO" dirty="0" err="1"/>
+              <a:t>models</a:t>
+            </a:r>
+            <a:r>
+              <a:rPr lang="nb-NO" dirty="0"/>
+              <a:t>, and </a:t>
+            </a:r>
+            <a:r>
+              <a:rPr lang="nb-NO" dirty="0" err="1"/>
+              <a:t>explore</a:t>
+            </a:r>
+            <a:r>
+              <a:rPr lang="nb-NO" dirty="0"/>
+              <a:t> a </a:t>
+            </a:r>
+            <a:r>
+              <a:rPr lang="nb-NO" dirty="0" err="1"/>
+              <a:t>larger</a:t>
+            </a:r>
+            <a:r>
+              <a:rPr lang="nb-NO" dirty="0"/>
+              <a:t> area </a:t>
+            </a:r>
+            <a:r>
+              <a:rPr lang="nb-NO" dirty="0" err="1"/>
+              <a:t>of</a:t>
+            </a:r>
+            <a:r>
+              <a:rPr lang="nb-NO" dirty="0"/>
+              <a:t> </a:t>
+            </a:r>
+            <a:r>
+              <a:rPr lang="nb-NO" dirty="0" err="1"/>
+              <a:t>the</a:t>
+            </a:r>
+            <a:r>
+              <a:rPr lang="nb-NO" dirty="0"/>
+              <a:t> </a:t>
+            </a:r>
+            <a:r>
+              <a:rPr lang="nb-NO" dirty="0" err="1"/>
+              <a:t>weight</a:t>
+            </a:r>
+            <a:r>
+              <a:rPr lang="nb-NO" dirty="0"/>
+              <a:t> </a:t>
+            </a:r>
+            <a:r>
+              <a:rPr lang="nb-NO" dirty="0" err="1"/>
+              <a:t>space</a:t>
+            </a:r>
+            <a:endParaRPr lang="en-GB" dirty="0"/>
+          </a:p>
+        </p:txBody>
+      </p:sp>
     </p:spTree>
     <p:extLst>
       <p:ext uri="{BB962C8B-B14F-4D97-AF65-F5344CB8AC3E}">
         <p14:creationId xmlns:p14="http://schemas.microsoft.com/office/powerpoint/2010/main" val="1852916941"/>
+      </p:ext>
+    </p:extLst>
+  </p:cSld>
+  <p:clrMapOvr>
+    <a:masterClrMapping/>
+  </p:clrMapOvr>
+</p:sld>
+</file>
+
+<file path=ppt/slides/slide11.xml><?xml version="1.0" encoding="utf-8"?>
+<p:sld xmlns:a="http://schemas.openxmlformats.org/drawingml/2006/main" xmlns:r="http://schemas.openxmlformats.org/officeDocument/2006/relationships" xmlns:p="http://schemas.openxmlformats.org/presentationml/2006/main">
+  <p:cSld>
+    <p:spTree>
+      <p:nvGrpSpPr>
+        <p:cNvPr id="1" name=""/>
+        <p:cNvGrpSpPr/>
+        <p:nvPr/>
+      </p:nvGrpSpPr>
+      <p:grpSpPr>
+        <a:xfrm>
+          <a:off x="0" y="0"/>
+          <a:ext cx="0" cy="0"/>
+          <a:chOff x="0" y="0"/>
+          <a:chExt cx="0" cy="0"/>
+        </a:xfrm>
+      </p:grpSpPr>
+      <p:sp>
+        <p:nvSpPr>
+          <p:cNvPr id="2" name="Title 1">
+            <a:extLst>
+              <a:ext uri="{FF2B5EF4-FFF2-40B4-BE49-F238E27FC236}">
+                <a16:creationId xmlns:a16="http://schemas.microsoft.com/office/drawing/2014/main" id="{027DF1B8-04A4-4487-8A49-3199F5CB31E2}"/>
+              </a:ext>
+            </a:extLst>
+          </p:cNvPr>
+          <p:cNvSpPr>
+            <a:spLocks noGrp="1"/>
+          </p:cNvSpPr>
+          <p:nvPr>
+            <p:ph type="title"/>
+          </p:nvPr>
+        </p:nvSpPr>
+        <p:spPr/>
+        <p:txBody>
+          <a:bodyPr/>
+          <a:lstStyle/>
+          <a:p>
+            <a:r>
+              <a:rPr lang="nb-NO" dirty="0" err="1">
+                <a:solidFill>
+                  <a:schemeClr val="tx1"/>
+                </a:solidFill>
+              </a:rPr>
+              <a:t>Current</a:t>
+            </a:r>
+            <a:r>
+              <a:rPr lang="nb-NO" dirty="0">
+                <a:solidFill>
+                  <a:schemeClr val="tx1"/>
+                </a:solidFill>
+              </a:rPr>
+              <a:t> </a:t>
+            </a:r>
+            <a:r>
+              <a:rPr lang="nb-NO" dirty="0" err="1">
+                <a:solidFill>
+                  <a:schemeClr val="tx1"/>
+                </a:solidFill>
+              </a:rPr>
+              <a:t>phase</a:t>
+            </a:r>
+            <a:r>
+              <a:rPr lang="nb-NO" dirty="0">
+                <a:solidFill>
+                  <a:schemeClr val="tx1"/>
+                </a:solidFill>
+              </a:rPr>
+              <a:t>: Data </a:t>
+            </a:r>
+            <a:r>
+              <a:rPr lang="nb-NO" dirty="0" err="1">
+                <a:solidFill>
+                  <a:schemeClr val="tx1"/>
+                </a:solidFill>
+              </a:rPr>
+              <a:t>processing</a:t>
+            </a:r>
+            <a:endParaRPr lang="en-GB" dirty="0">
+              <a:solidFill>
+                <a:schemeClr val="tx1"/>
+              </a:solidFill>
+            </a:endParaRPr>
+          </a:p>
+        </p:txBody>
+      </p:sp>
+      <p:sp>
+        <p:nvSpPr>
+          <p:cNvPr id="3" name="Content Placeholder 2">
+            <a:extLst>
+              <a:ext uri="{FF2B5EF4-FFF2-40B4-BE49-F238E27FC236}">
+                <a16:creationId xmlns:a16="http://schemas.microsoft.com/office/drawing/2014/main" id="{8E4A93AC-EC05-4E21-BD0C-A16DD2B8CDAD}"/>
+              </a:ext>
+            </a:extLst>
+          </p:cNvPr>
+          <p:cNvSpPr>
+            <a:spLocks noGrp="1"/>
+          </p:cNvSpPr>
+          <p:nvPr>
+            <p:ph idx="1"/>
+          </p:nvPr>
+        </p:nvSpPr>
+        <p:spPr>
+          <a:xfrm>
+            <a:off x="657224" y="2011680"/>
+            <a:ext cx="10753725" cy="3766185"/>
+          </a:xfrm>
+        </p:spPr>
+        <p:txBody>
+          <a:bodyPr/>
+          <a:lstStyle/>
+          <a:p>
+            <a:r>
+              <a:rPr lang="nb-NO" dirty="0"/>
+              <a:t>I </a:t>
+            </a:r>
+            <a:r>
+              <a:rPr lang="nb-NO" dirty="0" err="1"/>
+              <a:t>expect</a:t>
+            </a:r>
+            <a:r>
+              <a:rPr lang="nb-NO" dirty="0"/>
+              <a:t> to </a:t>
+            </a:r>
+            <a:r>
+              <a:rPr lang="nb-NO" dirty="0" err="1"/>
+              <a:t>get</a:t>
+            </a:r>
+            <a:r>
+              <a:rPr lang="nb-NO" dirty="0"/>
+              <a:t> </a:t>
+            </a:r>
+            <a:r>
+              <a:rPr lang="nb-NO" dirty="0" err="1"/>
+              <a:t>started</a:t>
+            </a:r>
+            <a:r>
+              <a:rPr lang="nb-NO" dirty="0"/>
+              <a:t> </a:t>
+            </a:r>
+            <a:r>
+              <a:rPr lang="nb-NO" dirty="0" err="1"/>
+              <a:t>on</a:t>
+            </a:r>
+            <a:r>
+              <a:rPr lang="nb-NO" dirty="0"/>
+              <a:t>:</a:t>
+            </a:r>
+          </a:p>
+          <a:p>
+            <a:r>
+              <a:rPr lang="nb-NO" dirty="0"/>
+              <a:t>Robust </a:t>
+            </a:r>
+            <a:r>
+              <a:rPr lang="nb-NO" dirty="0" err="1"/>
+              <a:t>automatic</a:t>
+            </a:r>
+            <a:r>
+              <a:rPr lang="nb-NO" dirty="0"/>
+              <a:t> </a:t>
+            </a:r>
+            <a:r>
+              <a:rPr lang="nb-NO" dirty="0" err="1"/>
+              <a:t>dataset</a:t>
+            </a:r>
+            <a:r>
+              <a:rPr lang="nb-NO" dirty="0"/>
+              <a:t> </a:t>
+            </a:r>
+            <a:r>
+              <a:rPr lang="nb-NO" dirty="0" err="1"/>
+              <a:t>generation</a:t>
+            </a:r>
+            <a:endParaRPr lang="nb-NO" dirty="0"/>
+          </a:p>
+          <a:p>
+            <a:r>
+              <a:rPr lang="nb-NO" dirty="0"/>
+              <a:t>Data </a:t>
+            </a:r>
+            <a:r>
+              <a:rPr lang="nb-NO" dirty="0" err="1"/>
+              <a:t>preperation</a:t>
+            </a:r>
+            <a:endParaRPr lang="nb-NO" dirty="0"/>
+          </a:p>
+          <a:p>
+            <a:pPr lvl="1"/>
+            <a:r>
+              <a:rPr lang="nb-NO" dirty="0" err="1"/>
+              <a:t>Normalization</a:t>
+            </a:r>
+            <a:r>
+              <a:rPr lang="nb-NO" dirty="0"/>
+              <a:t>, </a:t>
+            </a:r>
+            <a:r>
+              <a:rPr lang="nb-NO" dirty="0" err="1"/>
+              <a:t>extracting</a:t>
+            </a:r>
+            <a:r>
+              <a:rPr lang="nb-NO" dirty="0"/>
+              <a:t> </a:t>
+            </a:r>
+            <a:r>
+              <a:rPr lang="nb-NO" dirty="0" err="1"/>
+              <a:t>outliers</a:t>
+            </a:r>
+            <a:r>
+              <a:rPr lang="nb-NO" dirty="0"/>
+              <a:t> </a:t>
+            </a:r>
+            <a:r>
+              <a:rPr lang="nb-NO" dirty="0" err="1"/>
+              <a:t>etc</a:t>
+            </a:r>
+            <a:endParaRPr lang="nb-NO" dirty="0"/>
+          </a:p>
+          <a:p>
+            <a:pPr lvl="1"/>
+            <a:endParaRPr lang="nb-NO" dirty="0"/>
+          </a:p>
+          <a:p>
+            <a:pPr marL="4572" lvl="1" indent="0">
+              <a:buNone/>
+            </a:pPr>
+            <a:r>
+              <a:rPr lang="nb-NO" dirty="0" err="1"/>
+              <a:t>Correlation</a:t>
+            </a:r>
+            <a:r>
+              <a:rPr lang="nb-NO" dirty="0"/>
+              <a:t> </a:t>
+            </a:r>
+            <a:r>
+              <a:rPr lang="nb-NO" dirty="0" err="1"/>
+              <a:t>of</a:t>
+            </a:r>
+            <a:r>
+              <a:rPr lang="nb-NO" dirty="0"/>
+              <a:t> </a:t>
+            </a:r>
+            <a:r>
+              <a:rPr lang="nb-NO" dirty="0" err="1"/>
+              <a:t>seismic</a:t>
+            </a:r>
+            <a:r>
+              <a:rPr lang="nb-NO" dirty="0"/>
+              <a:t> and target:</a:t>
+            </a:r>
+          </a:p>
+          <a:p>
+            <a:pPr marL="4572" lvl="1" indent="0">
+              <a:buNone/>
+            </a:pPr>
+            <a:r>
+              <a:rPr lang="en-GB" dirty="0"/>
+              <a:t>Seismic traces and </a:t>
+            </a:r>
+            <a:r>
+              <a:rPr lang="en-GB" dirty="0" err="1"/>
+              <a:t>cpt</a:t>
+            </a:r>
+            <a:r>
+              <a:rPr lang="en-GB" dirty="0"/>
+              <a:t>-locations/ai</a:t>
+            </a:r>
+          </a:p>
+          <a:p>
+            <a:pPr marL="4572" lvl="1" indent="0">
+              <a:buNone/>
+            </a:pPr>
+            <a:r>
+              <a:rPr lang="en-GB" dirty="0"/>
+              <a:t> -&gt; </a:t>
+            </a:r>
+            <a:r>
+              <a:rPr lang="en-GB" i="1" dirty="0"/>
+              <a:t>Cardinality issue</a:t>
+            </a:r>
+          </a:p>
+          <a:p>
+            <a:pPr marL="4572" lvl="1" indent="0">
+              <a:buNone/>
+            </a:pPr>
+            <a:r>
+              <a:rPr lang="en-GB" dirty="0"/>
+              <a:t>	first value is slightly different</a:t>
+            </a:r>
+          </a:p>
+        </p:txBody>
+      </p:sp>
+      <p:pic>
+        <p:nvPicPr>
+          <p:cNvPr id="5" name="Picture 4">
+            <a:extLst>
+              <a:ext uri="{FF2B5EF4-FFF2-40B4-BE49-F238E27FC236}">
+                <a16:creationId xmlns:a16="http://schemas.microsoft.com/office/drawing/2014/main" id="{D9E405C5-CD4F-4D20-AA52-16A4743A2A0B}"/>
+              </a:ext>
+            </a:extLst>
+          </p:cNvPr>
+          <p:cNvPicPr>
+            <a:picLocks noChangeAspect="1"/>
+          </p:cNvPicPr>
+          <p:nvPr/>
+        </p:nvPicPr>
+        <p:blipFill>
+          <a:blip r:embed="rId2"/>
+          <a:stretch>
+            <a:fillRect/>
+          </a:stretch>
+        </p:blipFill>
+        <p:spPr>
+          <a:xfrm>
+            <a:off x="6043611" y="4602994"/>
+            <a:ext cx="1876425" cy="952500"/>
+          </a:xfrm>
+          <a:prstGeom prst="rect">
+            <a:avLst/>
+          </a:prstGeom>
+        </p:spPr>
+      </p:pic>
+    </p:spTree>
+    <p:extLst>
+      <p:ext uri="{BB962C8B-B14F-4D97-AF65-F5344CB8AC3E}">
+        <p14:creationId xmlns:p14="http://schemas.microsoft.com/office/powerpoint/2010/main" val="4094732326"/>
+      </p:ext>
+    </p:extLst>
+  </p:cSld>
+  <p:clrMapOvr>
+    <a:masterClrMapping/>
+  </p:clrMapOvr>
+</p:sld>
+</file>
+
+<file path=ppt/slides/slide12.xml><?xml version="1.0" encoding="utf-8"?>
+<p:sld xmlns:a="http://schemas.openxmlformats.org/drawingml/2006/main" xmlns:r="http://schemas.openxmlformats.org/officeDocument/2006/relationships" xmlns:p="http://schemas.openxmlformats.org/presentationml/2006/main">
+  <p:cSld>
+    <p:spTree>
+      <p:nvGrpSpPr>
+        <p:cNvPr id="1" name=""/>
+        <p:cNvGrpSpPr/>
+        <p:nvPr/>
+      </p:nvGrpSpPr>
+      <p:grpSpPr>
+        <a:xfrm>
+          <a:off x="0" y="0"/>
+          <a:ext cx="0" cy="0"/>
+          <a:chOff x="0" y="0"/>
+          <a:chExt cx="0" cy="0"/>
+        </a:xfrm>
+      </p:grpSpPr>
+      <p:sp>
+        <p:nvSpPr>
+          <p:cNvPr id="2" name="Title 1">
+            <a:extLst>
+              <a:ext uri="{FF2B5EF4-FFF2-40B4-BE49-F238E27FC236}">
+                <a16:creationId xmlns:a16="http://schemas.microsoft.com/office/drawing/2014/main" id="{B3DA2B5D-FB92-4FA8-8786-BFEF1963E874}"/>
+              </a:ext>
+            </a:extLst>
+          </p:cNvPr>
+          <p:cNvSpPr>
+            <a:spLocks noGrp="1"/>
+          </p:cNvSpPr>
+          <p:nvPr>
+            <p:ph type="title"/>
+          </p:nvPr>
+        </p:nvSpPr>
+        <p:spPr/>
+        <p:txBody>
+          <a:bodyPr/>
+          <a:lstStyle/>
+          <a:p>
+            <a:r>
+              <a:rPr lang="nb-NO" dirty="0">
+                <a:solidFill>
+                  <a:schemeClr val="tx1"/>
+                </a:solidFill>
+              </a:rPr>
+              <a:t>State </a:t>
+            </a:r>
+            <a:r>
+              <a:rPr lang="nb-NO" dirty="0" err="1">
+                <a:solidFill>
+                  <a:schemeClr val="tx1"/>
+                </a:solidFill>
+              </a:rPr>
+              <a:t>of</a:t>
+            </a:r>
+            <a:r>
+              <a:rPr lang="nb-NO" dirty="0">
+                <a:solidFill>
+                  <a:schemeClr val="tx1"/>
+                </a:solidFill>
+              </a:rPr>
+              <a:t> </a:t>
+            </a:r>
+            <a:r>
+              <a:rPr lang="nb-NO" dirty="0" err="1">
+                <a:solidFill>
+                  <a:schemeClr val="tx1"/>
+                </a:solidFill>
+              </a:rPr>
+              <a:t>affairs</a:t>
+            </a:r>
+            <a:endParaRPr lang="en-GB" dirty="0">
+              <a:solidFill>
+                <a:schemeClr val="tx1"/>
+              </a:solidFill>
+            </a:endParaRPr>
+          </a:p>
+        </p:txBody>
+      </p:sp>
+      <p:sp>
+        <p:nvSpPr>
+          <p:cNvPr id="3" name="Content Placeholder 2">
+            <a:extLst>
+              <a:ext uri="{FF2B5EF4-FFF2-40B4-BE49-F238E27FC236}">
+                <a16:creationId xmlns:a16="http://schemas.microsoft.com/office/drawing/2014/main" id="{E18E882A-1822-46E8-991B-6C99461F3705}"/>
+              </a:ext>
+            </a:extLst>
+          </p:cNvPr>
+          <p:cNvSpPr>
+            <a:spLocks noGrp="1"/>
+          </p:cNvSpPr>
+          <p:nvPr>
+            <p:ph idx="1"/>
+          </p:nvPr>
+        </p:nvSpPr>
+        <p:spPr/>
+        <p:txBody>
+          <a:bodyPr/>
+          <a:lstStyle/>
+          <a:p>
+            <a:r>
+              <a:rPr lang="nb-NO" dirty="0" err="1"/>
+              <a:t>Cardinality</a:t>
+            </a:r>
+            <a:r>
+              <a:rPr lang="nb-NO" dirty="0"/>
+              <a:t> </a:t>
+            </a:r>
+            <a:r>
+              <a:rPr lang="nb-NO" dirty="0" err="1"/>
+              <a:t>issue</a:t>
+            </a:r>
+            <a:r>
+              <a:rPr lang="nb-NO" dirty="0"/>
+              <a:t>, and </a:t>
+            </a:r>
+            <a:r>
+              <a:rPr lang="nb-NO" dirty="0" err="1"/>
+              <a:t>good</a:t>
+            </a:r>
+            <a:r>
+              <a:rPr lang="nb-NO" dirty="0"/>
+              <a:t> </a:t>
+            </a:r>
+            <a:r>
+              <a:rPr lang="nb-NO" dirty="0" err="1"/>
+              <a:t>dataset</a:t>
+            </a:r>
+            <a:r>
+              <a:rPr lang="nb-NO" dirty="0"/>
+              <a:t> management is </a:t>
+            </a:r>
+            <a:r>
+              <a:rPr lang="nb-NO" dirty="0" err="1"/>
+              <a:t>the</a:t>
+            </a:r>
+            <a:r>
+              <a:rPr lang="nb-NO" dirty="0"/>
+              <a:t> </a:t>
+            </a:r>
+            <a:r>
+              <a:rPr lang="nb-NO" dirty="0" err="1"/>
+              <a:t>only</a:t>
+            </a:r>
+            <a:r>
+              <a:rPr lang="nb-NO" dirty="0"/>
+              <a:t> </a:t>
+            </a:r>
+            <a:r>
+              <a:rPr lang="nb-NO" dirty="0" err="1"/>
+              <a:t>thing</a:t>
+            </a:r>
+            <a:r>
+              <a:rPr lang="nb-NO" dirty="0"/>
+              <a:t> </a:t>
+            </a:r>
+            <a:r>
+              <a:rPr lang="nb-NO" dirty="0" err="1"/>
+              <a:t>thats</a:t>
+            </a:r>
+            <a:r>
+              <a:rPr lang="nb-NO" dirty="0"/>
+              <a:t> preventing </a:t>
+            </a:r>
+            <a:r>
+              <a:rPr lang="nb-NO" dirty="0" err="1"/>
+              <a:t>me</a:t>
+            </a:r>
+            <a:r>
+              <a:rPr lang="nb-NO" dirty="0"/>
+              <a:t> from </a:t>
+            </a:r>
+            <a:r>
+              <a:rPr lang="nb-NO" dirty="0" err="1"/>
+              <a:t>running</a:t>
+            </a:r>
+            <a:r>
+              <a:rPr lang="nb-NO" dirty="0"/>
+              <a:t> </a:t>
+            </a:r>
+            <a:r>
+              <a:rPr lang="nb-NO" dirty="0" err="1"/>
+              <a:t>lots</a:t>
+            </a:r>
+            <a:r>
+              <a:rPr lang="nb-NO" dirty="0"/>
+              <a:t> </a:t>
+            </a:r>
+            <a:r>
+              <a:rPr lang="nb-NO" dirty="0" err="1"/>
+              <a:t>of</a:t>
+            </a:r>
+            <a:r>
+              <a:rPr lang="nb-NO" dirty="0"/>
+              <a:t> </a:t>
+            </a:r>
+            <a:r>
+              <a:rPr lang="nb-NO" dirty="0" err="1"/>
+              <a:t>models</a:t>
+            </a:r>
+            <a:r>
+              <a:rPr lang="nb-NO" dirty="0"/>
+              <a:t>.</a:t>
+            </a:r>
+          </a:p>
+          <a:p>
+            <a:r>
+              <a:rPr lang="nb-NO" dirty="0"/>
+              <a:t>How to do </a:t>
+            </a:r>
+            <a:r>
+              <a:rPr lang="nb-NO" dirty="0" err="1"/>
+              <a:t>good</a:t>
+            </a:r>
+            <a:r>
+              <a:rPr lang="nb-NO" dirty="0"/>
+              <a:t> </a:t>
+            </a:r>
+            <a:r>
+              <a:rPr lang="nb-NO" dirty="0" err="1"/>
+              <a:t>correlations</a:t>
+            </a:r>
+            <a:r>
+              <a:rPr lang="nb-NO" dirty="0"/>
+              <a:t>?</a:t>
+            </a:r>
+          </a:p>
+          <a:p>
+            <a:pPr lvl="1"/>
+            <a:r>
+              <a:rPr lang="nb-NO" dirty="0"/>
+              <a:t>GPS data in </a:t>
+            </a:r>
+            <a:r>
+              <a:rPr lang="nb-NO" dirty="0" err="1"/>
+              <a:t>sgy</a:t>
+            </a:r>
+            <a:r>
+              <a:rPr lang="nb-NO" dirty="0"/>
+              <a:t>?</a:t>
+            </a:r>
+          </a:p>
+          <a:p>
+            <a:pPr marL="4572" lvl="1" indent="0">
+              <a:buNone/>
+            </a:pPr>
+            <a:endParaRPr lang="nb-NO" dirty="0"/>
+          </a:p>
+          <a:p>
+            <a:pPr marL="4572" lvl="1" indent="0">
+              <a:buNone/>
+            </a:pPr>
+            <a:r>
+              <a:rPr lang="nb-NO" dirty="0" err="1"/>
+              <a:t>Also</a:t>
+            </a:r>
+            <a:r>
+              <a:rPr lang="nb-NO" dirty="0"/>
+              <a:t> </a:t>
+            </a:r>
+            <a:r>
+              <a:rPr lang="nb-NO" dirty="0" err="1"/>
+              <a:t>need</a:t>
+            </a:r>
+            <a:r>
+              <a:rPr lang="nb-NO" dirty="0"/>
+              <a:t> to do </a:t>
+            </a:r>
+            <a:r>
+              <a:rPr lang="nb-NO" dirty="0" err="1"/>
+              <a:t>correlation</a:t>
+            </a:r>
+            <a:r>
+              <a:rPr lang="nb-NO" dirty="0"/>
+              <a:t> by </a:t>
+            </a:r>
+            <a:r>
+              <a:rPr lang="nb-NO" dirty="0" err="1"/>
+              <a:t>depth</a:t>
+            </a:r>
+            <a:endParaRPr lang="nb-NO" dirty="0"/>
+          </a:p>
+          <a:p>
+            <a:pPr marL="4572" lvl="1" indent="0">
+              <a:buNone/>
+            </a:pPr>
+            <a:r>
+              <a:rPr lang="nb-NO" dirty="0"/>
+              <a:t>	</a:t>
+            </a:r>
+            <a:r>
+              <a:rPr lang="nb-NO" dirty="0" err="1"/>
+              <a:t>What</a:t>
+            </a:r>
+            <a:r>
+              <a:rPr lang="nb-NO" dirty="0"/>
+              <a:t> </a:t>
+            </a:r>
+            <a:r>
+              <a:rPr lang="nb-NO" dirty="0" err="1"/>
+              <a:t>depth</a:t>
+            </a:r>
+            <a:r>
+              <a:rPr lang="nb-NO" dirty="0"/>
+              <a:t> is </a:t>
+            </a:r>
+            <a:r>
+              <a:rPr lang="nb-NO" dirty="0" err="1"/>
+              <a:t>of</a:t>
+            </a:r>
+            <a:r>
+              <a:rPr lang="nb-NO" dirty="0"/>
+              <a:t> </a:t>
+            </a:r>
+            <a:r>
+              <a:rPr lang="nb-NO" dirty="0" err="1"/>
+              <a:t>interest</a:t>
+            </a:r>
+            <a:endParaRPr lang="en-GB" dirty="0"/>
+          </a:p>
+        </p:txBody>
+      </p:sp>
+    </p:spTree>
+    <p:extLst>
+      <p:ext uri="{BB962C8B-B14F-4D97-AF65-F5344CB8AC3E}">
+        <p14:creationId xmlns:p14="http://schemas.microsoft.com/office/powerpoint/2010/main" val="1394708332"/>
+      </p:ext>
+    </p:extLst>
+  </p:cSld>
+  <p:clrMapOvr>
+    <a:masterClrMapping/>
+  </p:clrMapOvr>
+</p:sld>
+</file>
+
+<file path=ppt/slides/slide13.xml><?xml version="1.0" encoding="utf-8"?>
+<p:sld xmlns:a="http://schemas.openxmlformats.org/drawingml/2006/main" xmlns:r="http://schemas.openxmlformats.org/officeDocument/2006/relationships" xmlns:p="http://schemas.openxmlformats.org/presentationml/2006/main">
+  <p:cSld>
+    <p:spTree>
+      <p:nvGrpSpPr>
+        <p:cNvPr id="1" name=""/>
+        <p:cNvGrpSpPr/>
+        <p:nvPr/>
+      </p:nvGrpSpPr>
+      <p:grpSpPr>
+        <a:xfrm>
+          <a:off x="0" y="0"/>
+          <a:ext cx="0" cy="0"/>
+          <a:chOff x="0" y="0"/>
+          <a:chExt cx="0" cy="0"/>
+        </a:xfrm>
+      </p:grpSpPr>
+      <p:sp>
+        <p:nvSpPr>
+          <p:cNvPr id="2" name="Title 1">
+            <a:extLst>
+              <a:ext uri="{FF2B5EF4-FFF2-40B4-BE49-F238E27FC236}">
+                <a16:creationId xmlns:a16="http://schemas.microsoft.com/office/drawing/2014/main" id="{961CBB91-FD22-48B8-B9ED-C0B7197C88EA}"/>
+              </a:ext>
+            </a:extLst>
+          </p:cNvPr>
+          <p:cNvSpPr>
+            <a:spLocks noGrp="1"/>
+          </p:cNvSpPr>
+          <p:nvPr>
+            <p:ph type="title"/>
+          </p:nvPr>
+        </p:nvSpPr>
+        <p:spPr/>
+        <p:txBody>
+          <a:bodyPr/>
+          <a:lstStyle/>
+          <a:p>
+            <a:r>
+              <a:rPr lang="nb-NO" dirty="0" err="1">
+                <a:solidFill>
+                  <a:schemeClr val="tx1"/>
+                </a:solidFill>
+              </a:rPr>
+              <a:t>Further</a:t>
+            </a:r>
+            <a:r>
+              <a:rPr lang="nb-NO" dirty="0">
+                <a:solidFill>
+                  <a:schemeClr val="tx1"/>
+                </a:solidFill>
+              </a:rPr>
+              <a:t> </a:t>
+            </a:r>
+            <a:r>
+              <a:rPr lang="nb-NO" dirty="0" err="1">
+                <a:solidFill>
+                  <a:schemeClr val="tx1"/>
+                </a:solidFill>
+              </a:rPr>
+              <a:t>work</a:t>
+            </a:r>
+            <a:endParaRPr lang="en-GB" dirty="0">
+              <a:solidFill>
+                <a:schemeClr val="tx1"/>
+              </a:solidFill>
+            </a:endParaRPr>
+          </a:p>
+        </p:txBody>
+      </p:sp>
+      <p:sp>
+        <p:nvSpPr>
+          <p:cNvPr id="3" name="Content Placeholder 2">
+            <a:extLst>
+              <a:ext uri="{FF2B5EF4-FFF2-40B4-BE49-F238E27FC236}">
+                <a16:creationId xmlns:a16="http://schemas.microsoft.com/office/drawing/2014/main" id="{BCA8EC2D-B773-4449-BFCE-DD601EDD4CD3}"/>
+              </a:ext>
+            </a:extLst>
+          </p:cNvPr>
+          <p:cNvSpPr>
+            <a:spLocks noGrp="1"/>
+          </p:cNvSpPr>
+          <p:nvPr>
+            <p:ph idx="1"/>
+          </p:nvPr>
+        </p:nvSpPr>
+        <p:spPr/>
+        <p:txBody>
+          <a:bodyPr>
+            <a:normAutofit fontScale="70000" lnSpcReduction="20000"/>
+          </a:bodyPr>
+          <a:lstStyle/>
+          <a:p>
+            <a:r>
+              <a:rPr lang="nb-NO" dirty="0" err="1"/>
+              <a:t>Visualization</a:t>
+            </a:r>
+            <a:r>
+              <a:rPr lang="nb-NO" dirty="0"/>
+              <a:t> script still has not </a:t>
+            </a:r>
+            <a:r>
+              <a:rPr lang="nb-NO" dirty="0" err="1"/>
+              <a:t>been</a:t>
+            </a:r>
+            <a:r>
+              <a:rPr lang="nb-NO" dirty="0"/>
+              <a:t> </a:t>
+            </a:r>
+            <a:r>
+              <a:rPr lang="nb-NO" dirty="0" err="1"/>
+              <a:t>written</a:t>
+            </a:r>
+            <a:endParaRPr lang="nb-NO" dirty="0"/>
+          </a:p>
+          <a:p>
+            <a:pPr lvl="1"/>
+            <a:r>
+              <a:rPr lang="nb-NO" dirty="0"/>
+              <a:t>Will </a:t>
+            </a:r>
+            <a:r>
+              <a:rPr lang="nb-NO" dirty="0" err="1"/>
+              <a:t>incorporate</a:t>
+            </a:r>
+            <a:r>
+              <a:rPr lang="nb-NO" dirty="0"/>
+              <a:t>:</a:t>
+            </a:r>
+          </a:p>
+          <a:p>
+            <a:pPr lvl="2">
+              <a:buFont typeface="Wingdings" panose="05000000000000000000" pitchFamily="2" charset="2"/>
+              <a:buChar char="§"/>
+            </a:pPr>
+            <a:r>
+              <a:rPr lang="en-GB" dirty="0"/>
+              <a:t>Loss function over time</a:t>
+            </a:r>
+          </a:p>
+          <a:p>
+            <a:pPr lvl="2">
+              <a:buFont typeface="Wingdings" panose="05000000000000000000" pitchFamily="2" charset="2"/>
+              <a:buChar char="§"/>
+            </a:pPr>
+            <a:r>
+              <a:rPr lang="en-GB" dirty="0"/>
+              <a:t>Best &amp; worst areas for reconstruction (monochrome w/ red details for error)</a:t>
+            </a:r>
+          </a:p>
+          <a:p>
+            <a:pPr lvl="2">
+              <a:buFont typeface="Wingdings" panose="05000000000000000000" pitchFamily="2" charset="2"/>
+              <a:buChar char="§"/>
+            </a:pPr>
+            <a:r>
+              <a:rPr lang="en-GB" dirty="0"/>
+              <a:t>Image of target prediction</a:t>
+            </a:r>
+          </a:p>
+          <a:p>
+            <a:pPr lvl="2">
+              <a:buFont typeface="Wingdings" panose="05000000000000000000" pitchFamily="2" charset="2"/>
+              <a:buChar char="§"/>
+            </a:pPr>
+            <a:r>
+              <a:rPr lang="en-GB" dirty="0"/>
+              <a:t>List over what datasets were used</a:t>
+            </a:r>
+          </a:p>
+          <a:p>
+            <a:pPr lvl="2">
+              <a:buFont typeface="Wingdings" panose="05000000000000000000" pitchFamily="2" charset="2"/>
+              <a:buChar char="§"/>
+            </a:pPr>
+            <a:r>
+              <a:rPr lang="en-GB" dirty="0"/>
+              <a:t>Summary statistics</a:t>
+            </a:r>
+          </a:p>
+          <a:p>
+            <a:pPr lvl="2">
+              <a:buFont typeface="Wingdings" panose="05000000000000000000" pitchFamily="2" charset="2"/>
+              <a:buChar char="§"/>
+            </a:pPr>
+            <a:r>
+              <a:rPr lang="en-GB" dirty="0"/>
+              <a:t>Some model input parameters</a:t>
+            </a:r>
+          </a:p>
+          <a:p>
+            <a:pPr marL="4572" lvl="1" indent="0">
+              <a:buNone/>
+            </a:pPr>
+            <a:endParaRPr lang="en-GB" dirty="0"/>
+          </a:p>
+          <a:p>
+            <a:pPr marL="4572" lvl="1" indent="0">
+              <a:buNone/>
+            </a:pPr>
+            <a:r>
+              <a:rPr lang="en-GB" dirty="0" err="1"/>
+              <a:t>TensorBoard</a:t>
+            </a:r>
+            <a:r>
+              <a:rPr lang="en-GB" dirty="0"/>
+              <a:t> is soon up and running:</a:t>
+            </a:r>
+          </a:p>
+          <a:p>
+            <a:pPr marL="4572" lvl="1" indent="0">
+              <a:buNone/>
+            </a:pPr>
+            <a:r>
+              <a:rPr lang="en-GB" dirty="0"/>
+              <a:t>Only needs a little troubleshooting…</a:t>
+            </a:r>
+          </a:p>
+          <a:p>
+            <a:pPr marL="4572" lvl="1" indent="0">
+              <a:buNone/>
+            </a:pPr>
+            <a:r>
+              <a:rPr lang="en-GB" dirty="0"/>
+              <a:t>This will allow for me to see how well the training is utilizing the GPU</a:t>
+            </a:r>
+          </a:p>
+          <a:p>
+            <a:pPr marL="4572" lvl="1" indent="0">
+              <a:buNone/>
+            </a:pPr>
+            <a:endParaRPr lang="en-GB" dirty="0"/>
+          </a:p>
+          <a:p>
+            <a:pPr marL="4572" lvl="1" indent="0">
+              <a:buNone/>
+            </a:pPr>
+            <a:r>
+              <a:rPr lang="en-GB" dirty="0"/>
+              <a:t>May look at using 16bit float for increased computation power</a:t>
+            </a:r>
+          </a:p>
+          <a:p>
+            <a:pPr marL="4572" lvl="1" indent="0">
+              <a:buNone/>
+            </a:pPr>
+            <a:endParaRPr lang="en-GB" dirty="0"/>
+          </a:p>
+          <a:p>
+            <a:pPr marL="4572" lvl="1" indent="0">
+              <a:buNone/>
+            </a:pPr>
+            <a:r>
+              <a:rPr lang="en-GB" dirty="0"/>
+              <a:t>Huge flatten layers..</a:t>
+            </a:r>
+          </a:p>
+        </p:txBody>
+      </p:sp>
+    </p:spTree>
+    <p:extLst>
+      <p:ext uri="{BB962C8B-B14F-4D97-AF65-F5344CB8AC3E}">
+        <p14:creationId xmlns:p14="http://schemas.microsoft.com/office/powerpoint/2010/main" val="380937919"/>
+      </p:ext>
+    </p:extLst>
+  </p:cSld>
+  <p:clrMapOvr>
+    <a:masterClrMapping/>
+  </p:clrMapOvr>
+</p:sld>
+</file>
+
+<file path=ppt/slides/slide14.xml><?xml version="1.0" encoding="utf-8"?>
+<p:sld xmlns:a="http://schemas.openxmlformats.org/drawingml/2006/main" xmlns:r="http://schemas.openxmlformats.org/officeDocument/2006/relationships" xmlns:p="http://schemas.openxmlformats.org/presentationml/2006/main">
+  <p:cSld>
+    <p:spTree>
+      <p:nvGrpSpPr>
+        <p:cNvPr id="1" name=""/>
+        <p:cNvGrpSpPr/>
+        <p:nvPr/>
+      </p:nvGrpSpPr>
+      <p:grpSpPr>
+        <a:xfrm>
+          <a:off x="0" y="0"/>
+          <a:ext cx="0" cy="0"/>
+          <a:chOff x="0" y="0"/>
+          <a:chExt cx="0" cy="0"/>
+        </a:xfrm>
+      </p:grpSpPr>
+      <p:sp>
+        <p:nvSpPr>
+          <p:cNvPr id="2" name="Title 1">
+            <a:extLst>
+              <a:ext uri="{FF2B5EF4-FFF2-40B4-BE49-F238E27FC236}">
+                <a16:creationId xmlns:a16="http://schemas.microsoft.com/office/drawing/2014/main" id="{6B283408-BB91-4F30-AEBA-837D0C36FA3A}"/>
+              </a:ext>
+            </a:extLst>
+          </p:cNvPr>
+          <p:cNvSpPr>
+            <a:spLocks noGrp="1"/>
+          </p:cNvSpPr>
+          <p:nvPr>
+            <p:ph type="title"/>
+          </p:nvPr>
+        </p:nvSpPr>
+        <p:spPr/>
+        <p:txBody>
+          <a:bodyPr/>
+          <a:lstStyle/>
+          <a:p>
+            <a:r>
+              <a:rPr lang="nb-NO" dirty="0">
+                <a:solidFill>
+                  <a:schemeClr val="tx1"/>
+                </a:solidFill>
+              </a:rPr>
+              <a:t>Scope and </a:t>
+            </a:r>
+            <a:r>
+              <a:rPr lang="nb-NO" dirty="0" err="1">
+                <a:solidFill>
+                  <a:schemeClr val="tx1"/>
+                </a:solidFill>
+              </a:rPr>
+              <a:t>ambition</a:t>
+            </a:r>
+            <a:r>
+              <a:rPr lang="nb-NO" dirty="0">
+                <a:solidFill>
+                  <a:schemeClr val="tx1"/>
+                </a:solidFill>
+              </a:rPr>
+              <a:t> </a:t>
+            </a:r>
+            <a:r>
+              <a:rPr lang="nb-NO" dirty="0" err="1">
+                <a:solidFill>
+                  <a:schemeClr val="tx1"/>
+                </a:solidFill>
+              </a:rPr>
+              <a:t>adjustment</a:t>
+            </a:r>
+            <a:endParaRPr lang="en-GB" dirty="0">
+              <a:solidFill>
+                <a:schemeClr val="tx1"/>
+              </a:solidFill>
+            </a:endParaRPr>
+          </a:p>
+        </p:txBody>
+      </p:sp>
+      <p:sp>
+        <p:nvSpPr>
+          <p:cNvPr id="3" name="Content Placeholder 2">
+            <a:extLst>
+              <a:ext uri="{FF2B5EF4-FFF2-40B4-BE49-F238E27FC236}">
+                <a16:creationId xmlns:a16="http://schemas.microsoft.com/office/drawing/2014/main" id="{8A87F90D-4D82-4122-B07C-01534A564F7E}"/>
+              </a:ext>
+            </a:extLst>
+          </p:cNvPr>
+          <p:cNvSpPr>
+            <a:spLocks noGrp="1"/>
+          </p:cNvSpPr>
+          <p:nvPr>
+            <p:ph idx="1"/>
+          </p:nvPr>
+        </p:nvSpPr>
+        <p:spPr/>
+        <p:txBody>
+          <a:bodyPr/>
+          <a:lstStyle/>
+          <a:p>
+            <a:r>
+              <a:rPr lang="nb-NO" dirty="0"/>
+              <a:t>I </a:t>
+            </a:r>
+            <a:r>
+              <a:rPr lang="nb-NO" dirty="0" err="1"/>
+              <a:t>think</a:t>
+            </a:r>
+            <a:r>
+              <a:rPr lang="nb-NO" dirty="0"/>
+              <a:t> I </a:t>
+            </a:r>
+            <a:r>
+              <a:rPr lang="nb-NO" dirty="0" err="1"/>
+              <a:t>can</a:t>
+            </a:r>
+            <a:r>
+              <a:rPr lang="nb-NO" dirty="0"/>
+              <a:t> </a:t>
+            </a:r>
+            <a:r>
+              <a:rPr lang="nb-NO" dirty="0" err="1"/>
+              <a:t>manage</a:t>
+            </a:r>
+            <a:r>
+              <a:rPr lang="nb-NO" dirty="0"/>
+              <a:t> to </a:t>
+            </a:r>
+            <a:r>
+              <a:rPr lang="nb-NO" dirty="0" err="1"/>
+              <a:t>get</a:t>
+            </a:r>
+            <a:r>
+              <a:rPr lang="nb-NO" dirty="0"/>
+              <a:t> </a:t>
+            </a:r>
+            <a:r>
+              <a:rPr lang="nb-NO" dirty="0" err="1"/>
+              <a:t>feature</a:t>
+            </a:r>
+            <a:r>
+              <a:rPr lang="nb-NO" dirty="0"/>
+              <a:t> </a:t>
+            </a:r>
+            <a:r>
+              <a:rPr lang="nb-NO" dirty="0" err="1"/>
+              <a:t>augmentation</a:t>
+            </a:r>
+            <a:r>
+              <a:rPr lang="nb-NO" dirty="0"/>
+              <a:t> done </a:t>
+            </a:r>
+            <a:r>
+              <a:rPr lang="nb-NO" dirty="0" err="1"/>
+              <a:t>before</a:t>
+            </a:r>
+            <a:r>
+              <a:rPr lang="nb-NO" dirty="0"/>
+              <a:t> </a:t>
+            </a:r>
+            <a:r>
+              <a:rPr lang="nb-NO" dirty="0" err="1"/>
+              <a:t>christmas</a:t>
+            </a:r>
+            <a:endParaRPr lang="nb-NO" dirty="0"/>
+          </a:p>
+          <a:p>
+            <a:r>
+              <a:rPr lang="nb-NO" dirty="0"/>
+              <a:t>In </a:t>
+            </a:r>
+            <a:r>
+              <a:rPr lang="nb-NO" dirty="0" err="1"/>
+              <a:t>that</a:t>
+            </a:r>
+            <a:r>
+              <a:rPr lang="nb-NO" dirty="0"/>
+              <a:t> case I </a:t>
+            </a:r>
+            <a:r>
+              <a:rPr lang="nb-NO" dirty="0" err="1"/>
+              <a:t>will</a:t>
+            </a:r>
+            <a:r>
+              <a:rPr lang="nb-NO" dirty="0"/>
+              <a:t> be </a:t>
+            </a:r>
+            <a:r>
+              <a:rPr lang="nb-NO" dirty="0" err="1"/>
+              <a:t>having</a:t>
+            </a:r>
+            <a:r>
+              <a:rPr lang="nb-NO" dirty="0"/>
+              <a:t> </a:t>
+            </a:r>
+            <a:r>
+              <a:rPr lang="nb-NO" dirty="0" err="1"/>
+              <a:t>the</a:t>
+            </a:r>
+            <a:r>
+              <a:rPr lang="nb-NO" dirty="0"/>
+              <a:t> desktop </a:t>
+            </a:r>
+            <a:r>
+              <a:rPr lang="nb-NO" dirty="0" err="1"/>
+              <a:t>running</a:t>
+            </a:r>
+            <a:r>
+              <a:rPr lang="nb-NO" dirty="0"/>
+              <a:t> </a:t>
+            </a:r>
+            <a:r>
+              <a:rPr lang="nb-NO" dirty="0" err="1"/>
+              <a:t>optuna</a:t>
+            </a:r>
+            <a:r>
+              <a:rPr lang="nb-NO" dirty="0"/>
+              <a:t> all </a:t>
+            </a:r>
+            <a:r>
+              <a:rPr lang="nb-NO" dirty="0" err="1"/>
+              <a:t>through</a:t>
+            </a:r>
+            <a:r>
+              <a:rPr lang="nb-NO" dirty="0"/>
+              <a:t> </a:t>
+            </a:r>
+            <a:r>
+              <a:rPr lang="nb-NO" dirty="0" err="1"/>
+              <a:t>christmas</a:t>
+            </a:r>
+            <a:r>
+              <a:rPr lang="nb-NO" dirty="0"/>
+              <a:t>, and </a:t>
+            </a:r>
+            <a:r>
+              <a:rPr lang="nb-NO" dirty="0" err="1"/>
+              <a:t>hopefully</a:t>
+            </a:r>
+            <a:r>
+              <a:rPr lang="nb-NO" dirty="0"/>
+              <a:t> have </a:t>
+            </a:r>
+            <a:r>
+              <a:rPr lang="nb-NO" dirty="0" err="1"/>
+              <a:t>some</a:t>
+            </a:r>
+            <a:r>
+              <a:rPr lang="nb-NO" dirty="0"/>
+              <a:t> </a:t>
+            </a:r>
+            <a:r>
+              <a:rPr lang="nb-NO" dirty="0" err="1"/>
+              <a:t>nice</a:t>
+            </a:r>
+            <a:r>
+              <a:rPr lang="nb-NO" dirty="0"/>
+              <a:t> </a:t>
+            </a:r>
+            <a:r>
+              <a:rPr lang="nb-NO" dirty="0" err="1"/>
+              <a:t>model</a:t>
+            </a:r>
+            <a:r>
+              <a:rPr lang="nb-NO" dirty="0"/>
+              <a:t> </a:t>
+            </a:r>
+            <a:r>
+              <a:rPr lang="nb-NO" dirty="0" err="1"/>
+              <a:t>results</a:t>
+            </a:r>
+            <a:r>
+              <a:rPr lang="nb-NO" dirty="0"/>
+              <a:t> for </a:t>
+            </a:r>
+            <a:r>
+              <a:rPr lang="nb-NO" dirty="0" err="1"/>
+              <a:t>January</a:t>
+            </a:r>
+            <a:endParaRPr lang="nb-NO" dirty="0"/>
+          </a:p>
+          <a:p>
+            <a:endParaRPr lang="nb-NO" dirty="0"/>
+          </a:p>
+          <a:p>
+            <a:r>
+              <a:rPr lang="nb-NO" dirty="0"/>
+              <a:t>My last </a:t>
+            </a:r>
+            <a:r>
+              <a:rPr lang="nb-NO" dirty="0" err="1"/>
+              <a:t>day</a:t>
+            </a:r>
+            <a:r>
+              <a:rPr lang="nb-NO" dirty="0"/>
+              <a:t> </a:t>
+            </a:r>
+            <a:r>
+              <a:rPr lang="nb-NO" dirty="0" err="1"/>
+              <a:t>of</a:t>
+            </a:r>
+            <a:r>
+              <a:rPr lang="nb-NO" dirty="0"/>
+              <a:t> </a:t>
+            </a:r>
+            <a:r>
+              <a:rPr lang="nb-NO" dirty="0" err="1"/>
+              <a:t>the</a:t>
+            </a:r>
+            <a:r>
+              <a:rPr lang="nb-NO" dirty="0"/>
+              <a:t> semester </a:t>
+            </a:r>
+            <a:r>
+              <a:rPr lang="nb-NO" dirty="0" err="1"/>
+              <a:t>will</a:t>
+            </a:r>
+            <a:r>
+              <a:rPr lang="nb-NO" dirty="0"/>
+              <a:t> be 19th </a:t>
+            </a:r>
+            <a:r>
+              <a:rPr lang="nb-NO" dirty="0" err="1"/>
+              <a:t>of</a:t>
+            </a:r>
+            <a:r>
+              <a:rPr lang="nb-NO" dirty="0"/>
+              <a:t> </a:t>
+            </a:r>
+            <a:r>
+              <a:rPr lang="nb-NO" dirty="0" err="1"/>
+              <a:t>December</a:t>
+            </a:r>
+            <a:endParaRPr lang="nb-NO" dirty="0"/>
+          </a:p>
+          <a:p>
+            <a:endParaRPr lang="nb-NO" dirty="0"/>
+          </a:p>
+          <a:p>
+            <a:r>
+              <a:rPr lang="nb-NO" dirty="0"/>
+              <a:t>Last general </a:t>
+            </a:r>
+            <a:r>
+              <a:rPr lang="nb-NO" dirty="0" err="1"/>
+              <a:t>meeting</a:t>
+            </a:r>
+            <a:r>
+              <a:rPr lang="nb-NO" dirty="0"/>
+              <a:t> for </a:t>
+            </a:r>
+            <a:r>
+              <a:rPr lang="nb-NO" dirty="0" err="1"/>
+              <a:t>the</a:t>
+            </a:r>
+            <a:r>
+              <a:rPr lang="nb-NO" dirty="0"/>
+              <a:t> semester </a:t>
+            </a:r>
+            <a:r>
+              <a:rPr lang="nb-NO" dirty="0" err="1"/>
+              <a:t>will</a:t>
+            </a:r>
+            <a:r>
+              <a:rPr lang="nb-NO" dirty="0"/>
+              <a:t> </a:t>
+            </a:r>
+            <a:r>
+              <a:rPr lang="nb-NO" dirty="0" err="1"/>
+              <a:t>then</a:t>
+            </a:r>
+            <a:r>
+              <a:rPr lang="nb-NO" dirty="0"/>
+              <a:t> be </a:t>
+            </a:r>
+            <a:r>
+              <a:rPr lang="nb-NO" dirty="0" err="1"/>
+              <a:t>on</a:t>
+            </a:r>
+            <a:r>
+              <a:rPr lang="nb-NO" dirty="0"/>
+              <a:t> </a:t>
+            </a:r>
+            <a:r>
+              <a:rPr lang="nb-NO" sz="3600" b="1" dirty="0"/>
+              <a:t>1.12.2022</a:t>
+            </a:r>
+            <a:endParaRPr lang="en-GB" b="1" dirty="0"/>
+          </a:p>
+        </p:txBody>
+      </p:sp>
+    </p:spTree>
+    <p:extLst>
+      <p:ext uri="{BB962C8B-B14F-4D97-AF65-F5344CB8AC3E}">
+        <p14:creationId xmlns:p14="http://schemas.microsoft.com/office/powerpoint/2010/main" val="1108506506"/>
+      </p:ext>
+    </p:extLst>
+  </p:cSld>
+  <p:clrMapOvr>
+    <a:masterClrMapping/>
+  </p:clrMapOvr>
+</p:sld>
+</file>
+
+<file path=ppt/slides/slide15.xml><?xml version="1.0" encoding="utf-8"?>
+<p:sld xmlns:a="http://schemas.openxmlformats.org/drawingml/2006/main" xmlns:r="http://schemas.openxmlformats.org/officeDocument/2006/relationships" xmlns:p="http://schemas.openxmlformats.org/presentationml/2006/main">
+  <p:cSld>
+    <p:spTree>
+      <p:nvGrpSpPr>
+        <p:cNvPr id="1" name=""/>
+        <p:cNvGrpSpPr/>
+        <p:nvPr/>
+      </p:nvGrpSpPr>
+      <p:grpSpPr>
+        <a:xfrm>
+          <a:off x="0" y="0"/>
+          <a:ext cx="0" cy="0"/>
+          <a:chOff x="0" y="0"/>
+          <a:chExt cx="0" cy="0"/>
+        </a:xfrm>
+      </p:grpSpPr>
+      <p:sp>
+        <p:nvSpPr>
+          <p:cNvPr id="2" name="Title 1">
+            <a:extLst>
+              <a:ext uri="{FF2B5EF4-FFF2-40B4-BE49-F238E27FC236}">
+                <a16:creationId xmlns:a16="http://schemas.microsoft.com/office/drawing/2014/main" id="{3B148894-1FBF-40C6-84CE-5E69EED8F2C0}"/>
+              </a:ext>
+            </a:extLst>
+          </p:cNvPr>
+          <p:cNvSpPr>
+            <a:spLocks noGrp="1"/>
+          </p:cNvSpPr>
+          <p:nvPr>
+            <p:ph type="title"/>
+          </p:nvPr>
+        </p:nvSpPr>
+        <p:spPr>
+          <a:xfrm>
+            <a:off x="709612" y="2599901"/>
+            <a:ext cx="10772775" cy="1658198"/>
+          </a:xfrm>
+        </p:spPr>
+        <p:txBody>
+          <a:bodyPr/>
+          <a:lstStyle/>
+          <a:p>
+            <a:r>
+              <a:rPr lang="nb-NO" dirty="0" err="1">
+                <a:solidFill>
+                  <a:schemeClr val="tx1"/>
+                </a:solidFill>
+              </a:rPr>
+              <a:t>When</a:t>
+            </a:r>
+            <a:r>
+              <a:rPr lang="nb-NO" dirty="0">
+                <a:solidFill>
+                  <a:schemeClr val="tx1"/>
+                </a:solidFill>
+              </a:rPr>
+              <a:t> to start up </a:t>
+            </a:r>
+            <a:r>
+              <a:rPr lang="nb-NO" dirty="0" err="1">
+                <a:solidFill>
+                  <a:schemeClr val="tx1"/>
+                </a:solidFill>
+              </a:rPr>
+              <a:t>next</a:t>
+            </a:r>
+            <a:r>
+              <a:rPr lang="nb-NO" dirty="0">
+                <a:solidFill>
+                  <a:schemeClr val="tx1"/>
+                </a:solidFill>
+              </a:rPr>
+              <a:t> semester?</a:t>
+            </a:r>
+            <a:endParaRPr lang="en-GB" dirty="0">
+              <a:solidFill>
+                <a:schemeClr val="tx1"/>
+              </a:solidFill>
+            </a:endParaRPr>
+          </a:p>
+        </p:txBody>
+      </p:sp>
+    </p:spTree>
+    <p:extLst>
+      <p:ext uri="{BB962C8B-B14F-4D97-AF65-F5344CB8AC3E}">
+        <p14:creationId xmlns:p14="http://schemas.microsoft.com/office/powerpoint/2010/main" val="3685417218"/>
+      </p:ext>
+    </p:extLst>
+  </p:cSld>
+  <p:clrMapOvr>
+    <a:masterClrMapping/>
+  </p:clrMapOvr>
+</p:sld>
+</file>
+
+<file path=ppt/slides/slide2.xml><?xml version="1.0" encoding="utf-8"?>
+<p:sld xmlns:a="http://schemas.openxmlformats.org/drawingml/2006/main" xmlns:r="http://schemas.openxmlformats.org/officeDocument/2006/relationships" xmlns:p="http://schemas.openxmlformats.org/presentationml/2006/main">
+  <p:cSld>
+    <p:spTree>
+      <p:nvGrpSpPr>
+        <p:cNvPr id="1" name=""/>
+        <p:cNvGrpSpPr/>
+        <p:nvPr/>
+      </p:nvGrpSpPr>
+      <p:grpSpPr>
+        <a:xfrm>
+          <a:off x="0" y="0"/>
+          <a:ext cx="0" cy="0"/>
+          <a:chOff x="0" y="0"/>
+          <a:chExt cx="0" cy="0"/>
+        </a:xfrm>
+      </p:grpSpPr>
+      <p:sp>
+        <p:nvSpPr>
+          <p:cNvPr id="2" name="Title 1">
+            <a:extLst>
+              <a:ext uri="{FF2B5EF4-FFF2-40B4-BE49-F238E27FC236}">
+                <a16:creationId xmlns:a16="http://schemas.microsoft.com/office/drawing/2014/main" id="{BC0DA141-5424-46C4-ACB1-4974D042573C}"/>
+              </a:ext>
+            </a:extLst>
+          </p:cNvPr>
+          <p:cNvSpPr>
+            <a:spLocks noGrp="1"/>
+          </p:cNvSpPr>
+          <p:nvPr>
+            <p:ph type="title"/>
+          </p:nvPr>
+        </p:nvSpPr>
+        <p:spPr/>
+        <p:txBody>
+          <a:bodyPr/>
+          <a:lstStyle/>
+          <a:p>
+            <a:r>
+              <a:rPr lang="nb-NO" dirty="0">
+                <a:solidFill>
+                  <a:schemeClr val="tx1"/>
+                </a:solidFill>
+              </a:rPr>
+              <a:t>Contents/</a:t>
+            </a:r>
+            <a:r>
+              <a:rPr lang="nb-NO" dirty="0" err="1">
+                <a:solidFill>
+                  <a:schemeClr val="tx1"/>
+                </a:solidFill>
+              </a:rPr>
+              <a:t>motivations</a:t>
+            </a:r>
+            <a:endParaRPr lang="en-GB" dirty="0">
+              <a:solidFill>
+                <a:schemeClr val="tx1"/>
+              </a:solidFill>
+            </a:endParaRPr>
+          </a:p>
+        </p:txBody>
+      </p:sp>
+      <p:sp>
+        <p:nvSpPr>
+          <p:cNvPr id="3" name="Content Placeholder 2">
+            <a:extLst>
+              <a:ext uri="{FF2B5EF4-FFF2-40B4-BE49-F238E27FC236}">
+                <a16:creationId xmlns:a16="http://schemas.microsoft.com/office/drawing/2014/main" id="{6F2B10CC-4B8C-41C3-A74A-91827D205A50}"/>
+              </a:ext>
+            </a:extLst>
+          </p:cNvPr>
+          <p:cNvSpPr>
+            <a:spLocks noGrp="1"/>
+          </p:cNvSpPr>
+          <p:nvPr>
+            <p:ph idx="1"/>
+          </p:nvPr>
+        </p:nvSpPr>
+        <p:spPr/>
+        <p:txBody>
+          <a:bodyPr/>
+          <a:lstStyle/>
+          <a:p>
+            <a:r>
+              <a:rPr lang="nb-NO" dirty="0"/>
+              <a:t>Second to last </a:t>
+            </a:r>
+            <a:r>
+              <a:rPr lang="nb-NO" dirty="0" err="1"/>
+              <a:t>meeting</a:t>
+            </a:r>
+            <a:r>
+              <a:rPr lang="nb-NO" dirty="0"/>
+              <a:t> </a:t>
+            </a:r>
+            <a:r>
+              <a:rPr lang="nb-NO" dirty="0" err="1"/>
+              <a:t>of</a:t>
+            </a:r>
+            <a:r>
+              <a:rPr lang="nb-NO" dirty="0"/>
+              <a:t> </a:t>
+            </a:r>
+            <a:r>
+              <a:rPr lang="nb-NO" dirty="0" err="1"/>
+              <a:t>the</a:t>
+            </a:r>
+            <a:r>
+              <a:rPr lang="nb-NO" dirty="0"/>
+              <a:t> semester</a:t>
+            </a:r>
+          </a:p>
+          <a:p>
+            <a:r>
+              <a:rPr lang="nb-NO" dirty="0"/>
+              <a:t>Status </a:t>
+            </a:r>
+            <a:r>
+              <a:rPr lang="nb-NO" dirty="0" err="1"/>
+              <a:t>update</a:t>
+            </a:r>
+            <a:endParaRPr lang="nb-NO" dirty="0"/>
+          </a:p>
+          <a:p>
+            <a:endParaRPr lang="en-GB" dirty="0"/>
+          </a:p>
+        </p:txBody>
+      </p:sp>
+    </p:spTree>
+    <p:extLst>
+      <p:ext uri="{BB962C8B-B14F-4D97-AF65-F5344CB8AC3E}">
+        <p14:creationId xmlns:p14="http://schemas.microsoft.com/office/powerpoint/2010/main" val="2505827935"/>
+      </p:ext>
+    </p:extLst>
+  </p:cSld>
+  <p:clrMapOvr>
+    <a:masterClrMapping/>
+  </p:clrMapOvr>
+</p:sld>
+</file>
+
+<file path=ppt/slides/slide3.xml><?xml version="1.0" encoding="utf-8"?>
+<p:sld xmlns:a="http://schemas.openxmlformats.org/drawingml/2006/main" xmlns:r="http://schemas.openxmlformats.org/officeDocument/2006/relationships" xmlns:p="http://schemas.openxmlformats.org/presentationml/2006/main">
+  <p:cSld>
+    <p:spTree>
+      <p:nvGrpSpPr>
+        <p:cNvPr id="1" name=""/>
+        <p:cNvGrpSpPr/>
+        <p:nvPr/>
+      </p:nvGrpSpPr>
+      <p:grpSpPr>
+        <a:xfrm>
+          <a:off x="0" y="0"/>
+          <a:ext cx="0" cy="0"/>
+          <a:chOff x="0" y="0"/>
+          <a:chExt cx="0" cy="0"/>
+        </a:xfrm>
+      </p:grpSpPr>
+      <p:sp>
+        <p:nvSpPr>
+          <p:cNvPr id="2" name="Title 1">
+            <a:extLst>
+              <a:ext uri="{FF2B5EF4-FFF2-40B4-BE49-F238E27FC236}">
+                <a16:creationId xmlns:a16="http://schemas.microsoft.com/office/drawing/2014/main" id="{E7B5AC05-0A0D-4605-B4E2-1C92DEEB4F3C}"/>
+              </a:ext>
+            </a:extLst>
+          </p:cNvPr>
+          <p:cNvSpPr>
+            <a:spLocks noGrp="1"/>
+          </p:cNvSpPr>
+          <p:nvPr>
+            <p:ph type="title"/>
+          </p:nvPr>
+        </p:nvSpPr>
+        <p:spPr/>
+        <p:txBody>
+          <a:bodyPr/>
+          <a:lstStyle/>
+          <a:p>
+            <a:r>
+              <a:rPr lang="nb-NO" dirty="0">
+                <a:solidFill>
+                  <a:schemeClr val="tx1"/>
+                </a:solidFill>
+              </a:rPr>
+              <a:t>Progress</a:t>
+            </a:r>
+            <a:endParaRPr lang="en-GB" dirty="0">
+              <a:solidFill>
+                <a:schemeClr val="tx1"/>
+              </a:solidFill>
+            </a:endParaRPr>
+          </a:p>
+        </p:txBody>
+      </p:sp>
+      <p:sp>
+        <p:nvSpPr>
+          <p:cNvPr id="3" name="Content Placeholder 2">
+            <a:extLst>
+              <a:ext uri="{FF2B5EF4-FFF2-40B4-BE49-F238E27FC236}">
+                <a16:creationId xmlns:a16="http://schemas.microsoft.com/office/drawing/2014/main" id="{F8AF6BE8-0F5C-47CF-8DE1-30743428E43D}"/>
+              </a:ext>
+            </a:extLst>
+          </p:cNvPr>
+          <p:cNvSpPr>
+            <a:spLocks noGrp="1"/>
+          </p:cNvSpPr>
+          <p:nvPr>
+            <p:ph idx="1"/>
+          </p:nvPr>
+        </p:nvSpPr>
+        <p:spPr/>
+        <p:txBody>
+          <a:bodyPr/>
+          <a:lstStyle/>
+          <a:p>
+            <a:r>
+              <a:rPr lang="nb-NO" dirty="0"/>
+              <a:t>~1000 lines </a:t>
+            </a:r>
+            <a:r>
+              <a:rPr lang="nb-NO" dirty="0" err="1"/>
+              <a:t>of</a:t>
+            </a:r>
+            <a:r>
+              <a:rPr lang="nb-NO" dirty="0"/>
+              <a:t> </a:t>
+            </a:r>
+            <a:r>
+              <a:rPr lang="nb-NO" dirty="0" err="1"/>
+              <a:t>code</a:t>
+            </a:r>
+            <a:r>
+              <a:rPr lang="nb-NO" dirty="0"/>
+              <a:t> has </a:t>
+            </a:r>
+            <a:r>
+              <a:rPr lang="nb-NO" dirty="0" err="1"/>
+              <a:t>been</a:t>
+            </a:r>
+            <a:r>
+              <a:rPr lang="nb-NO" dirty="0"/>
+              <a:t> </a:t>
+            </a:r>
+            <a:r>
+              <a:rPr lang="nb-NO" dirty="0" err="1"/>
+              <a:t>written</a:t>
+            </a:r>
+            <a:endParaRPr lang="nb-NO" dirty="0"/>
+          </a:p>
+          <a:p>
+            <a:r>
+              <a:rPr lang="en-GB" dirty="0"/>
+              <a:t>Many model runs have been done to test the model</a:t>
+            </a:r>
+          </a:p>
+          <a:p>
+            <a:pPr>
+              <a:buFont typeface="Wingdings" panose="05000000000000000000" pitchFamily="2" charset="2"/>
+              <a:buChar char="§"/>
+            </a:pPr>
+            <a:r>
+              <a:rPr lang="en-GB" dirty="0"/>
+              <a:t> </a:t>
+            </a:r>
+            <a:r>
+              <a:rPr lang="en-GB" dirty="0" err="1"/>
+              <a:t>Optuna</a:t>
+            </a:r>
+            <a:r>
+              <a:rPr lang="en-GB" dirty="0"/>
+              <a:t> is implemented</a:t>
+            </a:r>
+          </a:p>
+          <a:p>
+            <a:pPr>
+              <a:buFont typeface="Wingdings" panose="05000000000000000000" pitchFamily="2" charset="2"/>
+              <a:buChar char="§"/>
+            </a:pPr>
+            <a:r>
+              <a:rPr lang="en-GB" dirty="0"/>
+              <a:t> Multiple outputs have been implemented</a:t>
+            </a:r>
+          </a:p>
+          <a:p>
+            <a:pPr>
+              <a:buFont typeface="Wingdings" panose="05000000000000000000" pitchFamily="2" charset="2"/>
+              <a:buChar char="§"/>
+            </a:pPr>
+            <a:r>
+              <a:rPr lang="en-GB" dirty="0"/>
+              <a:t> Automatic model naming schemes and storing configs</a:t>
+            </a:r>
+          </a:p>
+          <a:p>
+            <a:pPr>
+              <a:buFont typeface="Wingdings" panose="05000000000000000000" pitchFamily="2" charset="2"/>
+              <a:buChar char="§"/>
+            </a:pPr>
+            <a:r>
+              <a:rPr lang="en-GB" dirty="0"/>
+              <a:t> Model overfits well to unprocessed seismic data</a:t>
+            </a:r>
+          </a:p>
+        </p:txBody>
+      </p:sp>
+    </p:spTree>
+    <p:extLst>
+      <p:ext uri="{BB962C8B-B14F-4D97-AF65-F5344CB8AC3E}">
+        <p14:creationId xmlns:p14="http://schemas.microsoft.com/office/powerpoint/2010/main" val="4189716457"/>
+      </p:ext>
+    </p:extLst>
+  </p:cSld>
+  <p:clrMapOvr>
+    <a:masterClrMapping/>
+  </p:clrMapOvr>
+</p:sld>
+</file>
+
+<file path=ppt/slides/slide4.xml><?xml version="1.0" encoding="utf-8"?>
+<p:sld xmlns:a="http://schemas.openxmlformats.org/drawingml/2006/main" xmlns:r="http://schemas.openxmlformats.org/officeDocument/2006/relationships" xmlns:p="http://schemas.openxmlformats.org/presentationml/2006/main">
+  <p:cSld>
+    <p:spTree>
+      <p:nvGrpSpPr>
+        <p:cNvPr id="1" name=""/>
+        <p:cNvGrpSpPr/>
+        <p:nvPr/>
+      </p:nvGrpSpPr>
+      <p:grpSpPr>
+        <a:xfrm>
+          <a:off x="0" y="0"/>
+          <a:ext cx="0" cy="0"/>
+          <a:chOff x="0" y="0"/>
+          <a:chExt cx="0" cy="0"/>
+        </a:xfrm>
+      </p:grpSpPr>
+      <p:sp>
+        <p:nvSpPr>
+          <p:cNvPr id="2" name="Title 1">
+            <a:extLst>
+              <a:ext uri="{FF2B5EF4-FFF2-40B4-BE49-F238E27FC236}">
+                <a16:creationId xmlns:a16="http://schemas.microsoft.com/office/drawing/2014/main" id="{1AAC4FEF-EFFB-4F0D-8ACE-07E88FE402DF}"/>
+              </a:ext>
+            </a:extLst>
+          </p:cNvPr>
+          <p:cNvSpPr>
+            <a:spLocks noGrp="1"/>
+          </p:cNvSpPr>
+          <p:nvPr>
+            <p:ph type="title"/>
+          </p:nvPr>
+        </p:nvSpPr>
+        <p:spPr/>
+        <p:txBody>
+          <a:bodyPr/>
+          <a:lstStyle/>
+          <a:p>
+            <a:r>
+              <a:rPr lang="nb-NO" dirty="0">
+                <a:solidFill>
+                  <a:schemeClr val="tx1"/>
+                </a:solidFill>
+              </a:rPr>
+              <a:t>Architectures</a:t>
+            </a:r>
+            <a:endParaRPr lang="en-GB" dirty="0">
+              <a:solidFill>
+                <a:schemeClr val="tx1"/>
+              </a:solidFill>
+            </a:endParaRPr>
+          </a:p>
+        </p:txBody>
+      </p:sp>
+      <p:sp>
+        <p:nvSpPr>
+          <p:cNvPr id="3" name="Content Placeholder 2">
+            <a:extLst>
+              <a:ext uri="{FF2B5EF4-FFF2-40B4-BE49-F238E27FC236}">
+                <a16:creationId xmlns:a16="http://schemas.microsoft.com/office/drawing/2014/main" id="{C253D301-4793-4132-9D99-30D62BC6DE4E}"/>
+              </a:ext>
+            </a:extLst>
+          </p:cNvPr>
+          <p:cNvSpPr>
+            <a:spLocks noGrp="1"/>
+          </p:cNvSpPr>
+          <p:nvPr>
+            <p:ph idx="1"/>
+          </p:nvPr>
+        </p:nvSpPr>
+        <p:spPr/>
+        <p:txBody>
+          <a:bodyPr/>
+          <a:lstStyle/>
+          <a:p>
+            <a:r>
+              <a:rPr lang="nb-NO" dirty="0"/>
+              <a:t>I </a:t>
+            </a:r>
+            <a:r>
+              <a:rPr lang="nb-NO" dirty="0" err="1"/>
+              <a:t>think</a:t>
+            </a:r>
+            <a:r>
+              <a:rPr lang="nb-NO" dirty="0"/>
+              <a:t> it is </a:t>
+            </a:r>
+            <a:r>
+              <a:rPr lang="nb-NO" dirty="0" err="1"/>
+              <a:t>reasonable</a:t>
+            </a:r>
+            <a:r>
+              <a:rPr lang="nb-NO" dirty="0"/>
+              <a:t> to </a:t>
+            </a:r>
+            <a:r>
+              <a:rPr lang="nb-NO" dirty="0" err="1"/>
+              <a:t>only</a:t>
+            </a:r>
+            <a:r>
+              <a:rPr lang="nb-NO" dirty="0"/>
+              <a:t> </a:t>
+            </a:r>
+            <a:r>
+              <a:rPr lang="nb-NO" dirty="0" err="1"/>
+              <a:t>focus</a:t>
+            </a:r>
+            <a:r>
+              <a:rPr lang="nb-NO" dirty="0"/>
+              <a:t> </a:t>
+            </a:r>
+            <a:r>
+              <a:rPr lang="nb-NO" dirty="0" err="1"/>
+              <a:t>on</a:t>
+            </a:r>
+            <a:r>
+              <a:rPr lang="nb-NO" dirty="0"/>
+              <a:t> TCN</a:t>
+            </a:r>
+          </a:p>
+          <a:p>
+            <a:endParaRPr lang="nb-NO" dirty="0"/>
+          </a:p>
+          <a:p>
+            <a:r>
+              <a:rPr lang="nb-NO" dirty="0" err="1"/>
+              <a:t>Possible</a:t>
+            </a:r>
+            <a:r>
+              <a:rPr lang="nb-NO" dirty="0"/>
+              <a:t> to make </a:t>
+            </a:r>
+            <a:r>
+              <a:rPr lang="nb-NO" dirty="0" err="1"/>
+              <a:t>reference</a:t>
+            </a:r>
+            <a:r>
+              <a:rPr lang="nb-NO" dirty="0"/>
+              <a:t> to </a:t>
+            </a:r>
+            <a:r>
+              <a:rPr lang="nb-NO" dirty="0" err="1"/>
+              <a:t>publications</a:t>
+            </a:r>
+            <a:r>
+              <a:rPr lang="nb-NO" dirty="0"/>
+              <a:t> by Mustafa</a:t>
+            </a:r>
+          </a:p>
+          <a:p>
+            <a:endParaRPr lang="nb-NO" dirty="0"/>
+          </a:p>
+          <a:p>
+            <a:r>
+              <a:rPr lang="nb-NO" dirty="0"/>
+              <a:t>LSTM; </a:t>
+            </a:r>
+            <a:r>
+              <a:rPr lang="nb-NO" dirty="0" err="1"/>
+              <a:t>audio</a:t>
+            </a:r>
+            <a:r>
+              <a:rPr lang="nb-NO" dirty="0"/>
+              <a:t>, CNN; image</a:t>
+            </a:r>
+          </a:p>
+          <a:p>
+            <a:r>
+              <a:rPr lang="nb-NO" dirty="0" err="1"/>
+              <a:t>Seismic</a:t>
+            </a:r>
+            <a:r>
+              <a:rPr lang="nb-NO" dirty="0"/>
+              <a:t> === </a:t>
+            </a:r>
+            <a:r>
+              <a:rPr lang="nb-NO" dirty="0" err="1"/>
+              <a:t>Audio</a:t>
+            </a:r>
+            <a:r>
+              <a:rPr lang="nb-NO" dirty="0"/>
+              <a:t> image</a:t>
+            </a:r>
+            <a:endParaRPr lang="en-GB" dirty="0"/>
+          </a:p>
+        </p:txBody>
+      </p:sp>
+    </p:spTree>
+    <p:extLst>
+      <p:ext uri="{BB962C8B-B14F-4D97-AF65-F5344CB8AC3E}">
+        <p14:creationId xmlns:p14="http://schemas.microsoft.com/office/powerpoint/2010/main" val="4237242111"/>
+      </p:ext>
+    </p:extLst>
+  </p:cSld>
+  <p:clrMapOvr>
+    <a:masterClrMapping/>
+  </p:clrMapOvr>
+</p:sld>
+</file>
+
+<file path=ppt/slides/slide5.xml><?xml version="1.0" encoding="utf-8"?>
+<p:sld xmlns:a="http://schemas.openxmlformats.org/drawingml/2006/main" xmlns:r="http://schemas.openxmlformats.org/officeDocument/2006/relationships" xmlns:p="http://schemas.openxmlformats.org/presentationml/2006/main">
+  <p:cSld>
+    <p:spTree>
+      <p:nvGrpSpPr>
+        <p:cNvPr id="1" name=""/>
+        <p:cNvGrpSpPr/>
+        <p:nvPr/>
+      </p:nvGrpSpPr>
+      <p:grpSpPr>
+        <a:xfrm>
+          <a:off x="0" y="0"/>
+          <a:ext cx="0" cy="0"/>
+          <a:chOff x="0" y="0"/>
+          <a:chExt cx="0" cy="0"/>
+        </a:xfrm>
+      </p:grpSpPr>
+      <p:sp>
+        <p:nvSpPr>
+          <p:cNvPr id="2" name="Title 1">
+            <a:extLst>
+              <a:ext uri="{FF2B5EF4-FFF2-40B4-BE49-F238E27FC236}">
+                <a16:creationId xmlns:a16="http://schemas.microsoft.com/office/drawing/2014/main" id="{14E5B637-EFB1-485A-93FD-B96132C74F77}"/>
+              </a:ext>
+            </a:extLst>
+          </p:cNvPr>
+          <p:cNvSpPr>
+            <a:spLocks noGrp="1"/>
+          </p:cNvSpPr>
+          <p:nvPr>
+            <p:ph type="title"/>
+          </p:nvPr>
+        </p:nvSpPr>
+        <p:spPr/>
+        <p:txBody>
+          <a:bodyPr/>
+          <a:lstStyle/>
+          <a:p>
+            <a:r>
+              <a:rPr lang="nb-NO" dirty="0">
+                <a:solidFill>
+                  <a:schemeClr val="tx1"/>
+                </a:solidFill>
+              </a:rPr>
+              <a:t>Folder </a:t>
+            </a:r>
+            <a:r>
+              <a:rPr lang="nb-NO" dirty="0" err="1">
+                <a:solidFill>
+                  <a:schemeClr val="tx1"/>
+                </a:solidFill>
+              </a:rPr>
+              <a:t>structure</a:t>
+            </a:r>
+            <a:endParaRPr lang="en-GB" dirty="0">
+              <a:solidFill>
+                <a:schemeClr val="tx1"/>
+              </a:solidFill>
+            </a:endParaRPr>
+          </a:p>
+        </p:txBody>
+      </p:sp>
+      <p:sp>
+        <p:nvSpPr>
+          <p:cNvPr id="3" name="Content Placeholder 2">
+            <a:extLst>
+              <a:ext uri="{FF2B5EF4-FFF2-40B4-BE49-F238E27FC236}">
+                <a16:creationId xmlns:a16="http://schemas.microsoft.com/office/drawing/2014/main" id="{970C01B7-A266-4D0B-9A43-EEEEC42279A0}"/>
+              </a:ext>
+            </a:extLst>
+          </p:cNvPr>
+          <p:cNvSpPr>
+            <a:spLocks noGrp="1"/>
+          </p:cNvSpPr>
+          <p:nvPr>
+            <p:ph idx="1"/>
+          </p:nvPr>
+        </p:nvSpPr>
+        <p:spPr/>
+        <p:txBody>
+          <a:bodyPr/>
+          <a:lstStyle/>
+          <a:p>
+            <a:r>
+              <a:rPr lang="nb-NO" dirty="0" err="1"/>
+              <a:t>Tree</a:t>
+            </a:r>
+            <a:r>
+              <a:rPr lang="nb-NO" dirty="0"/>
+              <a:t> letters </a:t>
+            </a:r>
+            <a:r>
+              <a:rPr lang="nb-NO" dirty="0" err="1"/>
+              <a:t>denoting</a:t>
+            </a:r>
+            <a:r>
+              <a:rPr lang="nb-NO" dirty="0"/>
+              <a:t> </a:t>
+            </a:r>
+            <a:r>
+              <a:rPr lang="nb-NO" b="1" dirty="0" err="1"/>
+              <a:t>group</a:t>
+            </a:r>
+            <a:r>
+              <a:rPr lang="nb-NO" b="1" dirty="0"/>
+              <a:t> </a:t>
+            </a:r>
+            <a:r>
+              <a:rPr lang="nb-NO" b="1" dirty="0" err="1"/>
+              <a:t>name</a:t>
+            </a:r>
+            <a:endParaRPr lang="nb-NO" b="1" dirty="0"/>
+          </a:p>
+          <a:p>
+            <a:r>
+              <a:rPr lang="nb-NO" dirty="0"/>
+              <a:t>Total 26^3 = 17 576 combinations</a:t>
+            </a:r>
+          </a:p>
+          <a:p>
+            <a:endParaRPr lang="nb-NO" dirty="0"/>
+          </a:p>
+          <a:p>
+            <a:r>
+              <a:rPr lang="nb-NO" dirty="0"/>
+              <a:t>Models </a:t>
+            </a:r>
+            <a:r>
+              <a:rPr lang="nb-NO" dirty="0" err="1"/>
+              <a:t>are</a:t>
+            </a:r>
+            <a:r>
+              <a:rPr lang="nb-NO" dirty="0"/>
+              <a:t> given a </a:t>
+            </a:r>
+            <a:r>
+              <a:rPr lang="nb-NO" dirty="0" err="1"/>
+              <a:t>number</a:t>
+            </a:r>
+            <a:r>
+              <a:rPr lang="nb-NO" dirty="0"/>
+              <a:t> </a:t>
+            </a:r>
+            <a:r>
+              <a:rPr lang="nb-NO" dirty="0" err="1"/>
+              <a:t>starting</a:t>
+            </a:r>
+            <a:r>
+              <a:rPr lang="nb-NO" dirty="0"/>
+              <a:t> at 0</a:t>
+            </a:r>
+          </a:p>
+          <a:p>
+            <a:endParaRPr lang="nb-NO" dirty="0"/>
+          </a:p>
+          <a:p>
+            <a:r>
+              <a:rPr lang="nb-NO" dirty="0"/>
+              <a:t>A </a:t>
+            </a:r>
+            <a:r>
+              <a:rPr lang="nb-NO" dirty="0" err="1"/>
+              <a:t>model</a:t>
+            </a:r>
+            <a:r>
+              <a:rPr lang="nb-NO" dirty="0"/>
+              <a:t> </a:t>
+            </a:r>
+            <a:r>
+              <a:rPr lang="nb-NO" dirty="0" err="1"/>
+              <a:t>name</a:t>
+            </a:r>
+            <a:r>
+              <a:rPr lang="nb-NO" dirty="0"/>
+              <a:t> </a:t>
+            </a:r>
+            <a:r>
+              <a:rPr lang="nb-NO" dirty="0" err="1"/>
+              <a:t>will</a:t>
+            </a:r>
+            <a:r>
+              <a:rPr lang="nb-NO" dirty="0"/>
+              <a:t> </a:t>
+            </a:r>
+            <a:r>
+              <a:rPr lang="nb-NO" dirty="0" err="1"/>
+              <a:t>then</a:t>
+            </a:r>
+            <a:r>
+              <a:rPr lang="nb-NO" dirty="0"/>
+              <a:t> be </a:t>
+            </a:r>
+            <a:r>
+              <a:rPr lang="nb-NO" dirty="0" err="1"/>
+              <a:t>Groupname</a:t>
+            </a:r>
+            <a:r>
+              <a:rPr lang="nb-NO" dirty="0"/>
+              <a:t> / </a:t>
+            </a:r>
+            <a:r>
+              <a:rPr lang="nb-NO" dirty="0" err="1"/>
+              <a:t>Modelnumber</a:t>
+            </a:r>
+            <a:endParaRPr lang="en-GB" dirty="0"/>
+          </a:p>
+        </p:txBody>
+      </p:sp>
+      <p:pic>
+        <p:nvPicPr>
+          <p:cNvPr id="9" name="Picture 8">
+            <a:extLst>
+              <a:ext uri="{FF2B5EF4-FFF2-40B4-BE49-F238E27FC236}">
+                <a16:creationId xmlns:a16="http://schemas.microsoft.com/office/drawing/2014/main" id="{1446C5D3-5B1A-481D-A554-0D46DC8EF574}"/>
+              </a:ext>
+            </a:extLst>
+          </p:cNvPr>
+          <p:cNvPicPr>
+            <a:picLocks noChangeAspect="1"/>
+          </p:cNvPicPr>
+          <p:nvPr/>
+        </p:nvPicPr>
+        <p:blipFill>
+          <a:blip r:embed="rId2"/>
+          <a:stretch>
+            <a:fillRect/>
+          </a:stretch>
+        </p:blipFill>
+        <p:spPr>
+          <a:xfrm>
+            <a:off x="8236491" y="1852612"/>
+            <a:ext cx="3695700" cy="3152775"/>
+          </a:xfrm>
+          <a:prstGeom prst="rect">
+            <a:avLst/>
+          </a:prstGeom>
+        </p:spPr>
+      </p:pic>
+    </p:spTree>
+    <p:extLst>
+      <p:ext uri="{BB962C8B-B14F-4D97-AF65-F5344CB8AC3E}">
+        <p14:creationId xmlns:p14="http://schemas.microsoft.com/office/powerpoint/2010/main" val="873877308"/>
+      </p:ext>
+    </p:extLst>
+  </p:cSld>
+  <p:clrMapOvr>
+    <a:masterClrMapping/>
+  </p:clrMapOvr>
+</p:sld>
+</file>
+
+<file path=ppt/slides/slide6.xml><?xml version="1.0" encoding="utf-8"?>
+<p:sld xmlns:a="http://schemas.openxmlformats.org/drawingml/2006/main" xmlns:r="http://schemas.openxmlformats.org/officeDocument/2006/relationships" xmlns:p="http://schemas.openxmlformats.org/presentationml/2006/main">
+  <p:cSld>
+    <p:spTree>
+      <p:nvGrpSpPr>
+        <p:cNvPr id="1" name=""/>
+        <p:cNvGrpSpPr/>
+        <p:nvPr/>
+      </p:nvGrpSpPr>
+      <p:grpSpPr>
+        <a:xfrm>
+          <a:off x="0" y="0"/>
+          <a:ext cx="0" cy="0"/>
+          <a:chOff x="0" y="0"/>
+          <a:chExt cx="0" cy="0"/>
+        </a:xfrm>
+      </p:grpSpPr>
+      <p:sp>
+        <p:nvSpPr>
+          <p:cNvPr id="2" name="Title 1">
+            <a:extLst>
+              <a:ext uri="{FF2B5EF4-FFF2-40B4-BE49-F238E27FC236}">
+                <a16:creationId xmlns:a16="http://schemas.microsoft.com/office/drawing/2014/main" id="{D49D0B6E-3D07-4C7C-99BB-FE4BA517C483}"/>
+              </a:ext>
+            </a:extLst>
+          </p:cNvPr>
+          <p:cNvSpPr>
+            <a:spLocks noGrp="1"/>
+          </p:cNvSpPr>
+          <p:nvPr>
+            <p:ph type="title"/>
+          </p:nvPr>
+        </p:nvSpPr>
+        <p:spPr/>
+        <p:txBody>
+          <a:bodyPr/>
+          <a:lstStyle/>
+          <a:p>
+            <a:r>
+              <a:rPr lang="nb-NO" dirty="0">
+                <a:solidFill>
+                  <a:schemeClr val="tx1"/>
+                </a:solidFill>
+              </a:rPr>
+              <a:t>Model </a:t>
+            </a:r>
+            <a:r>
+              <a:rPr lang="nb-NO" dirty="0" err="1">
+                <a:solidFill>
+                  <a:schemeClr val="tx1"/>
+                </a:solidFill>
+              </a:rPr>
+              <a:t>configs</a:t>
+            </a:r>
+            <a:endParaRPr lang="en-GB" dirty="0">
+              <a:solidFill>
+                <a:schemeClr val="tx1"/>
+              </a:solidFill>
+            </a:endParaRPr>
+          </a:p>
+        </p:txBody>
+      </p:sp>
+      <p:sp>
+        <p:nvSpPr>
+          <p:cNvPr id="3" name="Content Placeholder 2">
+            <a:extLst>
+              <a:ext uri="{FF2B5EF4-FFF2-40B4-BE49-F238E27FC236}">
+                <a16:creationId xmlns:a16="http://schemas.microsoft.com/office/drawing/2014/main" id="{3FA04A3F-FAD4-4221-B898-49AA0B68DF18}"/>
+              </a:ext>
+            </a:extLst>
+          </p:cNvPr>
+          <p:cNvSpPr>
+            <a:spLocks noGrp="1"/>
+          </p:cNvSpPr>
+          <p:nvPr>
+            <p:ph idx="1"/>
+          </p:nvPr>
+        </p:nvSpPr>
+        <p:spPr>
+          <a:xfrm>
+            <a:off x="676656" y="2011680"/>
+            <a:ext cx="5743599" cy="3766185"/>
+          </a:xfrm>
+        </p:spPr>
+        <p:txBody>
+          <a:bodyPr>
+            <a:normAutofit lnSpcReduction="10000"/>
+          </a:bodyPr>
+          <a:lstStyle/>
+          <a:p>
+            <a:r>
+              <a:rPr lang="nb-NO" dirty="0" err="1"/>
+              <a:t>These</a:t>
+            </a:r>
+            <a:r>
+              <a:rPr lang="nb-NO" dirty="0"/>
+              <a:t> </a:t>
+            </a:r>
+            <a:r>
+              <a:rPr lang="nb-NO" dirty="0" err="1"/>
+              <a:t>are</a:t>
+            </a:r>
+            <a:r>
+              <a:rPr lang="nb-NO" dirty="0"/>
+              <a:t> </a:t>
+            </a:r>
+            <a:r>
+              <a:rPr lang="nb-NO" dirty="0" err="1"/>
+              <a:t>saved</a:t>
+            </a:r>
+            <a:r>
+              <a:rPr lang="nb-NO" dirty="0"/>
+              <a:t> in </a:t>
+            </a:r>
+            <a:r>
+              <a:rPr lang="nb-NO" dirty="0" err="1"/>
+              <a:t>the</a:t>
+            </a:r>
+            <a:r>
+              <a:rPr lang="nb-NO" dirty="0"/>
+              <a:t> .</a:t>
+            </a:r>
+            <a:r>
+              <a:rPr lang="nb-NO" dirty="0" err="1"/>
+              <a:t>json</a:t>
+            </a:r>
+            <a:r>
+              <a:rPr lang="nb-NO" dirty="0"/>
+              <a:t> file</a:t>
+            </a:r>
+          </a:p>
+          <a:p>
+            <a:endParaRPr lang="nb-NO" dirty="0"/>
+          </a:p>
+          <a:p>
+            <a:r>
+              <a:rPr lang="nb-NO" dirty="0" err="1"/>
+              <a:t>These</a:t>
+            </a:r>
+            <a:r>
+              <a:rPr lang="nb-NO" dirty="0"/>
+              <a:t> parameters </a:t>
+            </a:r>
+            <a:r>
+              <a:rPr lang="nb-NO" dirty="0" err="1"/>
+              <a:t>get</a:t>
+            </a:r>
+            <a:r>
+              <a:rPr lang="nb-NO" dirty="0"/>
+              <a:t> </a:t>
+            </a:r>
+            <a:r>
+              <a:rPr lang="nb-NO" dirty="0" err="1"/>
+              <a:t>tweaked</a:t>
+            </a:r>
+            <a:r>
+              <a:rPr lang="nb-NO" dirty="0"/>
+              <a:t> by </a:t>
+            </a:r>
+            <a:r>
+              <a:rPr lang="nb-NO" dirty="0" err="1"/>
+              <a:t>optuna</a:t>
+            </a:r>
+            <a:r>
+              <a:rPr lang="nb-NO" dirty="0"/>
+              <a:t>, so I save </a:t>
+            </a:r>
+            <a:r>
+              <a:rPr lang="nb-NO" dirty="0" err="1"/>
+              <a:t>them</a:t>
+            </a:r>
+            <a:r>
+              <a:rPr lang="nb-NO" dirty="0"/>
+              <a:t> to be </a:t>
+            </a:r>
+            <a:r>
+              <a:rPr lang="nb-NO" dirty="0" err="1"/>
+              <a:t>able</a:t>
+            </a:r>
+            <a:r>
+              <a:rPr lang="nb-NO" dirty="0"/>
+              <a:t> to </a:t>
+            </a:r>
+            <a:r>
+              <a:rPr lang="nb-NO" dirty="0" err="1"/>
+              <a:t>compare</a:t>
+            </a:r>
+            <a:r>
+              <a:rPr lang="nb-NO" dirty="0"/>
+              <a:t> </a:t>
+            </a:r>
+            <a:r>
+              <a:rPr lang="nb-NO" dirty="0" err="1"/>
+              <a:t>what</a:t>
+            </a:r>
+            <a:r>
+              <a:rPr lang="nb-NO" dirty="0"/>
+              <a:t> </a:t>
+            </a:r>
+            <a:r>
+              <a:rPr lang="nb-NO" dirty="0" err="1"/>
+              <a:t>the</a:t>
+            </a:r>
+            <a:r>
+              <a:rPr lang="nb-NO" dirty="0"/>
+              <a:t> </a:t>
+            </a:r>
+            <a:r>
+              <a:rPr lang="nb-NO" dirty="0" err="1"/>
+              <a:t>good</a:t>
+            </a:r>
+            <a:r>
+              <a:rPr lang="nb-NO" dirty="0"/>
+              <a:t> </a:t>
+            </a:r>
+            <a:r>
+              <a:rPr lang="nb-NO" dirty="0" err="1"/>
+              <a:t>performing</a:t>
+            </a:r>
+            <a:r>
+              <a:rPr lang="nb-NO" dirty="0"/>
+              <a:t> </a:t>
+            </a:r>
+            <a:r>
+              <a:rPr lang="nb-NO" dirty="0" err="1"/>
+              <a:t>models</a:t>
+            </a:r>
+            <a:r>
+              <a:rPr lang="nb-NO" dirty="0"/>
+              <a:t> have in </a:t>
+            </a:r>
+            <a:r>
+              <a:rPr lang="nb-NO" dirty="0" err="1"/>
+              <a:t>common</a:t>
+            </a:r>
+            <a:endParaRPr lang="nb-NO" dirty="0"/>
+          </a:p>
+          <a:p>
+            <a:endParaRPr lang="nb-NO" dirty="0"/>
+          </a:p>
+          <a:p>
+            <a:r>
+              <a:rPr lang="nb-NO" dirty="0"/>
+              <a:t>Planning to </a:t>
+            </a:r>
+            <a:r>
+              <a:rPr lang="nb-NO" dirty="0" err="1"/>
+              <a:t>add</a:t>
+            </a:r>
+            <a:r>
+              <a:rPr lang="nb-NO" dirty="0"/>
+              <a:t> ‘</a:t>
+            </a:r>
+            <a:r>
+              <a:rPr lang="nb-NO" dirty="0" err="1"/>
+              <a:t>feat_aug_dataset</a:t>
+            </a:r>
+            <a:r>
+              <a:rPr lang="nb-NO" dirty="0"/>
+              <a:t>’ to have </a:t>
+            </a:r>
+            <a:r>
+              <a:rPr lang="nb-NO" dirty="0" err="1"/>
+              <a:t>optuna</a:t>
+            </a:r>
+            <a:r>
+              <a:rPr lang="nb-NO" dirty="0"/>
+              <a:t> </a:t>
+            </a:r>
+            <a:r>
+              <a:rPr lang="nb-NO" dirty="0" err="1"/>
+              <a:t>decide</a:t>
+            </a:r>
+            <a:r>
+              <a:rPr lang="nb-NO" dirty="0"/>
+              <a:t> </a:t>
+            </a:r>
+            <a:r>
+              <a:rPr lang="nb-NO" dirty="0" err="1"/>
+              <a:t>what</a:t>
+            </a:r>
+            <a:r>
+              <a:rPr lang="nb-NO" dirty="0"/>
+              <a:t> </a:t>
+            </a:r>
+            <a:r>
+              <a:rPr lang="nb-NO" dirty="0" err="1"/>
+              <a:t>additional</a:t>
+            </a:r>
+            <a:r>
+              <a:rPr lang="nb-NO" dirty="0"/>
+              <a:t> data </a:t>
+            </a:r>
+            <a:r>
+              <a:rPr lang="nb-NO" dirty="0" err="1"/>
+              <a:t>preprocessing</a:t>
+            </a:r>
+            <a:r>
+              <a:rPr lang="nb-NO" dirty="0"/>
+              <a:t> is </a:t>
+            </a:r>
+            <a:r>
+              <a:rPr lang="nb-NO" dirty="0" err="1"/>
+              <a:t>preferable</a:t>
+            </a:r>
+            <a:endParaRPr lang="en-GB" dirty="0"/>
+          </a:p>
+        </p:txBody>
+      </p:sp>
+      <p:pic>
+        <p:nvPicPr>
+          <p:cNvPr id="5" name="Picture 4">
+            <a:extLst>
+              <a:ext uri="{FF2B5EF4-FFF2-40B4-BE49-F238E27FC236}">
+                <a16:creationId xmlns:a16="http://schemas.microsoft.com/office/drawing/2014/main" id="{81C685BA-F863-43CF-9939-1BC0386BC08A}"/>
+              </a:ext>
+            </a:extLst>
+          </p:cNvPr>
+          <p:cNvPicPr>
+            <a:picLocks noChangeAspect="1"/>
+          </p:cNvPicPr>
+          <p:nvPr/>
+        </p:nvPicPr>
+        <p:blipFill>
+          <a:blip r:embed="rId2"/>
+          <a:stretch>
+            <a:fillRect/>
+          </a:stretch>
+        </p:blipFill>
+        <p:spPr>
+          <a:xfrm>
+            <a:off x="7135542" y="1453515"/>
+            <a:ext cx="3990975" cy="4324350"/>
+          </a:xfrm>
+          <a:prstGeom prst="rect">
+            <a:avLst/>
+          </a:prstGeom>
+        </p:spPr>
+      </p:pic>
+    </p:spTree>
+    <p:extLst>
+      <p:ext uri="{BB962C8B-B14F-4D97-AF65-F5344CB8AC3E}">
+        <p14:creationId xmlns:p14="http://schemas.microsoft.com/office/powerpoint/2010/main" val="3208444305"/>
+      </p:ext>
+    </p:extLst>
+  </p:cSld>
+  <p:clrMapOvr>
+    <a:masterClrMapping/>
+  </p:clrMapOvr>
+</p:sld>
+</file>
+
+<file path=ppt/slides/slide7.xml><?xml version="1.0" encoding="utf-8"?>
+<p:sld xmlns:a="http://schemas.openxmlformats.org/drawingml/2006/main" xmlns:r="http://schemas.openxmlformats.org/officeDocument/2006/relationships" xmlns:p="http://schemas.openxmlformats.org/presentationml/2006/main">
+  <p:cSld>
+    <p:spTree>
+      <p:nvGrpSpPr>
+        <p:cNvPr id="1" name=""/>
+        <p:cNvGrpSpPr/>
+        <p:nvPr/>
+      </p:nvGrpSpPr>
+      <p:grpSpPr>
+        <a:xfrm>
+          <a:off x="0" y="0"/>
+          <a:ext cx="0" cy="0"/>
+          <a:chOff x="0" y="0"/>
+          <a:chExt cx="0" cy="0"/>
+        </a:xfrm>
+      </p:grpSpPr>
+      <p:sp>
+        <p:nvSpPr>
+          <p:cNvPr id="2" name="Title 1">
+            <a:extLst>
+              <a:ext uri="{FF2B5EF4-FFF2-40B4-BE49-F238E27FC236}">
+                <a16:creationId xmlns:a16="http://schemas.microsoft.com/office/drawing/2014/main" id="{627BF425-BA66-4C92-93AF-D351F8D6410E}"/>
+              </a:ext>
+            </a:extLst>
+          </p:cNvPr>
+          <p:cNvSpPr>
+            <a:spLocks noGrp="1"/>
+          </p:cNvSpPr>
+          <p:nvPr>
+            <p:ph type="title"/>
+          </p:nvPr>
+        </p:nvSpPr>
+        <p:spPr/>
+        <p:txBody>
+          <a:bodyPr/>
+          <a:lstStyle/>
+          <a:p>
+            <a:r>
+              <a:rPr lang="nb-NO" dirty="0" err="1">
+                <a:solidFill>
+                  <a:schemeClr val="tx1"/>
+                </a:solidFill>
+              </a:rPr>
+              <a:t>Reconstruction</a:t>
+            </a:r>
+            <a:endParaRPr lang="en-GB" dirty="0">
+              <a:solidFill>
+                <a:schemeClr val="tx1"/>
+              </a:solidFill>
+            </a:endParaRPr>
+          </a:p>
+        </p:txBody>
+      </p:sp>
+      <p:pic>
+        <p:nvPicPr>
+          <p:cNvPr id="5" name="Content Placeholder 4" descr="A picture containing blue&#10;&#10;Description automatically generated">
+            <a:extLst>
+              <a:ext uri="{FF2B5EF4-FFF2-40B4-BE49-F238E27FC236}">
+                <a16:creationId xmlns:a16="http://schemas.microsoft.com/office/drawing/2014/main" id="{154A3C1F-4C64-47CA-80FF-4E89DDA7845F}"/>
+              </a:ext>
+            </a:extLst>
+          </p:cNvPr>
+          <p:cNvPicPr>
+            <a:picLocks noGrp="1" noChangeAspect="1"/>
+          </p:cNvPicPr>
+          <p:nvPr>
+            <p:ph idx="1"/>
+          </p:nvPr>
+        </p:nvPicPr>
+        <p:blipFill>
+          <a:blip r:embed="rId2">
+            <a:extLst>
+              <a:ext uri="{28A0092B-C50C-407E-A947-70E740481C1C}">
+                <a14:useLocalDpi xmlns:a14="http://schemas.microsoft.com/office/drawing/2010/main" val="0"/>
+              </a:ext>
+            </a:extLst>
+          </a:blip>
+          <a:stretch>
+            <a:fillRect/>
+          </a:stretch>
+        </p:blipFill>
+        <p:spPr>
+          <a:xfrm>
+            <a:off x="1211296" y="2314964"/>
+            <a:ext cx="4438650" cy="3333750"/>
+          </a:xfrm>
+        </p:spPr>
+      </p:pic>
+      <p:pic>
+        <p:nvPicPr>
+          <p:cNvPr id="7" name="Picture 6" descr="A picture containing blue, painted, fabric&#10;&#10;Description automatically generated">
+            <a:extLst>
+              <a:ext uri="{FF2B5EF4-FFF2-40B4-BE49-F238E27FC236}">
+                <a16:creationId xmlns:a16="http://schemas.microsoft.com/office/drawing/2014/main" id="{73A19980-46F4-458B-BF53-91409671D19F}"/>
+              </a:ext>
+            </a:extLst>
+          </p:cNvPr>
+          <p:cNvPicPr>
+            <a:picLocks noChangeAspect="1"/>
+          </p:cNvPicPr>
+          <p:nvPr/>
+        </p:nvPicPr>
+        <p:blipFill>
+          <a:blip r:embed="rId3">
+            <a:extLst>
+              <a:ext uri="{28A0092B-C50C-407E-A947-70E740481C1C}">
+                <a14:useLocalDpi xmlns:a14="http://schemas.microsoft.com/office/drawing/2010/main" val="0"/>
+              </a:ext>
+            </a:extLst>
+          </a:blip>
+          <a:stretch>
+            <a:fillRect/>
+          </a:stretch>
+        </p:blipFill>
+        <p:spPr>
+          <a:xfrm>
+            <a:off x="6405867" y="2314964"/>
+            <a:ext cx="4438650" cy="3333750"/>
+          </a:xfrm>
+          <a:prstGeom prst="rect">
+            <a:avLst/>
+          </a:prstGeom>
+        </p:spPr>
+      </p:pic>
+    </p:spTree>
+    <p:extLst>
+      <p:ext uri="{BB962C8B-B14F-4D97-AF65-F5344CB8AC3E}">
+        <p14:creationId xmlns:p14="http://schemas.microsoft.com/office/powerpoint/2010/main" val="218628252"/>
+      </p:ext>
+    </p:extLst>
+  </p:cSld>
+  <p:clrMapOvr>
+    <a:masterClrMapping/>
+  </p:clrMapOvr>
+</p:sld>
+</file>
+
+<file path=ppt/slides/slide8.xml><?xml version="1.0" encoding="utf-8"?>
+<p:sld xmlns:a="http://schemas.openxmlformats.org/drawingml/2006/main" xmlns:r="http://schemas.openxmlformats.org/officeDocument/2006/relationships" xmlns:p="http://schemas.openxmlformats.org/presentationml/2006/main">
+  <p:cSld>
+    <p:spTree>
+      <p:nvGrpSpPr>
+        <p:cNvPr id="1" name=""/>
+        <p:cNvGrpSpPr/>
+        <p:nvPr/>
+      </p:nvGrpSpPr>
+      <p:grpSpPr>
+        <a:xfrm>
+          <a:off x="0" y="0"/>
+          <a:ext cx="0" cy="0"/>
+          <a:chOff x="0" y="0"/>
+          <a:chExt cx="0" cy="0"/>
+        </a:xfrm>
+      </p:grpSpPr>
+      <p:sp>
+        <p:nvSpPr>
+          <p:cNvPr id="2" name="Title 1">
+            <a:extLst>
+              <a:ext uri="{FF2B5EF4-FFF2-40B4-BE49-F238E27FC236}">
+                <a16:creationId xmlns:a16="http://schemas.microsoft.com/office/drawing/2014/main" id="{03B84BDC-68B3-487A-916F-19C1B1BCE58F}"/>
+              </a:ext>
+            </a:extLst>
+          </p:cNvPr>
+          <p:cNvSpPr>
+            <a:spLocks noGrp="1"/>
+          </p:cNvSpPr>
+          <p:nvPr>
+            <p:ph type="title"/>
+          </p:nvPr>
+        </p:nvSpPr>
+        <p:spPr/>
+        <p:txBody>
+          <a:bodyPr>
+            <a:normAutofit/>
+          </a:bodyPr>
+          <a:lstStyle/>
+          <a:p>
+            <a:r>
+              <a:rPr lang="nb-NO" sz="4800" dirty="0">
+                <a:solidFill>
+                  <a:schemeClr val="tx1"/>
+                </a:solidFill>
+              </a:rPr>
+              <a:t>Not just a </a:t>
+            </a:r>
+            <a:r>
+              <a:rPr lang="nb-NO" sz="4800" dirty="0" err="1">
+                <a:solidFill>
+                  <a:schemeClr val="tx1"/>
+                </a:solidFill>
+              </a:rPr>
+              <a:t>kernel</a:t>
+            </a:r>
+            <a:r>
+              <a:rPr lang="nb-NO" sz="4800" dirty="0">
+                <a:solidFill>
+                  <a:schemeClr val="tx1"/>
+                </a:solidFill>
+              </a:rPr>
+              <a:t> </a:t>
+            </a:r>
+            <a:r>
+              <a:rPr lang="nb-NO" sz="4800" dirty="0" err="1">
+                <a:solidFill>
+                  <a:schemeClr val="tx1"/>
+                </a:solidFill>
+              </a:rPr>
+              <a:t>size</a:t>
+            </a:r>
+            <a:r>
+              <a:rPr lang="nb-NO" sz="4800" dirty="0">
+                <a:solidFill>
+                  <a:schemeClr val="tx1"/>
+                </a:solidFill>
+              </a:rPr>
+              <a:t> </a:t>
+            </a:r>
+            <a:r>
+              <a:rPr lang="nb-NO" sz="4800" dirty="0" err="1">
+                <a:solidFill>
+                  <a:schemeClr val="tx1"/>
+                </a:solidFill>
+              </a:rPr>
+              <a:t>issue</a:t>
+            </a:r>
+            <a:r>
+              <a:rPr lang="nb-NO" sz="4800" dirty="0">
+                <a:solidFill>
+                  <a:schemeClr val="tx1"/>
+                </a:solidFill>
+              </a:rPr>
+              <a:t> (</a:t>
+            </a:r>
+            <a:r>
+              <a:rPr lang="nb-NO" sz="4800" dirty="0" err="1">
+                <a:solidFill>
+                  <a:schemeClr val="tx1"/>
+                </a:solidFill>
+              </a:rPr>
+              <a:t>these</a:t>
+            </a:r>
+            <a:r>
+              <a:rPr lang="nb-NO" sz="4800" dirty="0">
+                <a:solidFill>
+                  <a:schemeClr val="tx1"/>
+                </a:solidFill>
+              </a:rPr>
+              <a:t> </a:t>
+            </a:r>
+            <a:r>
+              <a:rPr lang="nb-NO" sz="4800" dirty="0" err="1">
+                <a:solidFill>
+                  <a:schemeClr val="tx1"/>
+                </a:solidFill>
+              </a:rPr>
+              <a:t>had</a:t>
+            </a:r>
+            <a:r>
+              <a:rPr lang="nb-NO" sz="4800" dirty="0">
+                <a:solidFill>
+                  <a:schemeClr val="tx1"/>
+                </a:solidFill>
+              </a:rPr>
+              <a:t> </a:t>
+            </a:r>
+            <a:r>
+              <a:rPr lang="nb-NO" sz="4800" dirty="0" err="1">
+                <a:solidFill>
+                  <a:schemeClr val="tx1"/>
+                </a:solidFill>
+              </a:rPr>
+              <a:t>ks</a:t>
+            </a:r>
+            <a:r>
+              <a:rPr lang="nb-NO" sz="4800" dirty="0">
+                <a:solidFill>
+                  <a:schemeClr val="tx1"/>
+                </a:solidFill>
+              </a:rPr>
+              <a:t>=8)</a:t>
+            </a:r>
+            <a:endParaRPr lang="en-GB" sz="4800" dirty="0">
+              <a:solidFill>
+                <a:schemeClr val="tx1"/>
+              </a:solidFill>
+            </a:endParaRPr>
+          </a:p>
+        </p:txBody>
+      </p:sp>
+      <p:pic>
+        <p:nvPicPr>
+          <p:cNvPr id="5" name="Content Placeholder 4" descr="A picture containing text, screenshot&#10;&#10;Description automatically generated">
+            <a:extLst>
+              <a:ext uri="{FF2B5EF4-FFF2-40B4-BE49-F238E27FC236}">
+                <a16:creationId xmlns:a16="http://schemas.microsoft.com/office/drawing/2014/main" id="{F589CBC7-A990-43CA-8981-59B32C742CFF}"/>
+              </a:ext>
+            </a:extLst>
+          </p:cNvPr>
+          <p:cNvPicPr>
+            <a:picLocks noGrp="1" noChangeAspect="1"/>
+          </p:cNvPicPr>
+          <p:nvPr>
+            <p:ph idx="1"/>
+          </p:nvPr>
+        </p:nvPicPr>
+        <p:blipFill>
+          <a:blip r:embed="rId2">
+            <a:extLst>
+              <a:ext uri="{28A0092B-C50C-407E-A947-70E740481C1C}">
+                <a14:useLocalDpi xmlns:a14="http://schemas.microsoft.com/office/drawing/2010/main" val="0"/>
+              </a:ext>
+            </a:extLst>
+          </a:blip>
+          <a:stretch>
+            <a:fillRect/>
+          </a:stretch>
+        </p:blipFill>
+        <p:spPr>
+          <a:xfrm>
+            <a:off x="1182113" y="1888585"/>
+            <a:ext cx="4438650" cy="3333750"/>
+          </a:xfrm>
+        </p:spPr>
+      </p:pic>
+      <p:pic>
+        <p:nvPicPr>
+          <p:cNvPr id="7" name="Picture 6" descr="A picture containing text, screenshot&#10;&#10;Description automatically generated">
+            <a:extLst>
+              <a:ext uri="{FF2B5EF4-FFF2-40B4-BE49-F238E27FC236}">
+                <a16:creationId xmlns:a16="http://schemas.microsoft.com/office/drawing/2014/main" id="{457D4CC2-021B-4A7F-B3FE-B1389F3A333B}"/>
+              </a:ext>
+            </a:extLst>
+          </p:cNvPr>
+          <p:cNvPicPr>
+            <a:picLocks noChangeAspect="1"/>
+          </p:cNvPicPr>
+          <p:nvPr/>
+        </p:nvPicPr>
+        <p:blipFill>
+          <a:blip r:embed="rId3">
+            <a:extLst>
+              <a:ext uri="{28A0092B-C50C-407E-A947-70E740481C1C}">
+                <a14:useLocalDpi xmlns:a14="http://schemas.microsoft.com/office/drawing/2010/main" val="0"/>
+              </a:ext>
+            </a:extLst>
+          </a:blip>
+          <a:stretch>
+            <a:fillRect/>
+          </a:stretch>
+        </p:blipFill>
+        <p:spPr>
+          <a:xfrm>
+            <a:off x="6483687" y="1888585"/>
+            <a:ext cx="4438650" cy="3333750"/>
+          </a:xfrm>
+          <a:prstGeom prst="rect">
+            <a:avLst/>
+          </a:prstGeom>
+        </p:spPr>
+      </p:pic>
+    </p:spTree>
+    <p:extLst>
+      <p:ext uri="{BB962C8B-B14F-4D97-AF65-F5344CB8AC3E}">
+        <p14:creationId xmlns:p14="http://schemas.microsoft.com/office/powerpoint/2010/main" val="2778917961"/>
+      </p:ext>
+    </p:extLst>
+  </p:cSld>
+  <p:clrMapOvr>
+    <a:masterClrMapping/>
+  </p:clrMapOvr>
+</p:sld>
+</file>
+
+<file path=ppt/slides/slide9.xml><?xml version="1.0" encoding="utf-8"?>
+<p:sld xmlns:a="http://schemas.openxmlformats.org/drawingml/2006/main" xmlns:r="http://schemas.openxmlformats.org/officeDocument/2006/relationships" xmlns:p="http://schemas.openxmlformats.org/presentationml/2006/main">
+  <p:cSld>
+    <p:spTree>
+      <p:nvGrpSpPr>
+        <p:cNvPr id="1" name=""/>
+        <p:cNvGrpSpPr/>
+        <p:nvPr/>
+      </p:nvGrpSpPr>
+      <p:grpSpPr>
+        <a:xfrm>
+          <a:off x="0" y="0"/>
+          <a:ext cx="0" cy="0"/>
+          <a:chOff x="0" y="0"/>
+          <a:chExt cx="0" cy="0"/>
+        </a:xfrm>
+      </p:grpSpPr>
+      <p:sp>
+        <p:nvSpPr>
+          <p:cNvPr id="2" name="Title 1">
+            <a:extLst>
+              <a:ext uri="{FF2B5EF4-FFF2-40B4-BE49-F238E27FC236}">
+                <a16:creationId xmlns:a16="http://schemas.microsoft.com/office/drawing/2014/main" id="{E36C5BE7-EB5D-407C-805E-ADE99408FFFB}"/>
+              </a:ext>
+            </a:extLst>
+          </p:cNvPr>
+          <p:cNvSpPr>
+            <a:spLocks noGrp="1"/>
+          </p:cNvSpPr>
+          <p:nvPr>
+            <p:ph type="title"/>
+          </p:nvPr>
+        </p:nvSpPr>
+        <p:spPr/>
+        <p:txBody>
+          <a:bodyPr>
+            <a:normAutofit/>
+          </a:bodyPr>
+          <a:lstStyle/>
+          <a:p>
+            <a:r>
+              <a:rPr lang="nb-NO" sz="4000" dirty="0" err="1">
+                <a:solidFill>
+                  <a:schemeClr val="tx1"/>
+                </a:solidFill>
+              </a:rPr>
+              <a:t>Errors</a:t>
+            </a:r>
+            <a:r>
+              <a:rPr lang="nb-NO" sz="4000" dirty="0">
+                <a:solidFill>
+                  <a:schemeClr val="tx1"/>
+                </a:solidFill>
+              </a:rPr>
+              <a:t> </a:t>
+            </a:r>
+            <a:r>
+              <a:rPr lang="nb-NO" sz="4000" dirty="0" err="1">
+                <a:solidFill>
+                  <a:schemeClr val="tx1"/>
+                </a:solidFill>
+              </a:rPr>
+              <a:t>might</a:t>
+            </a:r>
+            <a:r>
+              <a:rPr lang="nb-NO" sz="4000" dirty="0">
+                <a:solidFill>
+                  <a:schemeClr val="tx1"/>
+                </a:solidFill>
+              </a:rPr>
+              <a:t> just be bad regions </a:t>
+            </a:r>
+            <a:r>
+              <a:rPr lang="nb-NO" sz="4000" dirty="0" err="1">
+                <a:solidFill>
+                  <a:schemeClr val="tx1"/>
+                </a:solidFill>
+              </a:rPr>
+              <a:t>of</a:t>
+            </a:r>
+            <a:r>
+              <a:rPr lang="nb-NO" sz="4000" dirty="0">
+                <a:solidFill>
+                  <a:schemeClr val="tx1"/>
+                </a:solidFill>
+              </a:rPr>
+              <a:t> loss landscape</a:t>
+            </a:r>
+            <a:endParaRPr lang="en-GB" sz="4000" dirty="0">
+              <a:solidFill>
+                <a:schemeClr val="tx1"/>
+              </a:solidFill>
+            </a:endParaRPr>
+          </a:p>
+        </p:txBody>
+      </p:sp>
+      <p:pic>
+        <p:nvPicPr>
+          <p:cNvPr id="5" name="Content Placeholder 4">
+            <a:extLst>
+              <a:ext uri="{FF2B5EF4-FFF2-40B4-BE49-F238E27FC236}">
+                <a16:creationId xmlns:a16="http://schemas.microsoft.com/office/drawing/2014/main" id="{3B89FBB7-DF56-48EC-8756-0059E7798100}"/>
+              </a:ext>
+            </a:extLst>
+          </p:cNvPr>
+          <p:cNvPicPr>
+            <a:picLocks noGrp="1" noChangeAspect="1"/>
+          </p:cNvPicPr>
+          <p:nvPr>
+            <p:ph idx="1"/>
+          </p:nvPr>
+        </p:nvPicPr>
+        <p:blipFill>
+          <a:blip r:embed="rId2"/>
+          <a:stretch>
+            <a:fillRect/>
+          </a:stretch>
+        </p:blipFill>
+        <p:spPr>
+          <a:xfrm>
+            <a:off x="1809750" y="2013744"/>
+            <a:ext cx="8486775" cy="3762375"/>
+          </a:xfrm>
+        </p:spPr>
+      </p:pic>
+    </p:spTree>
+    <p:extLst>
+      <p:ext uri="{BB962C8B-B14F-4D97-AF65-F5344CB8AC3E}">
+        <p14:creationId xmlns:p14="http://schemas.microsoft.com/office/powerpoint/2010/main" val="2971230527"/>
       </p:ext>
     </p:extLst>
   </p:cSld>

--- a/Meeting Presentations/03.11.2022_General_meeting.pptx
+++ b/Meeting Presentations/03.11.2022_General_meeting.pptx
@@ -18,8 +18,9 @@
     <p:sldId id="265" r:id="rId12"/>
     <p:sldId id="267" r:id="rId13"/>
     <p:sldId id="268" r:id="rId14"/>
-    <p:sldId id="269" r:id="rId15"/>
-    <p:sldId id="270" r:id="rId16"/>
+    <p:sldId id="271" r:id="rId15"/>
+    <p:sldId id="269" r:id="rId16"/>
+    <p:sldId id="270" r:id="rId17"/>
   </p:sldIdLst>
   <p:sldSz cx="12192000" cy="6858000"/>
   <p:notesSz cx="6858000" cy="9144000"/>
@@ -4665,6 +4666,9 @@
             </a:r>
           </a:p>
           <a:p>
+            <a:endParaRPr lang="nb-NO" dirty="0"/>
+          </a:p>
+          <a:p>
             <a:r>
               <a:rPr lang="nb-NO" dirty="0"/>
               <a:t>How to do </a:t>
@@ -5088,6 +5092,145 @@
           <p:cNvPr id="2" name="Title 1">
             <a:extLst>
               <a:ext uri="{FF2B5EF4-FFF2-40B4-BE49-F238E27FC236}">
+                <a16:creationId xmlns:a16="http://schemas.microsoft.com/office/drawing/2014/main" id="{660803DD-9907-4704-9344-C3C222CDC9E4}"/>
+              </a:ext>
+            </a:extLst>
+          </p:cNvPr>
+          <p:cNvSpPr>
+            <a:spLocks noGrp="1"/>
+          </p:cNvSpPr>
+          <p:nvPr>
+            <p:ph type="title"/>
+          </p:nvPr>
+        </p:nvSpPr>
+        <p:spPr/>
+        <p:txBody>
+          <a:bodyPr/>
+          <a:lstStyle/>
+          <a:p>
+            <a:r>
+              <a:rPr lang="nb-NO" dirty="0" err="1">
+                <a:solidFill>
+                  <a:schemeClr val="tx1"/>
+                </a:solidFill>
+              </a:rPr>
+              <a:t>Further</a:t>
+            </a:r>
+            <a:r>
+              <a:rPr lang="nb-NO" dirty="0">
+                <a:solidFill>
+                  <a:schemeClr val="tx1"/>
+                </a:solidFill>
+              </a:rPr>
+              <a:t> </a:t>
+            </a:r>
+            <a:r>
+              <a:rPr lang="nb-NO" dirty="0" err="1">
+                <a:solidFill>
+                  <a:schemeClr val="tx1"/>
+                </a:solidFill>
+              </a:rPr>
+              <a:t>work</a:t>
+            </a:r>
+            <a:endParaRPr lang="en-GB" dirty="0">
+              <a:solidFill>
+                <a:schemeClr val="tx1"/>
+              </a:solidFill>
+            </a:endParaRPr>
+          </a:p>
+        </p:txBody>
+      </p:sp>
+      <p:sp>
+        <p:nvSpPr>
+          <p:cNvPr id="3" name="Content Placeholder 2">
+            <a:extLst>
+              <a:ext uri="{FF2B5EF4-FFF2-40B4-BE49-F238E27FC236}">
+                <a16:creationId xmlns:a16="http://schemas.microsoft.com/office/drawing/2014/main" id="{026BC465-DC47-4EEB-B8DB-00AB00D26921}"/>
+              </a:ext>
+            </a:extLst>
+          </p:cNvPr>
+          <p:cNvSpPr>
+            <a:spLocks noGrp="1"/>
+          </p:cNvSpPr>
+          <p:nvPr>
+            <p:ph idx="1"/>
+          </p:nvPr>
+        </p:nvSpPr>
+        <p:spPr/>
+        <p:txBody>
+          <a:bodyPr/>
+          <a:lstStyle/>
+          <a:p>
+            <a:r>
+              <a:rPr lang="nb-NO" dirty="0" err="1"/>
+              <a:t>Geotechnical</a:t>
+            </a:r>
+            <a:r>
+              <a:rPr lang="nb-NO" dirty="0"/>
+              <a:t> parameters and </a:t>
+            </a:r>
+            <a:r>
+              <a:rPr lang="nb-NO" dirty="0" err="1"/>
+              <a:t>evaluating</a:t>
+            </a:r>
+            <a:r>
+              <a:rPr lang="nb-NO" dirty="0"/>
+              <a:t> </a:t>
+            </a:r>
+            <a:r>
+              <a:rPr lang="nb-NO" dirty="0" err="1"/>
+              <a:t>prediction</a:t>
+            </a:r>
+            <a:r>
+              <a:rPr lang="nb-NO" dirty="0"/>
+              <a:t> </a:t>
+            </a:r>
+            <a:r>
+              <a:rPr lang="nb-NO" dirty="0" err="1"/>
+              <a:t>capabilities</a:t>
+            </a:r>
+            <a:endParaRPr lang="nb-NO"/>
+          </a:p>
+          <a:p>
+            <a:endParaRPr lang="nb-NO"/>
+          </a:p>
+        </p:txBody>
+      </p:sp>
+    </p:spTree>
+    <p:extLst>
+      <p:ext uri="{BB962C8B-B14F-4D97-AF65-F5344CB8AC3E}">
+        <p14:creationId xmlns:p14="http://schemas.microsoft.com/office/powerpoint/2010/main" val="258436470"/>
+      </p:ext>
+    </p:extLst>
+  </p:cSld>
+  <p:clrMapOvr>
+    <a:masterClrMapping/>
+  </p:clrMapOvr>
+</p:sld>
+</file>
+
+<file path=ppt/slides/slide15.xml><?xml version="1.0" encoding="utf-8"?>
+<p:sld xmlns:a="http://schemas.openxmlformats.org/drawingml/2006/main" xmlns:r="http://schemas.openxmlformats.org/officeDocument/2006/relationships" xmlns:p="http://schemas.openxmlformats.org/presentationml/2006/main">
+  <p:cSld>
+    <p:spTree>
+      <p:nvGrpSpPr>
+        <p:cNvPr id="1" name=""/>
+        <p:cNvGrpSpPr/>
+        <p:nvPr/>
+      </p:nvGrpSpPr>
+      <p:grpSpPr>
+        <a:xfrm>
+          <a:off x="0" y="0"/>
+          <a:ext cx="0" cy="0"/>
+          <a:chOff x="0" y="0"/>
+          <a:chExt cx="0" cy="0"/>
+        </a:xfrm>
+      </p:grpSpPr>
+      <p:sp>
+        <p:nvSpPr>
+          <p:cNvPr id="2" name="Title 1">
+            <a:extLst>
+              <a:ext uri="{FF2B5EF4-FFF2-40B4-BE49-F238E27FC236}">
                 <a16:creationId xmlns:a16="http://schemas.microsoft.com/office/drawing/2014/main" id="{6B283408-BB91-4F30-AEBA-837D0C36FA3A}"/>
               </a:ext>
             </a:extLst>
@@ -5469,7 +5612,7 @@
 </p:sld>
 </file>
 
-<file path=ppt/slides/slide15.xml><?xml version="1.0" encoding="utf-8"?>
+<file path=ppt/slides/slide16.xml><?xml version="1.0" encoding="utf-8"?>
 <p:sld xmlns:a="http://schemas.openxmlformats.org/drawingml/2006/main" xmlns:r="http://schemas.openxmlformats.org/officeDocument/2006/relationships" xmlns:p="http://schemas.openxmlformats.org/presentationml/2006/main">
   <p:cSld>
     <p:spTree>
@@ -5678,9 +5821,23 @@
             </a:r>
           </a:p>
           <a:p>
-            <a:r>
-              <a:rPr lang="nb-NO" dirty="0"/>
-              <a:t>Status </a:t>
+            <a:endParaRPr lang="nb-NO" dirty="0"/>
+          </a:p>
+          <a:p>
+            <a:endParaRPr lang="nb-NO" dirty="0"/>
+          </a:p>
+          <a:p>
+            <a:r>
+              <a:rPr lang="nb-NO" dirty="0"/>
+              <a:t>This </a:t>
+            </a:r>
+            <a:r>
+              <a:rPr lang="nb-NO" dirty="0" err="1"/>
+              <a:t>will</a:t>
+            </a:r>
+            <a:r>
+              <a:rPr lang="nb-NO" dirty="0"/>
+              <a:t> be a status </a:t>
             </a:r>
             <a:r>
               <a:rPr lang="nb-NO" dirty="0" err="1"/>

--- a/Meeting Presentations/03.11.2022_General_meeting.pptx
+++ b/Meeting Presentations/03.11.2022_General_meeting.pptx
@@ -5132,6 +5132,30 @@
               </a:rPr>
               <a:t>work</a:t>
             </a:r>
+            <a:r>
+              <a:rPr lang="nb-NO" dirty="0">
+                <a:solidFill>
+                  <a:schemeClr val="tx1"/>
+                </a:solidFill>
+              </a:rPr>
+              <a:t> </a:t>
+            </a:r>
+            <a:r>
+              <a:rPr lang="nb-NO" dirty="0" err="1">
+                <a:solidFill>
+                  <a:schemeClr val="tx1"/>
+                </a:solidFill>
+              </a:rPr>
+              <a:t>cont</a:t>
+            </a:r>
+            <a:r>
+              <a:rPr lang="nb-NO" dirty="0">
+                <a:solidFill>
+                  <a:schemeClr val="tx1"/>
+                </a:solidFill>
+              </a:rPr>
+              <a:t>.</a:t>
+            </a:r>
             <a:endParaRPr lang="en-GB" dirty="0">
               <a:solidFill>
                 <a:schemeClr val="tx1"/>
@@ -5189,10 +5213,110 @@
               <a:rPr lang="nb-NO" dirty="0" err="1"/>
               <a:t>capabilities</a:t>
             </a:r>
-            <a:endParaRPr lang="nb-NO"/>
-          </a:p>
-          <a:p>
-            <a:endParaRPr lang="nb-NO"/>
+            <a:endParaRPr lang="nb-NO" dirty="0"/>
+          </a:p>
+          <a:p>
+            <a:endParaRPr lang="nb-NO" dirty="0"/>
+          </a:p>
+          <a:p>
+            <a:r>
+              <a:rPr lang="nb-NO" dirty="0"/>
+              <a:t>Reading </a:t>
+            </a:r>
+            <a:r>
+              <a:rPr lang="nb-NO" dirty="0" err="1"/>
+              <a:t>through</a:t>
+            </a:r>
+            <a:r>
+              <a:rPr lang="nb-NO" dirty="0"/>
+              <a:t> </a:t>
+            </a:r>
+            <a:r>
+              <a:rPr lang="nb-NO" dirty="0" err="1"/>
+              <a:t>the</a:t>
+            </a:r>
+            <a:r>
+              <a:rPr lang="nb-NO" dirty="0"/>
+              <a:t> reports and </a:t>
+            </a:r>
+            <a:r>
+              <a:rPr lang="nb-NO" dirty="0" err="1"/>
+              <a:t>finding</a:t>
+            </a:r>
+            <a:r>
+              <a:rPr lang="nb-NO" dirty="0"/>
+              <a:t> </a:t>
+            </a:r>
+            <a:r>
+              <a:rPr lang="nb-NO" dirty="0" err="1"/>
+              <a:t>good</a:t>
+            </a:r>
+            <a:r>
+              <a:rPr lang="nb-NO" dirty="0"/>
+              <a:t> </a:t>
+            </a:r>
+            <a:r>
+              <a:rPr lang="nb-NO" dirty="0" err="1"/>
+              <a:t>sources</a:t>
+            </a:r>
+            <a:endParaRPr lang="nb-NO" dirty="0"/>
+          </a:p>
+          <a:p>
+            <a:endParaRPr lang="nb-NO" dirty="0"/>
+          </a:p>
+          <a:p>
+            <a:r>
+              <a:rPr lang="nb-NO" dirty="0" err="1"/>
+              <a:t>Writing</a:t>
+            </a:r>
+            <a:r>
+              <a:rPr lang="nb-NO" dirty="0"/>
+              <a:t>.. (</a:t>
+            </a:r>
+            <a:r>
+              <a:rPr lang="nb-NO" dirty="0" err="1"/>
+              <a:t>hopefully</a:t>
+            </a:r>
+            <a:r>
+              <a:rPr lang="nb-NO" dirty="0"/>
+              <a:t> a lot </a:t>
+            </a:r>
+            <a:r>
+              <a:rPr lang="nb-NO" dirty="0" err="1"/>
+              <a:t>of</a:t>
+            </a:r>
+            <a:r>
+              <a:rPr lang="nb-NO" dirty="0"/>
+              <a:t> time </a:t>
+            </a:r>
+            <a:r>
+              <a:rPr lang="nb-NO" dirty="0" err="1"/>
+              <a:t>while</a:t>
+            </a:r>
+            <a:r>
+              <a:rPr lang="nb-NO" dirty="0"/>
+              <a:t> </a:t>
+            </a:r>
+            <a:r>
+              <a:rPr lang="nb-NO" dirty="0" err="1"/>
+              <a:t>models</a:t>
+            </a:r>
+            <a:r>
+              <a:rPr lang="nb-NO" dirty="0"/>
+              <a:t> run)</a:t>
+            </a:r>
+          </a:p>
+          <a:p>
+            <a:pPr marL="0" indent="0">
+              <a:buNone/>
+            </a:pPr>
+            <a:endParaRPr lang="nb-NO" dirty="0"/>
+          </a:p>
+          <a:p>
+            <a:endParaRPr lang="nb-NO" dirty="0"/>
+          </a:p>
+          <a:p>
+            <a:endParaRPr lang="nb-NO" dirty="0"/>
           </a:p>
         </p:txBody>
       </p:sp>
